--- a/pawapo_todo.pptx
+++ b/pawapo_todo.pptx
@@ -2,20 +2,24 @@
 <file path=ppt/presentation.xml><?xml version="1.0" encoding="utf-8"?>
 <p:presentation xmlns:a="http://schemas.openxmlformats.org/drawingml/2006/main" xmlns:r="http://schemas.openxmlformats.org/officeDocument/2006/relationships" xmlns:p="http://schemas.openxmlformats.org/presentationml/2006/main" saveSubsetFonts="1">
   <p:sldMasterIdLst>
-    <p:sldMasterId id="2147483648" r:id="rId1"/>
+    <p:sldMasterId id="2147483660" r:id="rId1"/>
   </p:sldMasterIdLst>
   <p:sldIdLst>
-    <p:sldId id="256" r:id="rId2"/>
-    <p:sldId id="257" r:id="rId3"/>
+    <p:sldId id="258" r:id="rId2"/>
+    <p:sldId id="256" r:id="rId3"/>
+    <p:sldId id="257" r:id="rId4"/>
+    <p:sldId id="259" r:id="rId5"/>
+    <p:sldId id="260" r:id="rId6"/>
+    <p:sldId id="261" r:id="rId7"/>
   </p:sldIdLst>
   <p:sldSz cx="12192000" cy="6858000"/>
   <p:notesSz cx="6858000" cy="9144000"/>
   <p:defaultTextStyle>
     <a:defPPr>
-      <a:defRPr lang="ja-JP"/>
+      <a:defRPr lang="en-US"/>
     </a:defPPr>
-    <a:lvl1pPr marL="0" algn="l" defTabSz="914400" rtl="0" eaLnBrk="1" latinLnBrk="0" hangingPunct="1">
-      <a:defRPr kumimoji="1" sz="1800" kern="1200">
+    <a:lvl1pPr marL="0" algn="l" defTabSz="457200" rtl="0" eaLnBrk="1" latinLnBrk="0" hangingPunct="1">
+      <a:defRPr sz="1800" kern="1200">
         <a:solidFill>
           <a:schemeClr val="tx1"/>
         </a:solidFill>
@@ -24,8 +28,8 @@
         <a:cs typeface="+mn-cs"/>
       </a:defRPr>
     </a:lvl1pPr>
-    <a:lvl2pPr marL="457200" algn="l" defTabSz="914400" rtl="0" eaLnBrk="1" latinLnBrk="0" hangingPunct="1">
-      <a:defRPr kumimoji="1" sz="1800" kern="1200">
+    <a:lvl2pPr marL="457200" algn="l" defTabSz="457200" rtl="0" eaLnBrk="1" latinLnBrk="0" hangingPunct="1">
+      <a:defRPr sz="1800" kern="1200">
         <a:solidFill>
           <a:schemeClr val="tx1"/>
         </a:solidFill>
@@ -34,8 +38,8 @@
         <a:cs typeface="+mn-cs"/>
       </a:defRPr>
     </a:lvl2pPr>
-    <a:lvl3pPr marL="914400" algn="l" defTabSz="914400" rtl="0" eaLnBrk="1" latinLnBrk="0" hangingPunct="1">
-      <a:defRPr kumimoji="1" sz="1800" kern="1200">
+    <a:lvl3pPr marL="914400" algn="l" defTabSz="457200" rtl="0" eaLnBrk="1" latinLnBrk="0" hangingPunct="1">
+      <a:defRPr sz="1800" kern="1200">
         <a:solidFill>
           <a:schemeClr val="tx1"/>
         </a:solidFill>
@@ -44,8 +48,8 @@
         <a:cs typeface="+mn-cs"/>
       </a:defRPr>
     </a:lvl3pPr>
-    <a:lvl4pPr marL="1371600" algn="l" defTabSz="914400" rtl="0" eaLnBrk="1" latinLnBrk="0" hangingPunct="1">
-      <a:defRPr kumimoji="1" sz="1800" kern="1200">
+    <a:lvl4pPr marL="1371600" algn="l" defTabSz="457200" rtl="0" eaLnBrk="1" latinLnBrk="0" hangingPunct="1">
+      <a:defRPr sz="1800" kern="1200">
         <a:solidFill>
           <a:schemeClr val="tx1"/>
         </a:solidFill>
@@ -54,8 +58,8 @@
         <a:cs typeface="+mn-cs"/>
       </a:defRPr>
     </a:lvl4pPr>
-    <a:lvl5pPr marL="1828800" algn="l" defTabSz="914400" rtl="0" eaLnBrk="1" latinLnBrk="0" hangingPunct="1">
-      <a:defRPr kumimoji="1" sz="1800" kern="1200">
+    <a:lvl5pPr marL="1828800" algn="l" defTabSz="457200" rtl="0" eaLnBrk="1" latinLnBrk="0" hangingPunct="1">
+      <a:defRPr sz="1800" kern="1200">
         <a:solidFill>
           <a:schemeClr val="tx1"/>
         </a:solidFill>
@@ -64,8 +68,8 @@
         <a:cs typeface="+mn-cs"/>
       </a:defRPr>
     </a:lvl5pPr>
-    <a:lvl6pPr marL="2286000" algn="l" defTabSz="914400" rtl="0" eaLnBrk="1" latinLnBrk="0" hangingPunct="1">
-      <a:defRPr kumimoji="1" sz="1800" kern="1200">
+    <a:lvl6pPr marL="2286000" algn="l" defTabSz="457200" rtl="0" eaLnBrk="1" latinLnBrk="0" hangingPunct="1">
+      <a:defRPr sz="1800" kern="1200">
         <a:solidFill>
           <a:schemeClr val="tx1"/>
         </a:solidFill>
@@ -74,8 +78,8 @@
         <a:cs typeface="+mn-cs"/>
       </a:defRPr>
     </a:lvl6pPr>
-    <a:lvl7pPr marL="2743200" algn="l" defTabSz="914400" rtl="0" eaLnBrk="1" latinLnBrk="0" hangingPunct="1">
-      <a:defRPr kumimoji="1" sz="1800" kern="1200">
+    <a:lvl7pPr marL="2743200" algn="l" defTabSz="457200" rtl="0" eaLnBrk="1" latinLnBrk="0" hangingPunct="1">
+      <a:defRPr sz="1800" kern="1200">
         <a:solidFill>
           <a:schemeClr val="tx1"/>
         </a:solidFill>
@@ -84,8 +88,8 @@
         <a:cs typeface="+mn-cs"/>
       </a:defRPr>
     </a:lvl7pPr>
-    <a:lvl8pPr marL="3200400" algn="l" defTabSz="914400" rtl="0" eaLnBrk="1" latinLnBrk="0" hangingPunct="1">
-      <a:defRPr kumimoji="1" sz="1800" kern="1200">
+    <a:lvl8pPr marL="3200400" algn="l" defTabSz="457200" rtl="0" eaLnBrk="1" latinLnBrk="0" hangingPunct="1">
+      <a:defRPr sz="1800" kern="1200">
         <a:solidFill>
           <a:schemeClr val="tx1"/>
         </a:solidFill>
@@ -94,8 +98,8 @@
         <a:cs typeface="+mn-cs"/>
       </a:defRPr>
     </a:lvl8pPr>
-    <a:lvl9pPr marL="3657600" algn="l" defTabSz="914400" rtl="0" eaLnBrk="1" latinLnBrk="0" hangingPunct="1">
-      <a:defRPr kumimoji="1" sz="1800" kern="1200">
+    <a:lvl9pPr marL="3657600" algn="l" defTabSz="457200" rtl="0" eaLnBrk="1" latinLnBrk="0" hangingPunct="1">
+      <a:defRPr sz="1800" kern="1200">
         <a:solidFill>
           <a:schemeClr val="tx1"/>
         </a:solidFill>
@@ -105,6 +109,11 @@
       </a:defRPr>
     </a:lvl9pPr>
   </p:defaultTextStyle>
+  <p:extLst>
+    <p:ext uri="{EFAFB233-063F-42B5-8137-9DF3F51BA10A}">
+      <p15:sldGuideLst xmlns:p15="http://schemas.microsoft.com/office/powerpoint/2012/main"/>
+    </p:ext>
+  </p:extLst>
 </p:presentation>
 </file>
 
@@ -127,50 +136,90 @@
       </p:grpSpPr>
       <p:sp>
         <p:nvSpPr>
-          <p:cNvPr id="2" name="タイトル 1">
-            <a:extLst>
-              <a:ext uri="{FF2B5EF4-FFF2-40B4-BE49-F238E27FC236}">
-                <a16:creationId xmlns:a16="http://schemas.microsoft.com/office/drawing/2014/main" id="{2BB0FDBD-A7C1-C637-4A40-94279DF4F54C}"/>
-              </a:ext>
-            </a:extLst>
-          </p:cNvPr>
-          <p:cNvSpPr>
-            <a:spLocks noGrp="1"/>
-          </p:cNvSpPr>
-          <p:nvPr>
-            <p:ph type="ctrTitle"/>
-          </p:nvPr>
+          <p:cNvPr id="7" name="Rectangle 6"/>
+          <p:cNvSpPr>
+            <a:spLocks noChangeAspect="1"/>
+          </p:cNvSpPr>
+          <p:nvPr/>
         </p:nvSpPr>
         <p:spPr>
           <a:xfrm>
-            <a:off x="1524000" y="1122363"/>
-            <a:ext cx="9144000" cy="2387600"/>
+            <a:off x="231140" y="243840"/>
+            <a:ext cx="11724640" cy="6377939"/>
+          </a:xfrm>
+          <a:prstGeom prst="rect">
+            <a:avLst/>
+          </a:prstGeom>
+          <a:solidFill>
+            <a:schemeClr val="accent1"/>
+          </a:solidFill>
+          <a:ln w="12700">
+            <a:solidFill>
+              <a:srgbClr val="FFFFFF"/>
+            </a:solidFill>
+          </a:ln>
+        </p:spPr>
+        <p:style>
+          <a:lnRef idx="2">
+            <a:schemeClr val="accent1">
+              <a:shade val="50000"/>
+            </a:schemeClr>
+          </a:lnRef>
+          <a:fillRef idx="1">
+            <a:schemeClr val="accent1"/>
+          </a:fillRef>
+          <a:effectRef idx="0">
+            <a:schemeClr val="accent1"/>
+          </a:effectRef>
+          <a:fontRef idx="minor">
+            <a:schemeClr val="lt1"/>
+          </a:fontRef>
+        </p:style>
+      </p:sp>
+      <p:sp>
+        <p:nvSpPr>
+          <p:cNvPr id="2" name="Title 1"/>
+          <p:cNvSpPr>
+            <a:spLocks noGrp="1"/>
+          </p:cNvSpPr>
+          <p:nvPr>
+            <p:ph type="ctrTitle"/>
+          </p:nvPr>
+        </p:nvSpPr>
+        <p:spPr>
+          <a:xfrm>
+            <a:off x="1109980" y="882376"/>
+            <a:ext cx="9966960" cy="2926080"/>
           </a:xfrm>
         </p:spPr>
         <p:txBody>
-          <a:bodyPr anchor="b"/>
+          <a:bodyPr anchor="b">
+            <a:normAutofit/>
+          </a:bodyPr>
           <a:lstStyle>
             <a:lvl1pPr algn="ctr">
-              <a:defRPr sz="6000"/>
+              <a:lnSpc>
+                <a:spcPct val="85000"/>
+              </a:lnSpc>
+              <a:defRPr sz="7200" b="1" cap="all" baseline="0">
+                <a:solidFill>
+                  <a:srgbClr val="FFFFFF"/>
+                </a:solidFill>
+              </a:defRPr>
             </a:lvl1pPr>
           </a:lstStyle>
           <a:p>
             <a:r>
-              <a:rPr kumimoji="1" lang="ja-JP" altLang="en-US"/>
+              <a:rPr lang="ja-JP" altLang="en-US"/>
               <a:t>マスター タイトルの書式設定</a:t>
             </a:r>
-          </a:p>
-        </p:txBody>
-      </p:sp>
-      <p:sp>
-        <p:nvSpPr>
-          <p:cNvPr id="3" name="字幕 2">
-            <a:extLst>
-              <a:ext uri="{FF2B5EF4-FFF2-40B4-BE49-F238E27FC236}">
-                <a16:creationId xmlns:a16="http://schemas.microsoft.com/office/drawing/2014/main" id="{572FE601-44EC-B5F6-0C11-8B5709B58872}"/>
-              </a:ext>
-            </a:extLst>
-          </p:cNvPr>
+            <a:endParaRPr lang="en-US" dirty="0"/>
+          </a:p>
+        </p:txBody>
+      </p:sp>
+      <p:sp>
+        <p:nvSpPr>
+          <p:cNvPr id="3" name="Subtitle 2"/>
           <p:cNvSpPr>
             <a:spLocks noGrp="1"/>
           </p:cNvSpPr>
@@ -180,67 +229,68 @@
         </p:nvSpPr>
         <p:spPr>
           <a:xfrm>
-            <a:off x="1524000" y="3602038"/>
-            <a:ext cx="9144000" cy="1655762"/>
+            <a:off x="1709530" y="3869634"/>
+            <a:ext cx="8767860" cy="1388165"/>
           </a:xfrm>
         </p:spPr>
         <p:txBody>
-          <a:bodyPr/>
+          <a:bodyPr>
+            <a:normAutofit/>
+          </a:bodyPr>
           <a:lstStyle>
             <a:lvl1pPr marL="0" indent="0" algn="ctr">
               <a:buNone/>
-              <a:defRPr sz="2400"/>
+              <a:defRPr sz="2200">
+                <a:solidFill>
+                  <a:srgbClr val="FFFFFF"/>
+                </a:solidFill>
+              </a:defRPr>
             </a:lvl1pPr>
             <a:lvl2pPr marL="457200" indent="0" algn="ctr">
               <a:buNone/>
-              <a:defRPr sz="2000"/>
+              <a:defRPr sz="2200"/>
             </a:lvl2pPr>
             <a:lvl3pPr marL="914400" indent="0" algn="ctr">
               <a:buNone/>
-              <a:defRPr sz="1800"/>
+              <a:defRPr sz="2200"/>
             </a:lvl3pPr>
             <a:lvl4pPr marL="1371600" indent="0" algn="ctr">
               <a:buNone/>
-              <a:defRPr sz="1600"/>
+              <a:defRPr sz="2000"/>
             </a:lvl4pPr>
             <a:lvl5pPr marL="1828800" indent="0" algn="ctr">
               <a:buNone/>
-              <a:defRPr sz="1600"/>
+              <a:defRPr sz="2000"/>
             </a:lvl5pPr>
             <a:lvl6pPr marL="2286000" indent="0" algn="ctr">
               <a:buNone/>
-              <a:defRPr sz="1600"/>
+              <a:defRPr sz="2000"/>
             </a:lvl6pPr>
             <a:lvl7pPr marL="2743200" indent="0" algn="ctr">
               <a:buNone/>
-              <a:defRPr sz="1600"/>
+              <a:defRPr sz="2000"/>
             </a:lvl7pPr>
             <a:lvl8pPr marL="3200400" indent="0" algn="ctr">
               <a:buNone/>
-              <a:defRPr sz="1600"/>
+              <a:defRPr sz="2000"/>
             </a:lvl8pPr>
             <a:lvl9pPr marL="3657600" indent="0" algn="ctr">
               <a:buNone/>
-              <a:defRPr sz="1600"/>
+              <a:defRPr sz="2000"/>
             </a:lvl9pPr>
           </a:lstStyle>
           <a:p>
             <a:r>
-              <a:rPr kumimoji="1" lang="ja-JP" altLang="en-US"/>
+              <a:rPr lang="ja-JP" altLang="en-US"/>
               <a:t>マスター サブタイトルの書式設定</a:t>
             </a:r>
-          </a:p>
-        </p:txBody>
-      </p:sp>
-      <p:sp>
-        <p:nvSpPr>
-          <p:cNvPr id="4" name="日付プレースホルダー 3">
-            <a:extLst>
-              <a:ext uri="{FF2B5EF4-FFF2-40B4-BE49-F238E27FC236}">
-                <a16:creationId xmlns:a16="http://schemas.microsoft.com/office/drawing/2014/main" id="{FFE8347D-1D74-2B6C-49F1-1A9EAEF3457A}"/>
-              </a:ext>
-            </a:extLst>
-          </p:cNvPr>
+            <a:endParaRPr lang="en-US" dirty="0"/>
+          </a:p>
+        </p:txBody>
+      </p:sp>
+      <p:sp>
+        <p:nvSpPr>
+          <p:cNvPr id="4" name="Date Placeholder 3"/>
           <p:cNvSpPr>
             <a:spLocks noGrp="1"/>
           </p:cNvSpPr>
@@ -251,11 +301,19 @@
         <p:spPr/>
         <p:txBody>
           <a:bodyPr/>
-          <a:lstStyle/>
+          <a:lstStyle>
+            <a:lvl1pPr>
+              <a:defRPr>
+                <a:solidFill>
+                  <a:srgbClr val="FFFFFF"/>
+                </a:solidFill>
+              </a:defRPr>
+            </a:lvl1pPr>
+          </a:lstStyle>
           <a:p>
             <a:fld id="{C9B504C2-A79A-4F1A-AD7E-81042A61A2F1}" type="datetimeFigureOut">
               <a:rPr kumimoji="1" lang="ja-JP" altLang="en-US" smtClean="0"/>
-              <a:t>2025/5/21</a:t>
+              <a:t>2025/7/2</a:t>
             </a:fld>
             <a:endParaRPr kumimoji="1" lang="ja-JP" altLang="en-US"/>
           </a:p>
@@ -263,13 +321,7 @@
       </p:sp>
       <p:sp>
         <p:nvSpPr>
-          <p:cNvPr id="5" name="フッター プレースホルダー 4">
-            <a:extLst>
-              <a:ext uri="{FF2B5EF4-FFF2-40B4-BE49-F238E27FC236}">
-                <a16:creationId xmlns:a16="http://schemas.microsoft.com/office/drawing/2014/main" id="{973B96FC-33F2-7717-8318-B44E44534C91}"/>
-              </a:ext>
-            </a:extLst>
-          </p:cNvPr>
+          <p:cNvPr id="5" name="Footer Placeholder 4"/>
           <p:cNvSpPr>
             <a:spLocks noGrp="1"/>
           </p:cNvSpPr>
@@ -280,7 +332,15 @@
         <p:spPr/>
         <p:txBody>
           <a:bodyPr/>
-          <a:lstStyle/>
+          <a:lstStyle>
+            <a:lvl1pPr>
+              <a:defRPr>
+                <a:solidFill>
+                  <a:srgbClr val="FFFFFF"/>
+                </a:solidFill>
+              </a:defRPr>
+            </a:lvl1pPr>
+          </a:lstStyle>
           <a:p>
             <a:endParaRPr kumimoji="1" lang="ja-JP" altLang="en-US"/>
           </a:p>
@@ -288,13 +348,7 @@
       </p:sp>
       <p:sp>
         <p:nvSpPr>
-          <p:cNvPr id="6" name="スライド番号プレースホルダー 5">
-            <a:extLst>
-              <a:ext uri="{FF2B5EF4-FFF2-40B4-BE49-F238E27FC236}">
-                <a16:creationId xmlns:a16="http://schemas.microsoft.com/office/drawing/2014/main" id="{081DE463-1139-8862-A389-FAFBBBDC8BEC}"/>
-              </a:ext>
-            </a:extLst>
-          </p:cNvPr>
+          <p:cNvPr id="6" name="Slide Number Placeholder 5"/>
           <p:cNvSpPr>
             <a:spLocks noGrp="1"/>
           </p:cNvSpPr>
@@ -305,7 +359,15 @@
         <p:spPr/>
         <p:txBody>
           <a:bodyPr/>
-          <a:lstStyle/>
+          <a:lstStyle>
+            <a:lvl1pPr>
+              <a:defRPr>
+                <a:solidFill>
+                  <a:srgbClr val="FFFFFF"/>
+                </a:solidFill>
+              </a:defRPr>
+            </a:lvl1pPr>
+          </a:lstStyle>
           <a:p>
             <a:fld id="{4A4E02EF-943C-4381-AA7A-F29229AE5295}" type="slidenum">
               <a:rPr kumimoji="1" lang="ja-JP" altLang="en-US" smtClean="0"/>
@@ -315,10 +377,45 @@
           </a:p>
         </p:txBody>
       </p:sp>
+      <p:cxnSp>
+        <p:nvCxnSpPr>
+          <p:cNvPr id="8" name="Straight Connector 7"/>
+          <p:cNvCxnSpPr/>
+          <p:nvPr/>
+        </p:nvCxnSpPr>
+        <p:spPr>
+          <a:xfrm>
+            <a:off x="1978660" y="3733800"/>
+            <a:ext cx="8229601" cy="0"/>
+          </a:xfrm>
+          <a:prstGeom prst="line">
+            <a:avLst/>
+          </a:prstGeom>
+          <a:ln>
+            <a:solidFill>
+              <a:srgbClr val="FFFFFF"/>
+            </a:solidFill>
+          </a:ln>
+        </p:spPr>
+        <p:style>
+          <a:lnRef idx="1">
+            <a:schemeClr val="accent1"/>
+          </a:lnRef>
+          <a:fillRef idx="0">
+            <a:schemeClr val="accent1"/>
+          </a:fillRef>
+          <a:effectRef idx="0">
+            <a:schemeClr val="accent1"/>
+          </a:effectRef>
+          <a:fontRef idx="minor">
+            <a:schemeClr val="tx1"/>
+          </a:fontRef>
+        </p:style>
+      </p:cxnSp>
     </p:spTree>
     <p:extLst>
       <p:ext uri="{BB962C8B-B14F-4D97-AF65-F5344CB8AC3E}">
-        <p14:creationId xmlns:p14="http://schemas.microsoft.com/office/powerpoint/2010/main" val="454521431"/>
+        <p14:creationId xmlns:p14="http://schemas.microsoft.com/office/powerpoint/2010/main" val="1139621791"/>
       </p:ext>
     </p:extLst>
   </p:cSld>
@@ -347,13 +444,7 @@
       </p:grpSpPr>
       <p:sp>
         <p:nvSpPr>
-          <p:cNvPr id="2" name="タイトル 1">
-            <a:extLst>
-              <a:ext uri="{FF2B5EF4-FFF2-40B4-BE49-F238E27FC236}">
-                <a16:creationId xmlns:a16="http://schemas.microsoft.com/office/drawing/2014/main" id="{80B245F4-4560-40F5-7A29-E959797219AC}"/>
-              </a:ext>
-            </a:extLst>
-          </p:cNvPr>
+          <p:cNvPr id="2" name="Title 1"/>
           <p:cNvSpPr>
             <a:spLocks noGrp="1"/>
           </p:cNvSpPr>
@@ -367,21 +458,16 @@
           <a:lstStyle/>
           <a:p>
             <a:r>
-              <a:rPr kumimoji="1" lang="ja-JP" altLang="en-US"/>
+              <a:rPr lang="ja-JP" altLang="en-US"/>
               <a:t>マスター タイトルの書式設定</a:t>
             </a:r>
-          </a:p>
-        </p:txBody>
-      </p:sp>
-      <p:sp>
-        <p:nvSpPr>
-          <p:cNvPr id="3" name="縦書きテキスト プレースホルダー 2">
-            <a:extLst>
-              <a:ext uri="{FF2B5EF4-FFF2-40B4-BE49-F238E27FC236}">
-                <a16:creationId xmlns:a16="http://schemas.microsoft.com/office/drawing/2014/main" id="{DEBFF6D9-EA4C-FEC2-2971-9EB130540C34}"/>
-              </a:ext>
-            </a:extLst>
-          </p:cNvPr>
+            <a:endParaRPr lang="en-US" dirty="0"/>
+          </a:p>
+        </p:txBody>
+      </p:sp>
+      <p:sp>
+        <p:nvSpPr>
+          <p:cNvPr id="3" name="Vertical Text Placeholder 2"/>
           <p:cNvSpPr>
             <a:spLocks noGrp="1"/>
           </p:cNvSpPr>
@@ -396,81 +482,76 @@
           <a:p>
             <a:pPr lvl="0"/>
             <a:r>
-              <a:rPr kumimoji="1" lang="ja-JP" altLang="en-US"/>
+              <a:rPr lang="ja-JP" altLang="en-US"/>
               <a:t>マスター テキストの書式設定</a:t>
             </a:r>
           </a:p>
           <a:p>
             <a:pPr lvl="1"/>
             <a:r>
-              <a:rPr kumimoji="1" lang="ja-JP" altLang="en-US"/>
+              <a:rPr lang="ja-JP" altLang="en-US"/>
               <a:t>第 </a:t>
             </a:r>
             <a:r>
-              <a:rPr kumimoji="1" lang="en-US" altLang="ja-JP"/>
+              <a:rPr lang="en-US" altLang="ja-JP"/>
               <a:t>2 </a:t>
             </a:r>
             <a:r>
-              <a:rPr kumimoji="1" lang="ja-JP" altLang="en-US"/>
+              <a:rPr lang="ja-JP" altLang="en-US"/>
               <a:t>レベル</a:t>
             </a:r>
           </a:p>
           <a:p>
             <a:pPr lvl="2"/>
             <a:r>
-              <a:rPr kumimoji="1" lang="ja-JP" altLang="en-US"/>
+              <a:rPr lang="ja-JP" altLang="en-US"/>
               <a:t>第 </a:t>
             </a:r>
             <a:r>
-              <a:rPr kumimoji="1" lang="en-US" altLang="ja-JP"/>
+              <a:rPr lang="en-US" altLang="ja-JP"/>
               <a:t>3 </a:t>
             </a:r>
             <a:r>
-              <a:rPr kumimoji="1" lang="ja-JP" altLang="en-US"/>
+              <a:rPr lang="ja-JP" altLang="en-US"/>
               <a:t>レベル</a:t>
             </a:r>
           </a:p>
           <a:p>
             <a:pPr lvl="3"/>
             <a:r>
-              <a:rPr kumimoji="1" lang="ja-JP" altLang="en-US"/>
+              <a:rPr lang="ja-JP" altLang="en-US"/>
               <a:t>第 </a:t>
             </a:r>
             <a:r>
-              <a:rPr kumimoji="1" lang="en-US" altLang="ja-JP"/>
+              <a:rPr lang="en-US" altLang="ja-JP"/>
               <a:t>4 </a:t>
             </a:r>
             <a:r>
-              <a:rPr kumimoji="1" lang="ja-JP" altLang="en-US"/>
+              <a:rPr lang="ja-JP" altLang="en-US"/>
               <a:t>レベル</a:t>
             </a:r>
           </a:p>
           <a:p>
             <a:pPr lvl="4"/>
             <a:r>
-              <a:rPr kumimoji="1" lang="ja-JP" altLang="en-US"/>
+              <a:rPr lang="ja-JP" altLang="en-US"/>
               <a:t>第 </a:t>
             </a:r>
             <a:r>
-              <a:rPr kumimoji="1" lang="en-US" altLang="ja-JP"/>
+              <a:rPr lang="en-US" altLang="ja-JP"/>
               <a:t>5 </a:t>
             </a:r>
             <a:r>
-              <a:rPr kumimoji="1" lang="ja-JP" altLang="en-US"/>
+              <a:rPr lang="ja-JP" altLang="en-US"/>
               <a:t>レベル</a:t>
             </a:r>
-          </a:p>
-        </p:txBody>
-      </p:sp>
-      <p:sp>
-        <p:nvSpPr>
-          <p:cNvPr id="4" name="日付プレースホルダー 3">
-            <a:extLst>
-              <a:ext uri="{FF2B5EF4-FFF2-40B4-BE49-F238E27FC236}">
-                <a16:creationId xmlns:a16="http://schemas.microsoft.com/office/drawing/2014/main" id="{8CDF4C5D-1BCD-4E2B-804D-C47E620D0396}"/>
-              </a:ext>
-            </a:extLst>
-          </p:cNvPr>
+            <a:endParaRPr lang="en-US" dirty="0"/>
+          </a:p>
+        </p:txBody>
+      </p:sp>
+      <p:sp>
+        <p:nvSpPr>
+          <p:cNvPr id="4" name="Date Placeholder 3"/>
           <p:cNvSpPr>
             <a:spLocks noGrp="1"/>
           </p:cNvSpPr>
@@ -485,7 +566,7 @@
           <a:p>
             <a:fld id="{C9B504C2-A79A-4F1A-AD7E-81042A61A2F1}" type="datetimeFigureOut">
               <a:rPr kumimoji="1" lang="ja-JP" altLang="en-US" smtClean="0"/>
-              <a:t>2025/5/21</a:t>
+              <a:t>2025/7/2</a:t>
             </a:fld>
             <a:endParaRPr kumimoji="1" lang="ja-JP" altLang="en-US"/>
           </a:p>
@@ -493,13 +574,7 @@
       </p:sp>
       <p:sp>
         <p:nvSpPr>
-          <p:cNvPr id="5" name="フッター プレースホルダー 4">
-            <a:extLst>
-              <a:ext uri="{FF2B5EF4-FFF2-40B4-BE49-F238E27FC236}">
-                <a16:creationId xmlns:a16="http://schemas.microsoft.com/office/drawing/2014/main" id="{4FDA4B4F-4245-815C-D226-DD2A9B8793C8}"/>
-              </a:ext>
-            </a:extLst>
-          </p:cNvPr>
+          <p:cNvPr id="5" name="Footer Placeholder 4"/>
           <p:cNvSpPr>
             <a:spLocks noGrp="1"/>
           </p:cNvSpPr>
@@ -518,13 +593,7 @@
       </p:sp>
       <p:sp>
         <p:nvSpPr>
-          <p:cNvPr id="6" name="スライド番号プレースホルダー 5">
-            <a:extLst>
-              <a:ext uri="{FF2B5EF4-FFF2-40B4-BE49-F238E27FC236}">
-                <a16:creationId xmlns:a16="http://schemas.microsoft.com/office/drawing/2014/main" id="{EC9F3180-3710-3C42-1661-0233466FE409}"/>
-              </a:ext>
-            </a:extLst>
-          </p:cNvPr>
+          <p:cNvPr id="6" name="Slide Number Placeholder 5"/>
           <p:cNvSpPr>
             <a:spLocks noGrp="1"/>
           </p:cNvSpPr>
@@ -548,7 +617,7 @@
     </p:spTree>
     <p:extLst>
       <p:ext uri="{BB962C8B-B14F-4D97-AF65-F5344CB8AC3E}">
-        <p14:creationId xmlns:p14="http://schemas.microsoft.com/office/powerpoint/2010/main" val="1466268328"/>
+        <p14:creationId xmlns:p14="http://schemas.microsoft.com/office/powerpoint/2010/main" val="1370326384"/>
       </p:ext>
     </p:extLst>
   </p:cSld>
@@ -577,13 +646,7 @@
       </p:grpSpPr>
       <p:sp>
         <p:nvSpPr>
-          <p:cNvPr id="2" name="縦書きタイトル 1">
-            <a:extLst>
-              <a:ext uri="{FF2B5EF4-FFF2-40B4-BE49-F238E27FC236}">
-                <a16:creationId xmlns:a16="http://schemas.microsoft.com/office/drawing/2014/main" id="{0BB239ED-21E1-3888-54B9-0D6815523961}"/>
-              </a:ext>
-            </a:extLst>
-          </p:cNvPr>
+          <p:cNvPr id="2" name="Vertical Title 1"/>
           <p:cNvSpPr>
             <a:spLocks noGrp="1"/>
           </p:cNvSpPr>
@@ -593,8 +656,8 @@
         </p:nvSpPr>
         <p:spPr>
           <a:xfrm>
-            <a:off x="8724900" y="365125"/>
-            <a:ext cx="2628900" cy="5811838"/>
+            <a:off x="8724900" y="762000"/>
+            <a:ext cx="2324100" cy="5410200"/>
           </a:xfrm>
         </p:spPr>
         <p:txBody>
@@ -602,21 +665,16 @@
           <a:lstStyle/>
           <a:p>
             <a:r>
-              <a:rPr kumimoji="1" lang="ja-JP" altLang="en-US"/>
+              <a:rPr lang="ja-JP" altLang="en-US"/>
               <a:t>マスター タイトルの書式設定</a:t>
             </a:r>
-          </a:p>
-        </p:txBody>
-      </p:sp>
-      <p:sp>
-        <p:nvSpPr>
-          <p:cNvPr id="3" name="縦書きテキスト プレースホルダー 2">
-            <a:extLst>
-              <a:ext uri="{FF2B5EF4-FFF2-40B4-BE49-F238E27FC236}">
-                <a16:creationId xmlns:a16="http://schemas.microsoft.com/office/drawing/2014/main" id="{3E7986B8-BD96-6B83-10A5-5596322C4FAD}"/>
-              </a:ext>
-            </a:extLst>
-          </p:cNvPr>
+            <a:endParaRPr lang="en-US" dirty="0"/>
+          </a:p>
+        </p:txBody>
+      </p:sp>
+      <p:sp>
+        <p:nvSpPr>
+          <p:cNvPr id="3" name="Vertical Text Placeholder 2"/>
           <p:cNvSpPr>
             <a:spLocks noGrp="1"/>
           </p:cNvSpPr>
@@ -626,8 +684,8 @@
         </p:nvSpPr>
         <p:spPr>
           <a:xfrm>
-            <a:off x="838200" y="365125"/>
-            <a:ext cx="7734300" cy="5811838"/>
+            <a:off x="1143000" y="762000"/>
+            <a:ext cx="7429500" cy="5410200"/>
           </a:xfrm>
         </p:spPr>
         <p:txBody>
@@ -636,81 +694,76 @@
           <a:p>
             <a:pPr lvl="0"/>
             <a:r>
-              <a:rPr kumimoji="1" lang="ja-JP" altLang="en-US"/>
+              <a:rPr lang="ja-JP" altLang="en-US"/>
               <a:t>マスター テキストの書式設定</a:t>
             </a:r>
           </a:p>
           <a:p>
             <a:pPr lvl="1"/>
             <a:r>
-              <a:rPr kumimoji="1" lang="ja-JP" altLang="en-US"/>
+              <a:rPr lang="ja-JP" altLang="en-US"/>
               <a:t>第 </a:t>
             </a:r>
             <a:r>
-              <a:rPr kumimoji="1" lang="en-US" altLang="ja-JP"/>
+              <a:rPr lang="en-US" altLang="ja-JP"/>
               <a:t>2 </a:t>
             </a:r>
             <a:r>
-              <a:rPr kumimoji="1" lang="ja-JP" altLang="en-US"/>
+              <a:rPr lang="ja-JP" altLang="en-US"/>
               <a:t>レベル</a:t>
             </a:r>
           </a:p>
           <a:p>
             <a:pPr lvl="2"/>
             <a:r>
-              <a:rPr kumimoji="1" lang="ja-JP" altLang="en-US"/>
+              <a:rPr lang="ja-JP" altLang="en-US"/>
               <a:t>第 </a:t>
             </a:r>
             <a:r>
-              <a:rPr kumimoji="1" lang="en-US" altLang="ja-JP"/>
+              <a:rPr lang="en-US" altLang="ja-JP"/>
               <a:t>3 </a:t>
             </a:r>
             <a:r>
-              <a:rPr kumimoji="1" lang="ja-JP" altLang="en-US"/>
+              <a:rPr lang="ja-JP" altLang="en-US"/>
               <a:t>レベル</a:t>
             </a:r>
           </a:p>
           <a:p>
             <a:pPr lvl="3"/>
             <a:r>
-              <a:rPr kumimoji="1" lang="ja-JP" altLang="en-US"/>
+              <a:rPr lang="ja-JP" altLang="en-US"/>
               <a:t>第 </a:t>
             </a:r>
             <a:r>
-              <a:rPr kumimoji="1" lang="en-US" altLang="ja-JP"/>
+              <a:rPr lang="en-US" altLang="ja-JP"/>
               <a:t>4 </a:t>
             </a:r>
             <a:r>
-              <a:rPr kumimoji="1" lang="ja-JP" altLang="en-US"/>
+              <a:rPr lang="ja-JP" altLang="en-US"/>
               <a:t>レベル</a:t>
             </a:r>
           </a:p>
           <a:p>
             <a:pPr lvl="4"/>
             <a:r>
-              <a:rPr kumimoji="1" lang="ja-JP" altLang="en-US"/>
+              <a:rPr lang="ja-JP" altLang="en-US"/>
               <a:t>第 </a:t>
             </a:r>
             <a:r>
-              <a:rPr kumimoji="1" lang="en-US" altLang="ja-JP"/>
+              <a:rPr lang="en-US" altLang="ja-JP"/>
               <a:t>5 </a:t>
             </a:r>
             <a:r>
-              <a:rPr kumimoji="1" lang="ja-JP" altLang="en-US"/>
+              <a:rPr lang="ja-JP" altLang="en-US"/>
               <a:t>レベル</a:t>
             </a:r>
-          </a:p>
-        </p:txBody>
-      </p:sp>
-      <p:sp>
-        <p:nvSpPr>
-          <p:cNvPr id="4" name="日付プレースホルダー 3">
-            <a:extLst>
-              <a:ext uri="{FF2B5EF4-FFF2-40B4-BE49-F238E27FC236}">
-                <a16:creationId xmlns:a16="http://schemas.microsoft.com/office/drawing/2014/main" id="{CBD1ACC0-3B7A-13C6-5B0D-79CD1218B285}"/>
-              </a:ext>
-            </a:extLst>
-          </p:cNvPr>
+            <a:endParaRPr lang="en-US" dirty="0"/>
+          </a:p>
+        </p:txBody>
+      </p:sp>
+      <p:sp>
+        <p:nvSpPr>
+          <p:cNvPr id="4" name="Date Placeholder 3"/>
           <p:cNvSpPr>
             <a:spLocks noGrp="1"/>
           </p:cNvSpPr>
@@ -725,7 +778,7 @@
           <a:p>
             <a:fld id="{C9B504C2-A79A-4F1A-AD7E-81042A61A2F1}" type="datetimeFigureOut">
               <a:rPr kumimoji="1" lang="ja-JP" altLang="en-US" smtClean="0"/>
-              <a:t>2025/5/21</a:t>
+              <a:t>2025/7/2</a:t>
             </a:fld>
             <a:endParaRPr kumimoji="1" lang="ja-JP" altLang="en-US"/>
           </a:p>
@@ -733,13 +786,7 @@
       </p:sp>
       <p:sp>
         <p:nvSpPr>
-          <p:cNvPr id="5" name="フッター プレースホルダー 4">
-            <a:extLst>
-              <a:ext uri="{FF2B5EF4-FFF2-40B4-BE49-F238E27FC236}">
-                <a16:creationId xmlns:a16="http://schemas.microsoft.com/office/drawing/2014/main" id="{6D0C1473-9E2D-BE3A-DE56-635BAE009A45}"/>
-              </a:ext>
-            </a:extLst>
-          </p:cNvPr>
+          <p:cNvPr id="5" name="Footer Placeholder 4"/>
           <p:cNvSpPr>
             <a:spLocks noGrp="1"/>
           </p:cNvSpPr>
@@ -758,13 +805,7 @@
       </p:sp>
       <p:sp>
         <p:nvSpPr>
-          <p:cNvPr id="6" name="スライド番号プレースホルダー 5">
-            <a:extLst>
-              <a:ext uri="{FF2B5EF4-FFF2-40B4-BE49-F238E27FC236}">
-                <a16:creationId xmlns:a16="http://schemas.microsoft.com/office/drawing/2014/main" id="{96057AFF-F5AA-4E68-A6B2-47603865CAB5}"/>
-              </a:ext>
-            </a:extLst>
-          </p:cNvPr>
+          <p:cNvPr id="6" name="Slide Number Placeholder 5"/>
           <p:cNvSpPr>
             <a:spLocks noGrp="1"/>
           </p:cNvSpPr>
@@ -788,7 +829,7 @@
     </p:spTree>
     <p:extLst>
       <p:ext uri="{BB962C8B-B14F-4D97-AF65-F5344CB8AC3E}">
-        <p14:creationId xmlns:p14="http://schemas.microsoft.com/office/powerpoint/2010/main" val="3961845239"/>
+        <p14:creationId xmlns:p14="http://schemas.microsoft.com/office/powerpoint/2010/main" val="1334069936"/>
       </p:ext>
     </p:extLst>
   </p:cSld>
@@ -817,13 +858,7 @@
       </p:grpSpPr>
       <p:sp>
         <p:nvSpPr>
-          <p:cNvPr id="2" name="タイトル 1">
-            <a:extLst>
-              <a:ext uri="{FF2B5EF4-FFF2-40B4-BE49-F238E27FC236}">
-                <a16:creationId xmlns:a16="http://schemas.microsoft.com/office/drawing/2014/main" id="{9FDF578E-938C-062F-42D7-1C4031C4A091}"/>
-              </a:ext>
-            </a:extLst>
-          </p:cNvPr>
+          <p:cNvPr id="2" name="Title 1"/>
           <p:cNvSpPr>
             <a:spLocks noGrp="1"/>
           </p:cNvSpPr>
@@ -837,21 +872,16 @@
           <a:lstStyle/>
           <a:p>
             <a:r>
-              <a:rPr kumimoji="1" lang="ja-JP" altLang="en-US"/>
+              <a:rPr lang="ja-JP" altLang="en-US"/>
               <a:t>マスター タイトルの書式設定</a:t>
             </a:r>
-          </a:p>
-        </p:txBody>
-      </p:sp>
-      <p:sp>
-        <p:nvSpPr>
-          <p:cNvPr id="3" name="コンテンツ プレースホルダー 2">
-            <a:extLst>
-              <a:ext uri="{FF2B5EF4-FFF2-40B4-BE49-F238E27FC236}">
-                <a16:creationId xmlns:a16="http://schemas.microsoft.com/office/drawing/2014/main" id="{C5EE84E5-7A0F-36C0-2C52-39AED4C7CD14}"/>
-              </a:ext>
-            </a:extLst>
-          </p:cNvPr>
+            <a:endParaRPr lang="en-US" dirty="0"/>
+          </a:p>
+        </p:txBody>
+      </p:sp>
+      <p:sp>
+        <p:nvSpPr>
+          <p:cNvPr id="3" name="Content Placeholder 2"/>
           <p:cNvSpPr>
             <a:spLocks noGrp="1"/>
           </p:cNvSpPr>
@@ -866,81 +896,76 @@
           <a:p>
             <a:pPr lvl="0"/>
             <a:r>
-              <a:rPr kumimoji="1" lang="ja-JP" altLang="en-US"/>
+              <a:rPr lang="ja-JP" altLang="en-US"/>
               <a:t>マスター テキストの書式設定</a:t>
             </a:r>
           </a:p>
           <a:p>
             <a:pPr lvl="1"/>
             <a:r>
-              <a:rPr kumimoji="1" lang="ja-JP" altLang="en-US"/>
+              <a:rPr lang="ja-JP" altLang="en-US"/>
               <a:t>第 </a:t>
             </a:r>
             <a:r>
-              <a:rPr kumimoji="1" lang="en-US" altLang="ja-JP"/>
+              <a:rPr lang="en-US" altLang="ja-JP"/>
               <a:t>2 </a:t>
             </a:r>
             <a:r>
-              <a:rPr kumimoji="1" lang="ja-JP" altLang="en-US"/>
+              <a:rPr lang="ja-JP" altLang="en-US"/>
               <a:t>レベル</a:t>
             </a:r>
           </a:p>
           <a:p>
             <a:pPr lvl="2"/>
             <a:r>
-              <a:rPr kumimoji="1" lang="ja-JP" altLang="en-US"/>
+              <a:rPr lang="ja-JP" altLang="en-US"/>
               <a:t>第 </a:t>
             </a:r>
             <a:r>
-              <a:rPr kumimoji="1" lang="en-US" altLang="ja-JP"/>
+              <a:rPr lang="en-US" altLang="ja-JP"/>
               <a:t>3 </a:t>
             </a:r>
             <a:r>
-              <a:rPr kumimoji="1" lang="ja-JP" altLang="en-US"/>
+              <a:rPr lang="ja-JP" altLang="en-US"/>
               <a:t>レベル</a:t>
             </a:r>
           </a:p>
           <a:p>
             <a:pPr lvl="3"/>
             <a:r>
-              <a:rPr kumimoji="1" lang="ja-JP" altLang="en-US"/>
+              <a:rPr lang="ja-JP" altLang="en-US"/>
               <a:t>第 </a:t>
             </a:r>
             <a:r>
-              <a:rPr kumimoji="1" lang="en-US" altLang="ja-JP"/>
+              <a:rPr lang="en-US" altLang="ja-JP"/>
               <a:t>4 </a:t>
             </a:r>
             <a:r>
-              <a:rPr kumimoji="1" lang="ja-JP" altLang="en-US"/>
+              <a:rPr lang="ja-JP" altLang="en-US"/>
               <a:t>レベル</a:t>
             </a:r>
           </a:p>
           <a:p>
             <a:pPr lvl="4"/>
             <a:r>
-              <a:rPr kumimoji="1" lang="ja-JP" altLang="en-US"/>
+              <a:rPr lang="ja-JP" altLang="en-US"/>
               <a:t>第 </a:t>
             </a:r>
             <a:r>
-              <a:rPr kumimoji="1" lang="en-US" altLang="ja-JP"/>
+              <a:rPr lang="en-US" altLang="ja-JP"/>
               <a:t>5 </a:t>
             </a:r>
             <a:r>
-              <a:rPr kumimoji="1" lang="ja-JP" altLang="en-US"/>
+              <a:rPr lang="ja-JP" altLang="en-US"/>
               <a:t>レベル</a:t>
             </a:r>
-          </a:p>
-        </p:txBody>
-      </p:sp>
-      <p:sp>
-        <p:nvSpPr>
-          <p:cNvPr id="4" name="日付プレースホルダー 3">
-            <a:extLst>
-              <a:ext uri="{FF2B5EF4-FFF2-40B4-BE49-F238E27FC236}">
-                <a16:creationId xmlns:a16="http://schemas.microsoft.com/office/drawing/2014/main" id="{689BE643-161B-5BAF-A705-CB4DA8288DFF}"/>
-              </a:ext>
-            </a:extLst>
-          </p:cNvPr>
+            <a:endParaRPr lang="en-US" dirty="0"/>
+          </a:p>
+        </p:txBody>
+      </p:sp>
+      <p:sp>
+        <p:nvSpPr>
+          <p:cNvPr id="4" name="Date Placeholder 3"/>
           <p:cNvSpPr>
             <a:spLocks noGrp="1"/>
           </p:cNvSpPr>
@@ -955,7 +980,7 @@
           <a:p>
             <a:fld id="{C9B504C2-A79A-4F1A-AD7E-81042A61A2F1}" type="datetimeFigureOut">
               <a:rPr kumimoji="1" lang="ja-JP" altLang="en-US" smtClean="0"/>
-              <a:t>2025/5/21</a:t>
+              <a:t>2025/7/2</a:t>
             </a:fld>
             <a:endParaRPr kumimoji="1" lang="ja-JP" altLang="en-US"/>
           </a:p>
@@ -963,13 +988,7 @@
       </p:sp>
       <p:sp>
         <p:nvSpPr>
-          <p:cNvPr id="5" name="フッター プレースホルダー 4">
-            <a:extLst>
-              <a:ext uri="{FF2B5EF4-FFF2-40B4-BE49-F238E27FC236}">
-                <a16:creationId xmlns:a16="http://schemas.microsoft.com/office/drawing/2014/main" id="{0B78A783-F360-3B68-F86A-B0F5CFB9D4AE}"/>
-              </a:ext>
-            </a:extLst>
-          </p:cNvPr>
+          <p:cNvPr id="5" name="Footer Placeholder 4"/>
           <p:cNvSpPr>
             <a:spLocks noGrp="1"/>
           </p:cNvSpPr>
@@ -988,13 +1007,7 @@
       </p:sp>
       <p:sp>
         <p:nvSpPr>
-          <p:cNvPr id="6" name="スライド番号プレースホルダー 5">
-            <a:extLst>
-              <a:ext uri="{FF2B5EF4-FFF2-40B4-BE49-F238E27FC236}">
-                <a16:creationId xmlns:a16="http://schemas.microsoft.com/office/drawing/2014/main" id="{1E8B713E-5F32-BC3B-D08F-B1E8C508B2FE}"/>
-              </a:ext>
-            </a:extLst>
-          </p:cNvPr>
+          <p:cNvPr id="6" name="Slide Number Placeholder 5"/>
           <p:cNvSpPr>
             <a:spLocks noGrp="1"/>
           </p:cNvSpPr>
@@ -1018,7 +1031,7 @@
     </p:spTree>
     <p:extLst>
       <p:ext uri="{BB962C8B-B14F-4D97-AF65-F5344CB8AC3E}">
-        <p14:creationId xmlns:p14="http://schemas.microsoft.com/office/powerpoint/2010/main" val="2522967634"/>
+        <p14:creationId xmlns:p14="http://schemas.microsoft.com/office/powerpoint/2010/main" val="2141829442"/>
       </p:ext>
     </p:extLst>
   </p:cSld>
@@ -1047,13 +1060,7 @@
       </p:grpSpPr>
       <p:sp>
         <p:nvSpPr>
-          <p:cNvPr id="2" name="タイトル 1">
-            <a:extLst>
-              <a:ext uri="{FF2B5EF4-FFF2-40B4-BE49-F238E27FC236}">
-                <a16:creationId xmlns:a16="http://schemas.microsoft.com/office/drawing/2014/main" id="{53DB6F63-5873-46A5-A863-FCB763059B3C}"/>
-              </a:ext>
-            </a:extLst>
-          </p:cNvPr>
+          <p:cNvPr id="2" name="Title 1"/>
           <p:cNvSpPr>
             <a:spLocks noGrp="1"/>
           </p:cNvSpPr>
@@ -1063,34 +1070,34 @@
         </p:nvSpPr>
         <p:spPr>
           <a:xfrm>
-            <a:off x="831850" y="1709738"/>
-            <a:ext cx="10515600" cy="2852737"/>
+            <a:off x="1106424" y="1173575"/>
+            <a:ext cx="9966960" cy="2926080"/>
           </a:xfrm>
         </p:spPr>
         <p:txBody>
-          <a:bodyPr anchor="b"/>
+          <a:bodyPr anchor="b">
+            <a:noAutofit/>
+          </a:bodyPr>
           <a:lstStyle>
-            <a:lvl1pPr>
-              <a:defRPr sz="6000"/>
+            <a:lvl1pPr algn="ctr">
+              <a:lnSpc>
+                <a:spcPct val="85000"/>
+              </a:lnSpc>
+              <a:defRPr sz="7200" b="0" cap="all" baseline="0"/>
             </a:lvl1pPr>
           </a:lstStyle>
           <a:p>
             <a:r>
-              <a:rPr kumimoji="1" lang="ja-JP" altLang="en-US"/>
+              <a:rPr lang="ja-JP" altLang="en-US"/>
               <a:t>マスター タイトルの書式設定</a:t>
             </a:r>
-          </a:p>
-        </p:txBody>
-      </p:sp>
-      <p:sp>
-        <p:nvSpPr>
-          <p:cNvPr id="3" name="テキスト プレースホルダー 2">
-            <a:extLst>
-              <a:ext uri="{FF2B5EF4-FFF2-40B4-BE49-F238E27FC236}">
-                <a16:creationId xmlns:a16="http://schemas.microsoft.com/office/drawing/2014/main" id="{FC6D3A53-E553-AAC5-8D3E-F8417290DCA4}"/>
-              </a:ext>
-            </a:extLst>
-          </p:cNvPr>
+            <a:endParaRPr lang="en-US" dirty="0"/>
+          </a:p>
+        </p:txBody>
+      </p:sp>
+      <p:sp>
+        <p:nvSpPr>
+          <p:cNvPr id="3" name="Text Placeholder 2"/>
           <p:cNvSpPr>
             <a:spLocks noGrp="1"/>
           </p:cNvSpPr>
@@ -1100,99 +1107,99 @@
         </p:nvSpPr>
         <p:spPr>
           <a:xfrm>
-            <a:off x="831850" y="4589463"/>
-            <a:ext cx="10515600" cy="1500187"/>
+            <a:off x="1709928" y="4154520"/>
+            <a:ext cx="8769096" cy="1363806"/>
           </a:xfrm>
         </p:spPr>
         <p:txBody>
-          <a:bodyPr/>
+          <a:bodyPr anchor="t">
+            <a:normAutofit/>
+          </a:bodyPr>
           <a:lstStyle>
-            <a:lvl1pPr marL="0" indent="0">
-              <a:buNone/>
-              <a:defRPr sz="2400">
+            <a:lvl1pPr marL="0" indent="0" algn="ctr">
+              <a:buNone/>
+              <a:defRPr sz="2200">
                 <a:solidFill>
-                  <a:schemeClr val="tx1">
-                    <a:tint val="82000"/>
-                  </a:schemeClr>
+                  <a:schemeClr val="accent1"/>
                 </a:solidFill>
               </a:defRPr>
             </a:lvl1pPr>
             <a:lvl2pPr marL="457200" indent="0">
               <a:buNone/>
-              <a:defRPr sz="2000">
+              <a:defRPr sz="1800">
                 <a:solidFill>
                   <a:schemeClr val="tx1">
-                    <a:tint val="82000"/>
+                    <a:tint val="75000"/>
                   </a:schemeClr>
                 </a:solidFill>
               </a:defRPr>
             </a:lvl2pPr>
             <a:lvl3pPr marL="914400" indent="0">
               <a:buNone/>
-              <a:defRPr sz="1800">
+              <a:defRPr sz="1600">
                 <a:solidFill>
                   <a:schemeClr val="tx1">
-                    <a:tint val="82000"/>
+                    <a:tint val="75000"/>
                   </a:schemeClr>
                 </a:solidFill>
               </a:defRPr>
             </a:lvl3pPr>
             <a:lvl4pPr marL="1371600" indent="0">
               <a:buNone/>
-              <a:defRPr sz="1600">
+              <a:defRPr sz="1400">
                 <a:solidFill>
                   <a:schemeClr val="tx1">
-                    <a:tint val="82000"/>
+                    <a:tint val="75000"/>
                   </a:schemeClr>
                 </a:solidFill>
               </a:defRPr>
             </a:lvl4pPr>
             <a:lvl5pPr marL="1828800" indent="0">
               <a:buNone/>
-              <a:defRPr sz="1600">
+              <a:defRPr sz="1400">
                 <a:solidFill>
                   <a:schemeClr val="tx1">
-                    <a:tint val="82000"/>
+                    <a:tint val="75000"/>
                   </a:schemeClr>
                 </a:solidFill>
               </a:defRPr>
             </a:lvl5pPr>
             <a:lvl6pPr marL="2286000" indent="0">
               <a:buNone/>
-              <a:defRPr sz="1600">
+              <a:defRPr sz="1400">
                 <a:solidFill>
                   <a:schemeClr val="tx1">
-                    <a:tint val="82000"/>
+                    <a:tint val="75000"/>
                   </a:schemeClr>
                 </a:solidFill>
               </a:defRPr>
             </a:lvl6pPr>
             <a:lvl7pPr marL="2743200" indent="0">
               <a:buNone/>
-              <a:defRPr sz="1600">
+              <a:defRPr sz="1400">
                 <a:solidFill>
                   <a:schemeClr val="tx1">
-                    <a:tint val="82000"/>
+                    <a:tint val="75000"/>
                   </a:schemeClr>
                 </a:solidFill>
               </a:defRPr>
             </a:lvl7pPr>
             <a:lvl8pPr marL="3200400" indent="0">
               <a:buNone/>
-              <a:defRPr sz="1600">
+              <a:defRPr sz="1400">
                 <a:solidFill>
                   <a:schemeClr val="tx1">
-                    <a:tint val="82000"/>
+                    <a:tint val="75000"/>
                   </a:schemeClr>
                 </a:solidFill>
               </a:defRPr>
             </a:lvl8pPr>
             <a:lvl9pPr marL="3657600" indent="0">
               <a:buNone/>
-              <a:defRPr sz="1600">
+              <a:defRPr sz="1400">
                 <a:solidFill>
                   <a:schemeClr val="tx1">
-                    <a:tint val="82000"/>
+                    <a:tint val="75000"/>
                   </a:schemeClr>
                 </a:solidFill>
               </a:defRPr>
@@ -1201,7 +1208,7 @@
           <a:p>
             <a:pPr lvl="0"/>
             <a:r>
-              <a:rPr kumimoji="1" lang="ja-JP" altLang="en-US"/>
+              <a:rPr lang="ja-JP" altLang="en-US"/>
               <a:t>マスター テキストの書式設定</a:t>
             </a:r>
           </a:p>
@@ -1209,13 +1216,7 @@
       </p:sp>
       <p:sp>
         <p:nvSpPr>
-          <p:cNvPr id="4" name="日付プレースホルダー 3">
-            <a:extLst>
-              <a:ext uri="{FF2B5EF4-FFF2-40B4-BE49-F238E27FC236}">
-                <a16:creationId xmlns:a16="http://schemas.microsoft.com/office/drawing/2014/main" id="{D9F5D5E2-DADE-F496-0746-503E9080E3ED}"/>
-              </a:ext>
-            </a:extLst>
-          </p:cNvPr>
+          <p:cNvPr id="4" name="Date Placeholder 3"/>
           <p:cNvSpPr>
             <a:spLocks noGrp="1"/>
           </p:cNvSpPr>
@@ -1230,7 +1231,7 @@
           <a:p>
             <a:fld id="{C9B504C2-A79A-4F1A-AD7E-81042A61A2F1}" type="datetimeFigureOut">
               <a:rPr kumimoji="1" lang="ja-JP" altLang="en-US" smtClean="0"/>
-              <a:t>2025/5/21</a:t>
+              <a:t>2025/7/2</a:t>
             </a:fld>
             <a:endParaRPr kumimoji="1" lang="ja-JP" altLang="en-US"/>
           </a:p>
@@ -1238,13 +1239,7 @@
       </p:sp>
       <p:sp>
         <p:nvSpPr>
-          <p:cNvPr id="5" name="フッター プレースホルダー 4">
-            <a:extLst>
-              <a:ext uri="{FF2B5EF4-FFF2-40B4-BE49-F238E27FC236}">
-                <a16:creationId xmlns:a16="http://schemas.microsoft.com/office/drawing/2014/main" id="{E7DB68D6-B036-BA9E-4004-FF54960F2060}"/>
-              </a:ext>
-            </a:extLst>
-          </p:cNvPr>
+          <p:cNvPr id="5" name="Footer Placeholder 4"/>
           <p:cNvSpPr>
             <a:spLocks noGrp="1"/>
           </p:cNvSpPr>
@@ -1263,13 +1258,7 @@
       </p:sp>
       <p:sp>
         <p:nvSpPr>
-          <p:cNvPr id="6" name="スライド番号プレースホルダー 5">
-            <a:extLst>
-              <a:ext uri="{FF2B5EF4-FFF2-40B4-BE49-F238E27FC236}">
-                <a16:creationId xmlns:a16="http://schemas.microsoft.com/office/drawing/2014/main" id="{FED97640-BC09-8856-1702-3486EE66EAED}"/>
-              </a:ext>
-            </a:extLst>
-          </p:cNvPr>
+          <p:cNvPr id="6" name="Slide Number Placeholder 5"/>
           <p:cNvSpPr>
             <a:spLocks noGrp="1"/>
           </p:cNvSpPr>
@@ -1290,10 +1279,45 @@
           </a:p>
         </p:txBody>
       </p:sp>
+      <p:cxnSp>
+        <p:nvCxnSpPr>
+          <p:cNvPr id="7" name="Straight Connector 6"/>
+          <p:cNvCxnSpPr/>
+          <p:nvPr/>
+        </p:nvCxnSpPr>
+        <p:spPr>
+          <a:xfrm>
+            <a:off x="1981200" y="4020408"/>
+            <a:ext cx="8229601" cy="0"/>
+          </a:xfrm>
+          <a:prstGeom prst="line">
+            <a:avLst/>
+          </a:prstGeom>
+          <a:ln>
+            <a:solidFill>
+              <a:schemeClr val="accent1"/>
+            </a:solidFill>
+          </a:ln>
+        </p:spPr>
+        <p:style>
+          <a:lnRef idx="1">
+            <a:schemeClr val="accent1"/>
+          </a:lnRef>
+          <a:fillRef idx="0">
+            <a:schemeClr val="accent1"/>
+          </a:fillRef>
+          <a:effectRef idx="0">
+            <a:schemeClr val="accent1"/>
+          </a:effectRef>
+          <a:fontRef idx="minor">
+            <a:schemeClr val="tx1"/>
+          </a:fontRef>
+        </p:style>
+      </p:cxnSp>
     </p:spTree>
     <p:extLst>
       <p:ext uri="{BB962C8B-B14F-4D97-AF65-F5344CB8AC3E}">
-        <p14:creationId xmlns:p14="http://schemas.microsoft.com/office/powerpoint/2010/main" val="977819193"/>
+        <p14:creationId xmlns:p14="http://schemas.microsoft.com/office/powerpoint/2010/main" val="578752094"/>
       </p:ext>
     </p:extLst>
   </p:cSld>
@@ -1322,13 +1346,7 @@
       </p:grpSpPr>
       <p:sp>
         <p:nvSpPr>
-          <p:cNvPr id="2" name="タイトル 1">
-            <a:extLst>
-              <a:ext uri="{FF2B5EF4-FFF2-40B4-BE49-F238E27FC236}">
-                <a16:creationId xmlns:a16="http://schemas.microsoft.com/office/drawing/2014/main" id="{B18884EF-07EF-E44A-F19E-3A650464D15F}"/>
-              </a:ext>
-            </a:extLst>
-          </p:cNvPr>
+          <p:cNvPr id="8" name="Title 7"/>
           <p:cNvSpPr>
             <a:spLocks noGrp="1"/>
           </p:cNvSpPr>
@@ -1342,21 +1360,16 @@
           <a:lstStyle/>
           <a:p>
             <a:r>
-              <a:rPr kumimoji="1" lang="ja-JP" altLang="en-US"/>
+              <a:rPr lang="ja-JP" altLang="en-US"/>
               <a:t>マスター タイトルの書式設定</a:t>
             </a:r>
-          </a:p>
-        </p:txBody>
-      </p:sp>
-      <p:sp>
-        <p:nvSpPr>
-          <p:cNvPr id="3" name="コンテンツ プレースホルダー 2">
-            <a:extLst>
-              <a:ext uri="{FF2B5EF4-FFF2-40B4-BE49-F238E27FC236}">
-                <a16:creationId xmlns:a16="http://schemas.microsoft.com/office/drawing/2014/main" id="{F78A0BB2-0A35-EAD3-F7A9-0A1D5A8BE524}"/>
-              </a:ext>
-            </a:extLst>
-          </p:cNvPr>
+            <a:endParaRPr lang="en-US" dirty="0"/>
+          </a:p>
+        </p:txBody>
+      </p:sp>
+      <p:sp>
+        <p:nvSpPr>
+          <p:cNvPr id="3" name="Content Placeholder 2"/>
           <p:cNvSpPr>
             <a:spLocks noGrp="1"/>
           </p:cNvSpPr>
@@ -1366,91 +1379,114 @@
         </p:nvSpPr>
         <p:spPr>
           <a:xfrm>
-            <a:off x="838200" y="1825625"/>
-            <a:ext cx="5181600" cy="4351338"/>
+            <a:off x="1143000" y="2057399"/>
+            <a:ext cx="4754880" cy="4023360"/>
           </a:xfrm>
         </p:spPr>
         <p:txBody>
           <a:bodyPr/>
-          <a:lstStyle/>
+          <a:lstStyle>
+            <a:lvl1pPr>
+              <a:defRPr sz="2200"/>
+            </a:lvl1pPr>
+            <a:lvl2pPr>
+              <a:defRPr sz="2000"/>
+            </a:lvl2pPr>
+            <a:lvl3pPr>
+              <a:defRPr sz="1800"/>
+            </a:lvl3pPr>
+            <a:lvl4pPr>
+              <a:defRPr sz="1600"/>
+            </a:lvl4pPr>
+            <a:lvl5pPr>
+              <a:defRPr sz="1600"/>
+            </a:lvl5pPr>
+            <a:lvl6pPr>
+              <a:defRPr sz="1600"/>
+            </a:lvl6pPr>
+            <a:lvl7pPr>
+              <a:defRPr sz="1600"/>
+            </a:lvl7pPr>
+            <a:lvl8pPr>
+              <a:defRPr sz="1600"/>
+            </a:lvl8pPr>
+            <a:lvl9pPr>
+              <a:defRPr sz="1600"/>
+            </a:lvl9pPr>
+          </a:lstStyle>
           <a:p>
             <a:pPr lvl="0"/>
             <a:r>
-              <a:rPr kumimoji="1" lang="ja-JP" altLang="en-US"/>
+              <a:rPr lang="ja-JP" altLang="en-US"/>
               <a:t>マスター テキストの書式設定</a:t>
             </a:r>
           </a:p>
           <a:p>
             <a:pPr lvl="1"/>
             <a:r>
-              <a:rPr kumimoji="1" lang="ja-JP" altLang="en-US"/>
+              <a:rPr lang="ja-JP" altLang="en-US"/>
               <a:t>第 </a:t>
             </a:r>
             <a:r>
-              <a:rPr kumimoji="1" lang="en-US" altLang="ja-JP"/>
+              <a:rPr lang="en-US" altLang="ja-JP"/>
               <a:t>2 </a:t>
             </a:r>
             <a:r>
-              <a:rPr kumimoji="1" lang="ja-JP" altLang="en-US"/>
+              <a:rPr lang="ja-JP" altLang="en-US"/>
               <a:t>レベル</a:t>
             </a:r>
           </a:p>
           <a:p>
             <a:pPr lvl="2"/>
             <a:r>
-              <a:rPr kumimoji="1" lang="ja-JP" altLang="en-US"/>
+              <a:rPr lang="ja-JP" altLang="en-US"/>
               <a:t>第 </a:t>
             </a:r>
             <a:r>
-              <a:rPr kumimoji="1" lang="en-US" altLang="ja-JP"/>
+              <a:rPr lang="en-US" altLang="ja-JP"/>
               <a:t>3 </a:t>
             </a:r>
             <a:r>
-              <a:rPr kumimoji="1" lang="ja-JP" altLang="en-US"/>
+              <a:rPr lang="ja-JP" altLang="en-US"/>
               <a:t>レベル</a:t>
             </a:r>
           </a:p>
           <a:p>
             <a:pPr lvl="3"/>
             <a:r>
-              <a:rPr kumimoji="1" lang="ja-JP" altLang="en-US"/>
+              <a:rPr lang="ja-JP" altLang="en-US"/>
               <a:t>第 </a:t>
             </a:r>
             <a:r>
-              <a:rPr kumimoji="1" lang="en-US" altLang="ja-JP"/>
+              <a:rPr lang="en-US" altLang="ja-JP"/>
               <a:t>4 </a:t>
             </a:r>
             <a:r>
-              <a:rPr kumimoji="1" lang="ja-JP" altLang="en-US"/>
+              <a:rPr lang="ja-JP" altLang="en-US"/>
               <a:t>レベル</a:t>
             </a:r>
           </a:p>
           <a:p>
             <a:pPr lvl="4"/>
             <a:r>
-              <a:rPr kumimoji="1" lang="ja-JP" altLang="en-US"/>
+              <a:rPr lang="ja-JP" altLang="en-US"/>
               <a:t>第 </a:t>
             </a:r>
             <a:r>
-              <a:rPr kumimoji="1" lang="en-US" altLang="ja-JP"/>
+              <a:rPr lang="en-US" altLang="ja-JP"/>
               <a:t>5 </a:t>
             </a:r>
             <a:r>
-              <a:rPr kumimoji="1" lang="ja-JP" altLang="en-US"/>
+              <a:rPr lang="ja-JP" altLang="en-US"/>
               <a:t>レベル</a:t>
             </a:r>
-          </a:p>
-        </p:txBody>
-      </p:sp>
-      <p:sp>
-        <p:nvSpPr>
-          <p:cNvPr id="4" name="コンテンツ プレースホルダー 3">
-            <a:extLst>
-              <a:ext uri="{FF2B5EF4-FFF2-40B4-BE49-F238E27FC236}">
-                <a16:creationId xmlns:a16="http://schemas.microsoft.com/office/drawing/2014/main" id="{226B3E08-BAF7-59DB-C077-5ED5B0106F9D}"/>
-              </a:ext>
-            </a:extLst>
-          </p:cNvPr>
+            <a:endParaRPr lang="en-US" dirty="0"/>
+          </a:p>
+        </p:txBody>
+      </p:sp>
+      <p:sp>
+        <p:nvSpPr>
+          <p:cNvPr id="4" name="Content Placeholder 3"/>
           <p:cNvSpPr>
             <a:spLocks noGrp="1"/>
           </p:cNvSpPr>
@@ -1460,91 +1496,114 @@
         </p:nvSpPr>
         <p:spPr>
           <a:xfrm>
-            <a:off x="6172200" y="1825625"/>
-            <a:ext cx="5181600" cy="4351338"/>
+            <a:off x="6267612" y="2057400"/>
+            <a:ext cx="4754880" cy="4023360"/>
           </a:xfrm>
         </p:spPr>
         <p:txBody>
           <a:bodyPr/>
-          <a:lstStyle/>
+          <a:lstStyle>
+            <a:lvl1pPr>
+              <a:defRPr sz="2200"/>
+            </a:lvl1pPr>
+            <a:lvl2pPr>
+              <a:defRPr sz="2000"/>
+            </a:lvl2pPr>
+            <a:lvl3pPr>
+              <a:defRPr sz="1800"/>
+            </a:lvl3pPr>
+            <a:lvl4pPr>
+              <a:defRPr sz="1600"/>
+            </a:lvl4pPr>
+            <a:lvl5pPr>
+              <a:defRPr sz="1600"/>
+            </a:lvl5pPr>
+            <a:lvl6pPr>
+              <a:defRPr sz="1600"/>
+            </a:lvl6pPr>
+            <a:lvl7pPr>
+              <a:defRPr sz="1600"/>
+            </a:lvl7pPr>
+            <a:lvl8pPr>
+              <a:defRPr sz="1600"/>
+            </a:lvl8pPr>
+            <a:lvl9pPr>
+              <a:defRPr sz="1600"/>
+            </a:lvl9pPr>
+          </a:lstStyle>
           <a:p>
             <a:pPr lvl="0"/>
             <a:r>
-              <a:rPr kumimoji="1" lang="ja-JP" altLang="en-US"/>
+              <a:rPr lang="ja-JP" altLang="en-US"/>
               <a:t>マスター テキストの書式設定</a:t>
             </a:r>
           </a:p>
           <a:p>
             <a:pPr lvl="1"/>
             <a:r>
-              <a:rPr kumimoji="1" lang="ja-JP" altLang="en-US"/>
+              <a:rPr lang="ja-JP" altLang="en-US"/>
               <a:t>第 </a:t>
             </a:r>
             <a:r>
-              <a:rPr kumimoji="1" lang="en-US" altLang="ja-JP"/>
+              <a:rPr lang="en-US" altLang="ja-JP"/>
               <a:t>2 </a:t>
             </a:r>
             <a:r>
-              <a:rPr kumimoji="1" lang="ja-JP" altLang="en-US"/>
+              <a:rPr lang="ja-JP" altLang="en-US"/>
               <a:t>レベル</a:t>
             </a:r>
           </a:p>
           <a:p>
             <a:pPr lvl="2"/>
             <a:r>
-              <a:rPr kumimoji="1" lang="ja-JP" altLang="en-US"/>
+              <a:rPr lang="ja-JP" altLang="en-US"/>
               <a:t>第 </a:t>
             </a:r>
             <a:r>
-              <a:rPr kumimoji="1" lang="en-US" altLang="ja-JP"/>
+              <a:rPr lang="en-US" altLang="ja-JP"/>
               <a:t>3 </a:t>
             </a:r>
             <a:r>
-              <a:rPr kumimoji="1" lang="ja-JP" altLang="en-US"/>
+              <a:rPr lang="ja-JP" altLang="en-US"/>
               <a:t>レベル</a:t>
             </a:r>
           </a:p>
           <a:p>
             <a:pPr lvl="3"/>
             <a:r>
-              <a:rPr kumimoji="1" lang="ja-JP" altLang="en-US"/>
+              <a:rPr lang="ja-JP" altLang="en-US"/>
               <a:t>第 </a:t>
             </a:r>
             <a:r>
-              <a:rPr kumimoji="1" lang="en-US" altLang="ja-JP"/>
+              <a:rPr lang="en-US" altLang="ja-JP"/>
               <a:t>4 </a:t>
             </a:r>
             <a:r>
-              <a:rPr kumimoji="1" lang="ja-JP" altLang="en-US"/>
+              <a:rPr lang="ja-JP" altLang="en-US"/>
               <a:t>レベル</a:t>
             </a:r>
           </a:p>
           <a:p>
             <a:pPr lvl="4"/>
             <a:r>
-              <a:rPr kumimoji="1" lang="ja-JP" altLang="en-US"/>
+              <a:rPr lang="ja-JP" altLang="en-US"/>
               <a:t>第 </a:t>
             </a:r>
             <a:r>
-              <a:rPr kumimoji="1" lang="en-US" altLang="ja-JP"/>
+              <a:rPr lang="en-US" altLang="ja-JP"/>
               <a:t>5 </a:t>
             </a:r>
             <a:r>
-              <a:rPr kumimoji="1" lang="ja-JP" altLang="en-US"/>
+              <a:rPr lang="ja-JP" altLang="en-US"/>
               <a:t>レベル</a:t>
             </a:r>
-          </a:p>
-        </p:txBody>
-      </p:sp>
-      <p:sp>
-        <p:nvSpPr>
-          <p:cNvPr id="5" name="日付プレースホルダー 4">
-            <a:extLst>
-              <a:ext uri="{FF2B5EF4-FFF2-40B4-BE49-F238E27FC236}">
-                <a16:creationId xmlns:a16="http://schemas.microsoft.com/office/drawing/2014/main" id="{C732487A-BB72-8D36-447C-C0A1F8C64BD8}"/>
-              </a:ext>
-            </a:extLst>
-          </p:cNvPr>
+            <a:endParaRPr lang="en-US" dirty="0"/>
+          </a:p>
+        </p:txBody>
+      </p:sp>
+      <p:sp>
+        <p:nvSpPr>
+          <p:cNvPr id="5" name="Date Placeholder 4"/>
           <p:cNvSpPr>
             <a:spLocks noGrp="1"/>
           </p:cNvSpPr>
@@ -1559,7 +1618,7 @@
           <a:p>
             <a:fld id="{C9B504C2-A79A-4F1A-AD7E-81042A61A2F1}" type="datetimeFigureOut">
               <a:rPr kumimoji="1" lang="ja-JP" altLang="en-US" smtClean="0"/>
-              <a:t>2025/5/21</a:t>
+              <a:t>2025/7/2</a:t>
             </a:fld>
             <a:endParaRPr kumimoji="1" lang="ja-JP" altLang="en-US"/>
           </a:p>
@@ -1567,13 +1626,7 @@
       </p:sp>
       <p:sp>
         <p:nvSpPr>
-          <p:cNvPr id="6" name="フッター プレースホルダー 5">
-            <a:extLst>
-              <a:ext uri="{FF2B5EF4-FFF2-40B4-BE49-F238E27FC236}">
-                <a16:creationId xmlns:a16="http://schemas.microsoft.com/office/drawing/2014/main" id="{9470A3AD-F40A-74C5-E9D6-3ABC13D1F973}"/>
-              </a:ext>
-            </a:extLst>
-          </p:cNvPr>
+          <p:cNvPr id="6" name="Footer Placeholder 5"/>
           <p:cNvSpPr>
             <a:spLocks noGrp="1"/>
           </p:cNvSpPr>
@@ -1592,13 +1645,7 @@
       </p:sp>
       <p:sp>
         <p:nvSpPr>
-          <p:cNvPr id="7" name="スライド番号プレースホルダー 6">
-            <a:extLst>
-              <a:ext uri="{FF2B5EF4-FFF2-40B4-BE49-F238E27FC236}">
-                <a16:creationId xmlns:a16="http://schemas.microsoft.com/office/drawing/2014/main" id="{9AC41F12-A64F-F090-A803-BBA7A3DD7A1C}"/>
-              </a:ext>
-            </a:extLst>
-          </p:cNvPr>
+          <p:cNvPr id="7" name="Slide Number Placeholder 6"/>
           <p:cNvSpPr>
             <a:spLocks noGrp="1"/>
           </p:cNvSpPr>
@@ -1622,7 +1669,7 @@
     </p:spTree>
     <p:extLst>
       <p:ext uri="{BB962C8B-B14F-4D97-AF65-F5344CB8AC3E}">
-        <p14:creationId xmlns:p14="http://schemas.microsoft.com/office/powerpoint/2010/main" val="3545677577"/>
+        <p14:creationId xmlns:p14="http://schemas.microsoft.com/office/powerpoint/2010/main" val="1964821217"/>
       </p:ext>
     </p:extLst>
   </p:cSld>
@@ -1651,63 +1698,50 @@
       </p:grpSpPr>
       <p:sp>
         <p:nvSpPr>
-          <p:cNvPr id="2" name="タイトル 1">
-            <a:extLst>
-              <a:ext uri="{FF2B5EF4-FFF2-40B4-BE49-F238E27FC236}">
-                <a16:creationId xmlns:a16="http://schemas.microsoft.com/office/drawing/2014/main" id="{C6CFA9A5-4359-1720-90A4-05358725E74F}"/>
-              </a:ext>
-            </a:extLst>
-          </p:cNvPr>
+          <p:cNvPr id="10" name="Title 9"/>
           <p:cNvSpPr>
             <a:spLocks noGrp="1"/>
           </p:cNvSpPr>
           <p:nvPr>
             <p:ph type="title"/>
+          </p:nvPr>
+        </p:nvSpPr>
+        <p:spPr/>
+        <p:txBody>
+          <a:bodyPr/>
+          <a:lstStyle/>
+          <a:p>
+            <a:r>
+              <a:rPr lang="ja-JP" altLang="en-US"/>
+              <a:t>マスター タイトルの書式設定</a:t>
+            </a:r>
+            <a:endParaRPr lang="en-US" dirty="0"/>
+          </a:p>
+        </p:txBody>
+      </p:sp>
+      <p:sp>
+        <p:nvSpPr>
+          <p:cNvPr id="3" name="Text Placeholder 2"/>
+          <p:cNvSpPr>
+            <a:spLocks noGrp="1"/>
+          </p:cNvSpPr>
+          <p:nvPr>
+            <p:ph type="body" idx="1"/>
           </p:nvPr>
         </p:nvSpPr>
         <p:spPr>
           <a:xfrm>
-            <a:off x="839788" y="365125"/>
-            <a:ext cx="10515600" cy="1325563"/>
+            <a:off x="1143000" y="2001511"/>
+            <a:ext cx="4754880" cy="777240"/>
           </a:xfrm>
         </p:spPr>
         <p:txBody>
-          <a:bodyPr/>
-          <a:lstStyle/>
-          <a:p>
-            <a:r>
-              <a:rPr kumimoji="1" lang="ja-JP" altLang="en-US"/>
-              <a:t>マスター タイトルの書式設定</a:t>
-            </a:r>
-          </a:p>
-        </p:txBody>
-      </p:sp>
-      <p:sp>
-        <p:nvSpPr>
-          <p:cNvPr id="3" name="テキスト プレースホルダー 2">
-            <a:extLst>
-              <a:ext uri="{FF2B5EF4-FFF2-40B4-BE49-F238E27FC236}">
-                <a16:creationId xmlns:a16="http://schemas.microsoft.com/office/drawing/2014/main" id="{D72CA8A7-F93A-C50C-A06C-14F861D8F6E4}"/>
-              </a:ext>
-            </a:extLst>
-          </p:cNvPr>
-          <p:cNvSpPr>
-            <a:spLocks noGrp="1"/>
-          </p:cNvSpPr>
-          <p:nvPr>
-            <p:ph type="body" idx="1"/>
-          </p:nvPr>
-        </p:nvSpPr>
-        <p:spPr>
-          <a:xfrm>
-            <a:off x="839788" y="1681163"/>
-            <a:ext cx="5157787" cy="823912"/>
-          </a:xfrm>
-        </p:spPr>
-        <p:txBody>
-          <a:bodyPr anchor="b"/>
+          <a:bodyPr anchor="ctr"/>
           <a:lstStyle>
             <a:lvl1pPr marL="0" indent="0">
+              <a:spcBef>
+                <a:spcPts val="0"/>
+              </a:spcBef>
               <a:buNone/>
               <a:defRPr sz="2400" b="1"/>
             </a:lvl1pPr>
@@ -1747,7 +1781,7 @@
           <a:p>
             <a:pPr lvl="0"/>
             <a:r>
-              <a:rPr kumimoji="1" lang="ja-JP" altLang="en-US"/>
+              <a:rPr lang="ja-JP" altLang="en-US"/>
               <a:t>マスター テキストの書式設定</a:t>
             </a:r>
           </a:p>
@@ -1755,13 +1789,7 @@
       </p:sp>
       <p:sp>
         <p:nvSpPr>
-          <p:cNvPr id="4" name="コンテンツ プレースホルダー 3">
-            <a:extLst>
-              <a:ext uri="{FF2B5EF4-FFF2-40B4-BE49-F238E27FC236}">
-                <a16:creationId xmlns:a16="http://schemas.microsoft.com/office/drawing/2014/main" id="{46B094A1-D714-7BA1-A33F-FB640C595E24}"/>
-              </a:ext>
-            </a:extLst>
-          </p:cNvPr>
+          <p:cNvPr id="4" name="Content Placeholder 3"/>
           <p:cNvSpPr>
             <a:spLocks noGrp="1"/>
           </p:cNvSpPr>
@@ -1771,91 +1799,114 @@
         </p:nvSpPr>
         <p:spPr>
           <a:xfrm>
-            <a:off x="839788" y="2505075"/>
-            <a:ext cx="5157787" cy="3684588"/>
+            <a:off x="1143000" y="2721483"/>
+            <a:ext cx="4754880" cy="3383280"/>
           </a:xfrm>
         </p:spPr>
         <p:txBody>
           <a:bodyPr/>
-          <a:lstStyle/>
+          <a:lstStyle>
+            <a:lvl1pPr>
+              <a:defRPr sz="2200"/>
+            </a:lvl1pPr>
+            <a:lvl2pPr>
+              <a:defRPr sz="2000"/>
+            </a:lvl2pPr>
+            <a:lvl3pPr>
+              <a:defRPr sz="1800"/>
+            </a:lvl3pPr>
+            <a:lvl4pPr>
+              <a:defRPr sz="1600"/>
+            </a:lvl4pPr>
+            <a:lvl5pPr>
+              <a:defRPr sz="1600"/>
+            </a:lvl5pPr>
+            <a:lvl6pPr>
+              <a:defRPr sz="1600"/>
+            </a:lvl6pPr>
+            <a:lvl7pPr>
+              <a:defRPr sz="1600"/>
+            </a:lvl7pPr>
+            <a:lvl8pPr>
+              <a:defRPr sz="1600"/>
+            </a:lvl8pPr>
+            <a:lvl9pPr>
+              <a:defRPr sz="1600"/>
+            </a:lvl9pPr>
+          </a:lstStyle>
           <a:p>
             <a:pPr lvl="0"/>
             <a:r>
-              <a:rPr kumimoji="1" lang="ja-JP" altLang="en-US"/>
+              <a:rPr lang="ja-JP" altLang="en-US"/>
               <a:t>マスター テキストの書式設定</a:t>
             </a:r>
           </a:p>
           <a:p>
             <a:pPr lvl="1"/>
             <a:r>
-              <a:rPr kumimoji="1" lang="ja-JP" altLang="en-US"/>
+              <a:rPr lang="ja-JP" altLang="en-US"/>
               <a:t>第 </a:t>
             </a:r>
             <a:r>
-              <a:rPr kumimoji="1" lang="en-US" altLang="ja-JP"/>
+              <a:rPr lang="en-US" altLang="ja-JP"/>
               <a:t>2 </a:t>
             </a:r>
             <a:r>
-              <a:rPr kumimoji="1" lang="ja-JP" altLang="en-US"/>
+              <a:rPr lang="ja-JP" altLang="en-US"/>
               <a:t>レベル</a:t>
             </a:r>
           </a:p>
           <a:p>
             <a:pPr lvl="2"/>
             <a:r>
-              <a:rPr kumimoji="1" lang="ja-JP" altLang="en-US"/>
+              <a:rPr lang="ja-JP" altLang="en-US"/>
               <a:t>第 </a:t>
             </a:r>
             <a:r>
-              <a:rPr kumimoji="1" lang="en-US" altLang="ja-JP"/>
+              <a:rPr lang="en-US" altLang="ja-JP"/>
               <a:t>3 </a:t>
             </a:r>
             <a:r>
-              <a:rPr kumimoji="1" lang="ja-JP" altLang="en-US"/>
+              <a:rPr lang="ja-JP" altLang="en-US"/>
               <a:t>レベル</a:t>
             </a:r>
           </a:p>
           <a:p>
             <a:pPr lvl="3"/>
             <a:r>
-              <a:rPr kumimoji="1" lang="ja-JP" altLang="en-US"/>
+              <a:rPr lang="ja-JP" altLang="en-US"/>
               <a:t>第 </a:t>
             </a:r>
             <a:r>
-              <a:rPr kumimoji="1" lang="en-US" altLang="ja-JP"/>
+              <a:rPr lang="en-US" altLang="ja-JP"/>
               <a:t>4 </a:t>
             </a:r>
             <a:r>
-              <a:rPr kumimoji="1" lang="ja-JP" altLang="en-US"/>
+              <a:rPr lang="ja-JP" altLang="en-US"/>
               <a:t>レベル</a:t>
             </a:r>
           </a:p>
           <a:p>
             <a:pPr lvl="4"/>
             <a:r>
-              <a:rPr kumimoji="1" lang="ja-JP" altLang="en-US"/>
+              <a:rPr lang="ja-JP" altLang="en-US"/>
               <a:t>第 </a:t>
             </a:r>
             <a:r>
-              <a:rPr kumimoji="1" lang="en-US" altLang="ja-JP"/>
+              <a:rPr lang="en-US" altLang="ja-JP"/>
               <a:t>5 </a:t>
             </a:r>
             <a:r>
-              <a:rPr kumimoji="1" lang="ja-JP" altLang="en-US"/>
+              <a:rPr lang="ja-JP" altLang="en-US"/>
               <a:t>レベル</a:t>
             </a:r>
-          </a:p>
-        </p:txBody>
-      </p:sp>
-      <p:sp>
-        <p:nvSpPr>
-          <p:cNvPr id="5" name="テキスト プレースホルダー 4">
-            <a:extLst>
-              <a:ext uri="{FF2B5EF4-FFF2-40B4-BE49-F238E27FC236}">
-                <a16:creationId xmlns:a16="http://schemas.microsoft.com/office/drawing/2014/main" id="{82E854F8-E18F-2E47-EBA6-32579ED68864}"/>
-              </a:ext>
-            </a:extLst>
-          </p:cNvPr>
+            <a:endParaRPr lang="en-US" dirty="0"/>
+          </a:p>
+        </p:txBody>
+      </p:sp>
+      <p:sp>
+        <p:nvSpPr>
+          <p:cNvPr id="5" name="Text Placeholder 4"/>
           <p:cNvSpPr>
             <a:spLocks noGrp="1"/>
           </p:cNvSpPr>
@@ -1865,14 +1916,17 @@
         </p:nvSpPr>
         <p:spPr>
           <a:xfrm>
-            <a:off x="6172200" y="1681163"/>
-            <a:ext cx="5183188" cy="823912"/>
+            <a:off x="6269173" y="1999032"/>
+            <a:ext cx="4754880" cy="777240"/>
           </a:xfrm>
         </p:spPr>
         <p:txBody>
-          <a:bodyPr anchor="b"/>
+          <a:bodyPr anchor="ctr"/>
           <a:lstStyle>
             <a:lvl1pPr marL="0" indent="0">
+              <a:spcBef>
+                <a:spcPts val="0"/>
+              </a:spcBef>
               <a:buNone/>
               <a:defRPr sz="2400" b="1"/>
             </a:lvl1pPr>
@@ -1912,7 +1966,7 @@
           <a:p>
             <a:pPr lvl="0"/>
             <a:r>
-              <a:rPr kumimoji="1" lang="ja-JP" altLang="en-US"/>
+              <a:rPr lang="ja-JP" altLang="en-US"/>
               <a:t>マスター テキストの書式設定</a:t>
             </a:r>
           </a:p>
@@ -1920,13 +1974,7 @@
       </p:sp>
       <p:sp>
         <p:nvSpPr>
-          <p:cNvPr id="6" name="コンテンツ プレースホルダー 5">
-            <a:extLst>
-              <a:ext uri="{FF2B5EF4-FFF2-40B4-BE49-F238E27FC236}">
-                <a16:creationId xmlns:a16="http://schemas.microsoft.com/office/drawing/2014/main" id="{7BC977B1-89A9-3064-79B9-349C9CE55D53}"/>
-              </a:ext>
-            </a:extLst>
-          </p:cNvPr>
+          <p:cNvPr id="6" name="Content Placeholder 5"/>
           <p:cNvSpPr>
             <a:spLocks noGrp="1"/>
           </p:cNvSpPr>
@@ -1936,91 +1984,114 @@
         </p:nvSpPr>
         <p:spPr>
           <a:xfrm>
-            <a:off x="6172200" y="2505075"/>
-            <a:ext cx="5183188" cy="3684588"/>
+            <a:off x="6269173" y="2719322"/>
+            <a:ext cx="4754880" cy="3383280"/>
           </a:xfrm>
         </p:spPr>
         <p:txBody>
           <a:bodyPr/>
-          <a:lstStyle/>
+          <a:lstStyle>
+            <a:lvl1pPr>
+              <a:defRPr sz="2200"/>
+            </a:lvl1pPr>
+            <a:lvl2pPr>
+              <a:defRPr sz="2000"/>
+            </a:lvl2pPr>
+            <a:lvl3pPr>
+              <a:defRPr sz="1800"/>
+            </a:lvl3pPr>
+            <a:lvl4pPr>
+              <a:defRPr sz="1600"/>
+            </a:lvl4pPr>
+            <a:lvl5pPr>
+              <a:defRPr sz="1600"/>
+            </a:lvl5pPr>
+            <a:lvl6pPr>
+              <a:defRPr sz="1600"/>
+            </a:lvl6pPr>
+            <a:lvl7pPr>
+              <a:defRPr sz="1600"/>
+            </a:lvl7pPr>
+            <a:lvl8pPr>
+              <a:defRPr sz="1600"/>
+            </a:lvl8pPr>
+            <a:lvl9pPr>
+              <a:defRPr sz="1600"/>
+            </a:lvl9pPr>
+          </a:lstStyle>
           <a:p>
             <a:pPr lvl="0"/>
             <a:r>
-              <a:rPr kumimoji="1" lang="ja-JP" altLang="en-US"/>
+              <a:rPr lang="ja-JP" altLang="en-US"/>
               <a:t>マスター テキストの書式設定</a:t>
             </a:r>
           </a:p>
           <a:p>
             <a:pPr lvl="1"/>
             <a:r>
-              <a:rPr kumimoji="1" lang="ja-JP" altLang="en-US"/>
+              <a:rPr lang="ja-JP" altLang="en-US"/>
               <a:t>第 </a:t>
             </a:r>
             <a:r>
-              <a:rPr kumimoji="1" lang="en-US" altLang="ja-JP"/>
+              <a:rPr lang="en-US" altLang="ja-JP"/>
               <a:t>2 </a:t>
             </a:r>
             <a:r>
-              <a:rPr kumimoji="1" lang="ja-JP" altLang="en-US"/>
+              <a:rPr lang="ja-JP" altLang="en-US"/>
               <a:t>レベル</a:t>
             </a:r>
           </a:p>
           <a:p>
             <a:pPr lvl="2"/>
             <a:r>
-              <a:rPr kumimoji="1" lang="ja-JP" altLang="en-US"/>
+              <a:rPr lang="ja-JP" altLang="en-US"/>
               <a:t>第 </a:t>
             </a:r>
             <a:r>
-              <a:rPr kumimoji="1" lang="en-US" altLang="ja-JP"/>
+              <a:rPr lang="en-US" altLang="ja-JP"/>
               <a:t>3 </a:t>
             </a:r>
             <a:r>
-              <a:rPr kumimoji="1" lang="ja-JP" altLang="en-US"/>
+              <a:rPr lang="ja-JP" altLang="en-US"/>
               <a:t>レベル</a:t>
             </a:r>
           </a:p>
           <a:p>
             <a:pPr lvl="3"/>
             <a:r>
-              <a:rPr kumimoji="1" lang="ja-JP" altLang="en-US"/>
+              <a:rPr lang="ja-JP" altLang="en-US"/>
               <a:t>第 </a:t>
             </a:r>
             <a:r>
-              <a:rPr kumimoji="1" lang="en-US" altLang="ja-JP"/>
+              <a:rPr lang="en-US" altLang="ja-JP"/>
               <a:t>4 </a:t>
             </a:r>
             <a:r>
-              <a:rPr kumimoji="1" lang="ja-JP" altLang="en-US"/>
+              <a:rPr lang="ja-JP" altLang="en-US"/>
               <a:t>レベル</a:t>
             </a:r>
           </a:p>
           <a:p>
             <a:pPr lvl="4"/>
             <a:r>
-              <a:rPr kumimoji="1" lang="ja-JP" altLang="en-US"/>
+              <a:rPr lang="ja-JP" altLang="en-US"/>
               <a:t>第 </a:t>
             </a:r>
             <a:r>
-              <a:rPr kumimoji="1" lang="en-US" altLang="ja-JP"/>
+              <a:rPr lang="en-US" altLang="ja-JP"/>
               <a:t>5 </a:t>
             </a:r>
             <a:r>
-              <a:rPr kumimoji="1" lang="ja-JP" altLang="en-US"/>
+              <a:rPr lang="ja-JP" altLang="en-US"/>
               <a:t>レベル</a:t>
             </a:r>
-          </a:p>
-        </p:txBody>
-      </p:sp>
-      <p:sp>
-        <p:nvSpPr>
-          <p:cNvPr id="7" name="日付プレースホルダー 6">
-            <a:extLst>
-              <a:ext uri="{FF2B5EF4-FFF2-40B4-BE49-F238E27FC236}">
-                <a16:creationId xmlns:a16="http://schemas.microsoft.com/office/drawing/2014/main" id="{0CBE3E38-F5AE-5253-9464-187FD1023575}"/>
-              </a:ext>
-            </a:extLst>
-          </p:cNvPr>
+            <a:endParaRPr lang="en-US" dirty="0"/>
+          </a:p>
+        </p:txBody>
+      </p:sp>
+      <p:sp>
+        <p:nvSpPr>
+          <p:cNvPr id="7" name="Date Placeholder 6"/>
           <p:cNvSpPr>
             <a:spLocks noGrp="1"/>
           </p:cNvSpPr>
@@ -2035,7 +2106,7 @@
           <a:p>
             <a:fld id="{C9B504C2-A79A-4F1A-AD7E-81042A61A2F1}" type="datetimeFigureOut">
               <a:rPr kumimoji="1" lang="ja-JP" altLang="en-US" smtClean="0"/>
-              <a:t>2025/5/21</a:t>
+              <a:t>2025/7/2</a:t>
             </a:fld>
             <a:endParaRPr kumimoji="1" lang="ja-JP" altLang="en-US"/>
           </a:p>
@@ -2043,13 +2114,7 @@
       </p:sp>
       <p:sp>
         <p:nvSpPr>
-          <p:cNvPr id="8" name="フッター プレースホルダー 7">
-            <a:extLst>
-              <a:ext uri="{FF2B5EF4-FFF2-40B4-BE49-F238E27FC236}">
-                <a16:creationId xmlns:a16="http://schemas.microsoft.com/office/drawing/2014/main" id="{A1A72A53-BFC4-9D62-DDBB-E9CAEAF86378}"/>
-              </a:ext>
-            </a:extLst>
-          </p:cNvPr>
+          <p:cNvPr id="8" name="Footer Placeholder 7"/>
           <p:cNvSpPr>
             <a:spLocks noGrp="1"/>
           </p:cNvSpPr>
@@ -2068,13 +2133,7 @@
       </p:sp>
       <p:sp>
         <p:nvSpPr>
-          <p:cNvPr id="9" name="スライド番号プレースホルダー 8">
-            <a:extLst>
-              <a:ext uri="{FF2B5EF4-FFF2-40B4-BE49-F238E27FC236}">
-                <a16:creationId xmlns:a16="http://schemas.microsoft.com/office/drawing/2014/main" id="{9937D3F6-D1AD-DAF7-0D25-FFE573C9BA51}"/>
-              </a:ext>
-            </a:extLst>
-          </p:cNvPr>
+          <p:cNvPr id="9" name="Slide Number Placeholder 8"/>
           <p:cNvSpPr>
             <a:spLocks noGrp="1"/>
           </p:cNvSpPr>
@@ -2098,7 +2157,7 @@
     </p:spTree>
     <p:extLst>
       <p:ext uri="{BB962C8B-B14F-4D97-AF65-F5344CB8AC3E}">
-        <p14:creationId xmlns:p14="http://schemas.microsoft.com/office/powerpoint/2010/main" val="2130426969"/>
+        <p14:creationId xmlns:p14="http://schemas.microsoft.com/office/powerpoint/2010/main" val="4153135924"/>
       </p:ext>
     </p:extLst>
   </p:cSld>
@@ -2127,13 +2186,7 @@
       </p:grpSpPr>
       <p:sp>
         <p:nvSpPr>
-          <p:cNvPr id="2" name="タイトル 1">
-            <a:extLst>
-              <a:ext uri="{FF2B5EF4-FFF2-40B4-BE49-F238E27FC236}">
-                <a16:creationId xmlns:a16="http://schemas.microsoft.com/office/drawing/2014/main" id="{1491F70A-4CA6-FC42-EA93-B340F2C0F7D3}"/>
-              </a:ext>
-            </a:extLst>
-          </p:cNvPr>
+          <p:cNvPr id="2" name="Title 1"/>
           <p:cNvSpPr>
             <a:spLocks noGrp="1"/>
           </p:cNvSpPr>
@@ -2147,21 +2200,16 @@
           <a:lstStyle/>
           <a:p>
             <a:r>
-              <a:rPr kumimoji="1" lang="ja-JP" altLang="en-US"/>
+              <a:rPr lang="ja-JP" altLang="en-US"/>
               <a:t>マスター タイトルの書式設定</a:t>
             </a:r>
-          </a:p>
-        </p:txBody>
-      </p:sp>
-      <p:sp>
-        <p:nvSpPr>
-          <p:cNvPr id="3" name="日付プレースホルダー 2">
-            <a:extLst>
-              <a:ext uri="{FF2B5EF4-FFF2-40B4-BE49-F238E27FC236}">
-                <a16:creationId xmlns:a16="http://schemas.microsoft.com/office/drawing/2014/main" id="{869A4868-E5EA-FAE0-ED88-6328AD1DA76C}"/>
-              </a:ext>
-            </a:extLst>
-          </p:cNvPr>
+            <a:endParaRPr lang="en-US" dirty="0"/>
+          </a:p>
+        </p:txBody>
+      </p:sp>
+      <p:sp>
+        <p:nvSpPr>
+          <p:cNvPr id="3" name="Date Placeholder 2"/>
           <p:cNvSpPr>
             <a:spLocks noGrp="1"/>
           </p:cNvSpPr>
@@ -2176,7 +2224,7 @@
           <a:p>
             <a:fld id="{C9B504C2-A79A-4F1A-AD7E-81042A61A2F1}" type="datetimeFigureOut">
               <a:rPr kumimoji="1" lang="ja-JP" altLang="en-US" smtClean="0"/>
-              <a:t>2025/5/21</a:t>
+              <a:t>2025/7/2</a:t>
             </a:fld>
             <a:endParaRPr kumimoji="1" lang="ja-JP" altLang="en-US"/>
           </a:p>
@@ -2184,13 +2232,7 @@
       </p:sp>
       <p:sp>
         <p:nvSpPr>
-          <p:cNvPr id="4" name="フッター プレースホルダー 3">
-            <a:extLst>
-              <a:ext uri="{FF2B5EF4-FFF2-40B4-BE49-F238E27FC236}">
-                <a16:creationId xmlns:a16="http://schemas.microsoft.com/office/drawing/2014/main" id="{07AFBF1A-B2A1-6772-A45A-3ACE71C6ABA2}"/>
-              </a:ext>
-            </a:extLst>
-          </p:cNvPr>
+          <p:cNvPr id="4" name="Footer Placeholder 3"/>
           <p:cNvSpPr>
             <a:spLocks noGrp="1"/>
           </p:cNvSpPr>
@@ -2209,13 +2251,7 @@
       </p:sp>
       <p:sp>
         <p:nvSpPr>
-          <p:cNvPr id="5" name="スライド番号プレースホルダー 4">
-            <a:extLst>
-              <a:ext uri="{FF2B5EF4-FFF2-40B4-BE49-F238E27FC236}">
-                <a16:creationId xmlns:a16="http://schemas.microsoft.com/office/drawing/2014/main" id="{E40FDC1A-CBF3-1C35-9ED3-49F8FB07E2EB}"/>
-              </a:ext>
-            </a:extLst>
-          </p:cNvPr>
+          <p:cNvPr id="5" name="Slide Number Placeholder 4"/>
           <p:cNvSpPr>
             <a:spLocks noGrp="1"/>
           </p:cNvSpPr>
@@ -2239,7 +2275,7 @@
     </p:spTree>
     <p:extLst>
       <p:ext uri="{BB962C8B-B14F-4D97-AF65-F5344CB8AC3E}">
-        <p14:creationId xmlns:p14="http://schemas.microsoft.com/office/powerpoint/2010/main" val="1434916401"/>
+        <p14:creationId xmlns:p14="http://schemas.microsoft.com/office/powerpoint/2010/main" val="876365493"/>
       </p:ext>
     </p:extLst>
   </p:cSld>
@@ -2268,13 +2304,7 @@
       </p:grpSpPr>
       <p:sp>
         <p:nvSpPr>
-          <p:cNvPr id="2" name="日付プレースホルダー 1">
-            <a:extLst>
-              <a:ext uri="{FF2B5EF4-FFF2-40B4-BE49-F238E27FC236}">
-                <a16:creationId xmlns:a16="http://schemas.microsoft.com/office/drawing/2014/main" id="{A0ED724B-2C64-8293-7806-BE3D76299262}"/>
-              </a:ext>
-            </a:extLst>
-          </p:cNvPr>
+          <p:cNvPr id="2" name="Date Placeholder 1"/>
           <p:cNvSpPr>
             <a:spLocks noGrp="1"/>
           </p:cNvSpPr>
@@ -2289,7 +2319,7 @@
           <a:p>
             <a:fld id="{C9B504C2-A79A-4F1A-AD7E-81042A61A2F1}" type="datetimeFigureOut">
               <a:rPr kumimoji="1" lang="ja-JP" altLang="en-US" smtClean="0"/>
-              <a:t>2025/5/21</a:t>
+              <a:t>2025/7/2</a:t>
             </a:fld>
             <a:endParaRPr kumimoji="1" lang="ja-JP" altLang="en-US"/>
           </a:p>
@@ -2297,13 +2327,7 @@
       </p:sp>
       <p:sp>
         <p:nvSpPr>
-          <p:cNvPr id="3" name="フッター プレースホルダー 2">
-            <a:extLst>
-              <a:ext uri="{FF2B5EF4-FFF2-40B4-BE49-F238E27FC236}">
-                <a16:creationId xmlns:a16="http://schemas.microsoft.com/office/drawing/2014/main" id="{C43B5E6F-CC66-BF09-65CC-DA4FC20ED502}"/>
-              </a:ext>
-            </a:extLst>
-          </p:cNvPr>
+          <p:cNvPr id="3" name="Footer Placeholder 2"/>
           <p:cNvSpPr>
             <a:spLocks noGrp="1"/>
           </p:cNvSpPr>
@@ -2322,13 +2346,7 @@
       </p:sp>
       <p:sp>
         <p:nvSpPr>
-          <p:cNvPr id="4" name="スライド番号プレースホルダー 3">
-            <a:extLst>
-              <a:ext uri="{FF2B5EF4-FFF2-40B4-BE49-F238E27FC236}">
-                <a16:creationId xmlns:a16="http://schemas.microsoft.com/office/drawing/2014/main" id="{7164CB7D-46F6-C23D-6A5C-2B00FCE23DD3}"/>
-              </a:ext>
-            </a:extLst>
-          </p:cNvPr>
+          <p:cNvPr id="4" name="Slide Number Placeholder 3"/>
           <p:cNvSpPr>
             <a:spLocks noGrp="1"/>
           </p:cNvSpPr>
@@ -2352,7 +2370,7 @@
     </p:spTree>
     <p:extLst>
       <p:ext uri="{BB962C8B-B14F-4D97-AF65-F5344CB8AC3E}">
-        <p14:creationId xmlns:p14="http://schemas.microsoft.com/office/powerpoint/2010/main" val="3145481469"/>
+        <p14:creationId xmlns:p14="http://schemas.microsoft.com/office/powerpoint/2010/main" val="3629108928"/>
       </p:ext>
     </p:extLst>
   </p:cSld>
@@ -2381,13 +2399,7 @@
       </p:grpSpPr>
       <p:sp>
         <p:nvSpPr>
-          <p:cNvPr id="2" name="タイトル 1">
-            <a:extLst>
-              <a:ext uri="{FF2B5EF4-FFF2-40B4-BE49-F238E27FC236}">
-                <a16:creationId xmlns:a16="http://schemas.microsoft.com/office/drawing/2014/main" id="{B67182F2-D119-003A-E691-A491ED33A25B}"/>
-              </a:ext>
-            </a:extLst>
-          </p:cNvPr>
+          <p:cNvPr id="2" name="Title 1"/>
           <p:cNvSpPr>
             <a:spLocks noGrp="1"/>
           </p:cNvSpPr>
@@ -2397,34 +2409,34 @@
         </p:nvSpPr>
         <p:spPr>
           <a:xfrm>
-            <a:off x="839788" y="457200"/>
-            <a:ext cx="3932237" cy="1600200"/>
+            <a:off x="1143000" y="1097280"/>
+            <a:ext cx="3931920" cy="1737360"/>
           </a:xfrm>
         </p:spPr>
         <p:txBody>
-          <a:bodyPr anchor="b"/>
+          <a:bodyPr anchor="b">
+            <a:noAutofit/>
+          </a:bodyPr>
           <a:lstStyle>
             <a:lvl1pPr>
-              <a:defRPr sz="3200"/>
+              <a:lnSpc>
+                <a:spcPct val="90000"/>
+              </a:lnSpc>
+              <a:defRPr sz="4000" b="0"/>
             </a:lvl1pPr>
           </a:lstStyle>
           <a:p>
             <a:r>
-              <a:rPr kumimoji="1" lang="ja-JP" altLang="en-US"/>
+              <a:rPr lang="ja-JP" altLang="en-US"/>
               <a:t>マスター タイトルの書式設定</a:t>
             </a:r>
-          </a:p>
-        </p:txBody>
-      </p:sp>
-      <p:sp>
-        <p:nvSpPr>
-          <p:cNvPr id="3" name="コンテンツ プレースホルダー 2">
-            <a:extLst>
-              <a:ext uri="{FF2B5EF4-FFF2-40B4-BE49-F238E27FC236}">
-                <a16:creationId xmlns:a16="http://schemas.microsoft.com/office/drawing/2014/main" id="{590BDD18-6BAB-E10C-D0B9-EAEF2B8C348E}"/>
-              </a:ext>
-            </a:extLst>
-          </p:cNvPr>
+            <a:endParaRPr lang="en-US" dirty="0"/>
+          </a:p>
+        </p:txBody>
+      </p:sp>
+      <p:sp>
+        <p:nvSpPr>
+          <p:cNvPr id="3" name="Content Placeholder 2"/>
           <p:cNvSpPr>
             <a:spLocks noGrp="1"/>
           </p:cNvSpPr>
@@ -2434,8 +2446,8 @@
         </p:nvSpPr>
         <p:spPr>
           <a:xfrm>
-            <a:off x="5183188" y="987425"/>
-            <a:ext cx="6172200" cy="4873625"/>
+            <a:off x="5852159" y="1097280"/>
+            <a:ext cx="5212080" cy="4663440"/>
           </a:xfrm>
         </p:spPr>
         <p:txBody>
@@ -2472,81 +2484,76 @@
           <a:p>
             <a:pPr lvl="0"/>
             <a:r>
-              <a:rPr kumimoji="1" lang="ja-JP" altLang="en-US"/>
+              <a:rPr lang="ja-JP" altLang="en-US"/>
               <a:t>マスター テキストの書式設定</a:t>
             </a:r>
           </a:p>
           <a:p>
             <a:pPr lvl="1"/>
             <a:r>
-              <a:rPr kumimoji="1" lang="ja-JP" altLang="en-US"/>
+              <a:rPr lang="ja-JP" altLang="en-US"/>
               <a:t>第 </a:t>
             </a:r>
             <a:r>
-              <a:rPr kumimoji="1" lang="en-US" altLang="ja-JP"/>
+              <a:rPr lang="en-US" altLang="ja-JP"/>
               <a:t>2 </a:t>
             </a:r>
             <a:r>
-              <a:rPr kumimoji="1" lang="ja-JP" altLang="en-US"/>
+              <a:rPr lang="ja-JP" altLang="en-US"/>
               <a:t>レベル</a:t>
             </a:r>
           </a:p>
           <a:p>
             <a:pPr lvl="2"/>
             <a:r>
-              <a:rPr kumimoji="1" lang="ja-JP" altLang="en-US"/>
+              <a:rPr lang="ja-JP" altLang="en-US"/>
               <a:t>第 </a:t>
             </a:r>
             <a:r>
-              <a:rPr kumimoji="1" lang="en-US" altLang="ja-JP"/>
+              <a:rPr lang="en-US" altLang="ja-JP"/>
               <a:t>3 </a:t>
             </a:r>
             <a:r>
-              <a:rPr kumimoji="1" lang="ja-JP" altLang="en-US"/>
+              <a:rPr lang="ja-JP" altLang="en-US"/>
               <a:t>レベル</a:t>
             </a:r>
           </a:p>
           <a:p>
             <a:pPr lvl="3"/>
             <a:r>
-              <a:rPr kumimoji="1" lang="ja-JP" altLang="en-US"/>
+              <a:rPr lang="ja-JP" altLang="en-US"/>
               <a:t>第 </a:t>
             </a:r>
             <a:r>
-              <a:rPr kumimoji="1" lang="en-US" altLang="ja-JP"/>
+              <a:rPr lang="en-US" altLang="ja-JP"/>
               <a:t>4 </a:t>
             </a:r>
             <a:r>
-              <a:rPr kumimoji="1" lang="ja-JP" altLang="en-US"/>
+              <a:rPr lang="ja-JP" altLang="en-US"/>
               <a:t>レベル</a:t>
             </a:r>
           </a:p>
           <a:p>
             <a:pPr lvl="4"/>
             <a:r>
-              <a:rPr kumimoji="1" lang="ja-JP" altLang="en-US"/>
+              <a:rPr lang="ja-JP" altLang="en-US"/>
               <a:t>第 </a:t>
             </a:r>
             <a:r>
-              <a:rPr kumimoji="1" lang="en-US" altLang="ja-JP"/>
+              <a:rPr lang="en-US" altLang="ja-JP"/>
               <a:t>5 </a:t>
             </a:r>
             <a:r>
-              <a:rPr kumimoji="1" lang="ja-JP" altLang="en-US"/>
+              <a:rPr lang="ja-JP" altLang="en-US"/>
               <a:t>レベル</a:t>
             </a:r>
-          </a:p>
-        </p:txBody>
-      </p:sp>
-      <p:sp>
-        <p:nvSpPr>
-          <p:cNvPr id="4" name="テキスト プレースホルダー 3">
-            <a:extLst>
-              <a:ext uri="{FF2B5EF4-FFF2-40B4-BE49-F238E27FC236}">
-                <a16:creationId xmlns:a16="http://schemas.microsoft.com/office/drawing/2014/main" id="{6B4D089A-0FA5-E76C-F3E9-A22B442A73E2}"/>
-              </a:ext>
-            </a:extLst>
-          </p:cNvPr>
+            <a:endParaRPr lang="en-US" dirty="0"/>
+          </a:p>
+        </p:txBody>
+      </p:sp>
+      <p:sp>
+        <p:nvSpPr>
+          <p:cNvPr id="4" name="Text Placeholder 3"/>
           <p:cNvSpPr>
             <a:spLocks noGrp="1"/>
           </p:cNvSpPr>
@@ -2556,54 +2563,62 @@
         </p:nvSpPr>
         <p:spPr>
           <a:xfrm>
-            <a:off x="839788" y="2057400"/>
-            <a:ext cx="3932237" cy="3811588"/>
+            <a:off x="1143000" y="2834640"/>
+            <a:ext cx="3931920" cy="3017520"/>
           </a:xfrm>
         </p:spPr>
         <p:txBody>
-          <a:bodyPr/>
+          <a:bodyPr>
+            <a:normAutofit/>
+          </a:bodyPr>
           <a:lstStyle>
             <a:lvl1pPr marL="0" indent="0">
-              <a:buNone/>
-              <a:defRPr sz="1600"/>
+              <a:lnSpc>
+                <a:spcPct val="100000"/>
+              </a:lnSpc>
+              <a:spcBef>
+                <a:spcPts val="1000"/>
+              </a:spcBef>
+              <a:buNone/>
+              <a:defRPr sz="1700"/>
             </a:lvl1pPr>
             <a:lvl2pPr marL="457200" indent="0">
               <a:buNone/>
-              <a:defRPr sz="1400"/>
+              <a:defRPr sz="1200"/>
             </a:lvl2pPr>
             <a:lvl3pPr marL="914400" indent="0">
               <a:buNone/>
-              <a:defRPr sz="1200"/>
+              <a:defRPr sz="1000"/>
             </a:lvl3pPr>
             <a:lvl4pPr marL="1371600" indent="0">
               <a:buNone/>
-              <a:defRPr sz="1000"/>
+              <a:defRPr sz="900"/>
             </a:lvl4pPr>
             <a:lvl5pPr marL="1828800" indent="0">
               <a:buNone/>
-              <a:defRPr sz="1000"/>
+              <a:defRPr sz="900"/>
             </a:lvl5pPr>
             <a:lvl6pPr marL="2286000" indent="0">
               <a:buNone/>
-              <a:defRPr sz="1000"/>
+              <a:defRPr sz="900"/>
             </a:lvl6pPr>
             <a:lvl7pPr marL="2743200" indent="0">
               <a:buNone/>
-              <a:defRPr sz="1000"/>
+              <a:defRPr sz="900"/>
             </a:lvl7pPr>
             <a:lvl8pPr marL="3200400" indent="0">
               <a:buNone/>
-              <a:defRPr sz="1000"/>
+              <a:defRPr sz="900"/>
             </a:lvl8pPr>
             <a:lvl9pPr marL="3657600" indent="0">
               <a:buNone/>
-              <a:defRPr sz="1000"/>
+              <a:defRPr sz="900"/>
             </a:lvl9pPr>
           </a:lstStyle>
           <a:p>
             <a:pPr lvl="0"/>
             <a:r>
-              <a:rPr kumimoji="1" lang="ja-JP" altLang="en-US"/>
+              <a:rPr lang="ja-JP" altLang="en-US"/>
               <a:t>マスター テキストの書式設定</a:t>
             </a:r>
           </a:p>
@@ -2611,13 +2626,7 @@
       </p:sp>
       <p:sp>
         <p:nvSpPr>
-          <p:cNvPr id="5" name="日付プレースホルダー 4">
-            <a:extLst>
-              <a:ext uri="{FF2B5EF4-FFF2-40B4-BE49-F238E27FC236}">
-                <a16:creationId xmlns:a16="http://schemas.microsoft.com/office/drawing/2014/main" id="{842FEE7A-C64D-20A9-E5DE-063B7E1AD202}"/>
-              </a:ext>
-            </a:extLst>
-          </p:cNvPr>
+          <p:cNvPr id="5" name="Date Placeholder 4"/>
           <p:cNvSpPr>
             <a:spLocks noGrp="1"/>
           </p:cNvSpPr>
@@ -2632,7 +2641,7 @@
           <a:p>
             <a:fld id="{C9B504C2-A79A-4F1A-AD7E-81042A61A2F1}" type="datetimeFigureOut">
               <a:rPr kumimoji="1" lang="ja-JP" altLang="en-US" smtClean="0"/>
-              <a:t>2025/5/21</a:t>
+              <a:t>2025/7/2</a:t>
             </a:fld>
             <a:endParaRPr kumimoji="1" lang="ja-JP" altLang="en-US"/>
           </a:p>
@@ -2640,13 +2649,7 @@
       </p:sp>
       <p:sp>
         <p:nvSpPr>
-          <p:cNvPr id="6" name="フッター プレースホルダー 5">
-            <a:extLst>
-              <a:ext uri="{FF2B5EF4-FFF2-40B4-BE49-F238E27FC236}">
-                <a16:creationId xmlns:a16="http://schemas.microsoft.com/office/drawing/2014/main" id="{93F49F64-965B-2175-B147-5B4F81F1A4DC}"/>
-              </a:ext>
-            </a:extLst>
-          </p:cNvPr>
+          <p:cNvPr id="6" name="Footer Placeholder 5"/>
           <p:cNvSpPr>
             <a:spLocks noGrp="1"/>
           </p:cNvSpPr>
@@ -2665,13 +2668,7 @@
       </p:sp>
       <p:sp>
         <p:nvSpPr>
-          <p:cNvPr id="7" name="スライド番号プレースホルダー 6">
-            <a:extLst>
-              <a:ext uri="{FF2B5EF4-FFF2-40B4-BE49-F238E27FC236}">
-                <a16:creationId xmlns:a16="http://schemas.microsoft.com/office/drawing/2014/main" id="{6B8B7667-B80F-1E34-0F27-3B877AAC08F7}"/>
-              </a:ext>
-            </a:extLst>
-          </p:cNvPr>
+          <p:cNvPr id="7" name="Slide Number Placeholder 6"/>
           <p:cNvSpPr>
             <a:spLocks noGrp="1"/>
           </p:cNvSpPr>
@@ -2695,7 +2692,7 @@
     </p:spTree>
     <p:extLst>
       <p:ext uri="{BB962C8B-B14F-4D97-AF65-F5344CB8AC3E}">
-        <p14:creationId xmlns:p14="http://schemas.microsoft.com/office/powerpoint/2010/main" val="2819132648"/>
+        <p14:creationId xmlns:p14="http://schemas.microsoft.com/office/powerpoint/2010/main" val="132891944"/>
       </p:ext>
     </p:extLst>
   </p:cSld>
@@ -2724,13 +2721,7 @@
       </p:grpSpPr>
       <p:sp>
         <p:nvSpPr>
-          <p:cNvPr id="2" name="タイトル 1">
-            <a:extLst>
-              <a:ext uri="{FF2B5EF4-FFF2-40B4-BE49-F238E27FC236}">
-                <a16:creationId xmlns:a16="http://schemas.microsoft.com/office/drawing/2014/main" id="{52DD908F-BDF6-4D95-3576-EC5F353A9948}"/>
-              </a:ext>
-            </a:extLst>
-          </p:cNvPr>
+          <p:cNvPr id="2" name="Title 1"/>
           <p:cNvSpPr>
             <a:spLocks noGrp="1"/>
           </p:cNvSpPr>
@@ -2740,36 +2731,36 @@
         </p:nvSpPr>
         <p:spPr>
           <a:xfrm>
-            <a:off x="839788" y="457200"/>
-            <a:ext cx="3932237" cy="1600200"/>
+            <a:off x="1143000" y="1097280"/>
+            <a:ext cx="3931920" cy="1737360"/>
           </a:xfrm>
         </p:spPr>
         <p:txBody>
-          <a:bodyPr anchor="b"/>
+          <a:bodyPr anchor="b">
+            <a:noAutofit/>
+          </a:bodyPr>
           <a:lstStyle>
             <a:lvl1pPr>
-              <a:defRPr sz="3200"/>
+              <a:lnSpc>
+                <a:spcPct val="90000"/>
+              </a:lnSpc>
+              <a:defRPr sz="4000" b="0"/>
             </a:lvl1pPr>
           </a:lstStyle>
           <a:p>
             <a:r>
-              <a:rPr kumimoji="1" lang="ja-JP" altLang="en-US"/>
+              <a:rPr lang="ja-JP" altLang="en-US"/>
               <a:t>マスター タイトルの書式設定</a:t>
             </a:r>
-          </a:p>
-        </p:txBody>
-      </p:sp>
-      <p:sp>
-        <p:nvSpPr>
-          <p:cNvPr id="3" name="図プレースホルダー 2">
-            <a:extLst>
-              <a:ext uri="{FF2B5EF4-FFF2-40B4-BE49-F238E27FC236}">
-                <a16:creationId xmlns:a16="http://schemas.microsoft.com/office/drawing/2014/main" id="{B884CDE7-763C-8B20-A79B-DAE27042B8BF}"/>
-              </a:ext>
-            </a:extLst>
-          </p:cNvPr>
-          <p:cNvSpPr>
-            <a:spLocks noGrp="1"/>
+            <a:endParaRPr lang="en-US" dirty="0"/>
+          </a:p>
+        </p:txBody>
+      </p:sp>
+      <p:sp>
+        <p:nvSpPr>
+          <p:cNvPr id="3" name="Picture Placeholder 2"/>
+          <p:cNvSpPr>
+            <a:spLocks noGrp="1" noChangeAspect="1"/>
           </p:cNvSpPr>
           <p:nvPr>
             <p:ph type="pic" idx="1"/>
@@ -2777,16 +2768,18 @@
         </p:nvSpPr>
         <p:spPr>
           <a:xfrm>
-            <a:off x="5183188" y="987425"/>
-            <a:ext cx="6172200" cy="4873625"/>
+            <a:off x="5413248" y="1069847"/>
+            <a:ext cx="6099048" cy="4800600"/>
           </a:xfrm>
         </p:spPr>
         <p:txBody>
-          <a:bodyPr/>
+          <a:bodyPr lIns="274320" tIns="182880" anchor="t">
+            <a:normAutofit/>
+          </a:bodyPr>
           <a:lstStyle>
             <a:lvl1pPr marL="0" indent="0">
               <a:buNone/>
-              <a:defRPr sz="3200"/>
+              <a:defRPr sz="2800"/>
             </a:lvl1pPr>
             <a:lvl2pPr marL="457200" indent="0">
               <a:buNone/>
@@ -2822,19 +2815,17 @@
             </a:lvl9pPr>
           </a:lstStyle>
           <a:p>
-            <a:endParaRPr kumimoji="1" lang="ja-JP" altLang="en-US"/>
-          </a:p>
-        </p:txBody>
-      </p:sp>
-      <p:sp>
-        <p:nvSpPr>
-          <p:cNvPr id="4" name="テキスト プレースホルダー 3">
-            <a:extLst>
-              <a:ext uri="{FF2B5EF4-FFF2-40B4-BE49-F238E27FC236}">
-                <a16:creationId xmlns:a16="http://schemas.microsoft.com/office/drawing/2014/main" id="{5E85D275-A0EA-B740-8AAB-F3B7F1DA8037}"/>
-              </a:ext>
-            </a:extLst>
-          </p:cNvPr>
+            <a:r>
+              <a:rPr lang="ja-JP" altLang="en-US"/>
+              <a:t>アイコンをクリックして図を追加</a:t>
+            </a:r>
+            <a:endParaRPr lang="en-US" dirty="0"/>
+          </a:p>
+        </p:txBody>
+      </p:sp>
+      <p:sp>
+        <p:nvSpPr>
+          <p:cNvPr id="4" name="Text Placeholder 3"/>
           <p:cNvSpPr>
             <a:spLocks noGrp="1"/>
           </p:cNvSpPr>
@@ -2844,54 +2835,62 @@
         </p:nvSpPr>
         <p:spPr>
           <a:xfrm>
-            <a:off x="839788" y="2057400"/>
-            <a:ext cx="3932237" cy="3811588"/>
+            <a:off x="1143000" y="2834640"/>
+            <a:ext cx="3931920" cy="2880360"/>
           </a:xfrm>
         </p:spPr>
         <p:txBody>
-          <a:bodyPr/>
+          <a:bodyPr>
+            <a:normAutofit/>
+          </a:bodyPr>
           <a:lstStyle>
             <a:lvl1pPr marL="0" indent="0">
-              <a:buNone/>
-              <a:defRPr sz="1600"/>
+              <a:lnSpc>
+                <a:spcPct val="100000"/>
+              </a:lnSpc>
+              <a:spcBef>
+                <a:spcPts val="1000"/>
+              </a:spcBef>
+              <a:buNone/>
+              <a:defRPr sz="1700"/>
             </a:lvl1pPr>
             <a:lvl2pPr marL="457200" indent="0">
               <a:buNone/>
-              <a:defRPr sz="1400"/>
+              <a:defRPr sz="1200"/>
             </a:lvl2pPr>
             <a:lvl3pPr marL="914400" indent="0">
               <a:buNone/>
-              <a:defRPr sz="1200"/>
+              <a:defRPr sz="1000"/>
             </a:lvl3pPr>
             <a:lvl4pPr marL="1371600" indent="0">
               <a:buNone/>
-              <a:defRPr sz="1000"/>
+              <a:defRPr sz="900"/>
             </a:lvl4pPr>
             <a:lvl5pPr marL="1828800" indent="0">
               <a:buNone/>
-              <a:defRPr sz="1000"/>
+              <a:defRPr sz="900"/>
             </a:lvl5pPr>
             <a:lvl6pPr marL="2286000" indent="0">
               <a:buNone/>
-              <a:defRPr sz="1000"/>
+              <a:defRPr sz="900"/>
             </a:lvl6pPr>
             <a:lvl7pPr marL="2743200" indent="0">
               <a:buNone/>
-              <a:defRPr sz="1000"/>
+              <a:defRPr sz="900"/>
             </a:lvl7pPr>
             <a:lvl8pPr marL="3200400" indent="0">
               <a:buNone/>
-              <a:defRPr sz="1000"/>
+              <a:defRPr sz="900"/>
             </a:lvl8pPr>
             <a:lvl9pPr marL="3657600" indent="0">
               <a:buNone/>
-              <a:defRPr sz="1000"/>
+              <a:defRPr sz="900"/>
             </a:lvl9pPr>
           </a:lstStyle>
           <a:p>
             <a:pPr lvl="0"/>
             <a:r>
-              <a:rPr kumimoji="1" lang="ja-JP" altLang="en-US"/>
+              <a:rPr lang="ja-JP" altLang="en-US"/>
               <a:t>マスター テキストの書式設定</a:t>
             </a:r>
           </a:p>
@@ -2899,13 +2898,7 @@
       </p:sp>
       <p:sp>
         <p:nvSpPr>
-          <p:cNvPr id="5" name="日付プレースホルダー 4">
-            <a:extLst>
-              <a:ext uri="{FF2B5EF4-FFF2-40B4-BE49-F238E27FC236}">
-                <a16:creationId xmlns:a16="http://schemas.microsoft.com/office/drawing/2014/main" id="{483BAF17-08A9-BFA3-550C-CB261CADDE74}"/>
-              </a:ext>
-            </a:extLst>
-          </p:cNvPr>
+          <p:cNvPr id="5" name="Date Placeholder 4"/>
           <p:cNvSpPr>
             <a:spLocks noGrp="1"/>
           </p:cNvSpPr>
@@ -2920,7 +2913,7 @@
           <a:p>
             <a:fld id="{C9B504C2-A79A-4F1A-AD7E-81042A61A2F1}" type="datetimeFigureOut">
               <a:rPr kumimoji="1" lang="ja-JP" altLang="en-US" smtClean="0"/>
-              <a:t>2025/5/21</a:t>
+              <a:t>2025/7/2</a:t>
             </a:fld>
             <a:endParaRPr kumimoji="1" lang="ja-JP" altLang="en-US"/>
           </a:p>
@@ -2928,13 +2921,7 @@
       </p:sp>
       <p:sp>
         <p:nvSpPr>
-          <p:cNvPr id="6" name="フッター プレースホルダー 5">
-            <a:extLst>
-              <a:ext uri="{FF2B5EF4-FFF2-40B4-BE49-F238E27FC236}">
-                <a16:creationId xmlns:a16="http://schemas.microsoft.com/office/drawing/2014/main" id="{818D01DE-0107-F3C7-86AA-2E5C1EF10F7E}"/>
-              </a:ext>
-            </a:extLst>
-          </p:cNvPr>
+          <p:cNvPr id="6" name="Footer Placeholder 5"/>
           <p:cNvSpPr>
             <a:spLocks noGrp="1"/>
           </p:cNvSpPr>
@@ -2953,13 +2940,7 @@
       </p:sp>
       <p:sp>
         <p:nvSpPr>
-          <p:cNvPr id="7" name="スライド番号プレースホルダー 6">
-            <a:extLst>
-              <a:ext uri="{FF2B5EF4-FFF2-40B4-BE49-F238E27FC236}">
-                <a16:creationId xmlns:a16="http://schemas.microsoft.com/office/drawing/2014/main" id="{BC69E42B-CFFB-612E-F178-9542B45713C6}"/>
-              </a:ext>
-            </a:extLst>
-          </p:cNvPr>
+          <p:cNvPr id="7" name="Slide Number Placeholder 6"/>
           <p:cNvSpPr>
             <a:spLocks noGrp="1"/>
           </p:cNvSpPr>
@@ -2983,7 +2964,7 @@
     </p:spTree>
     <p:extLst>
       <p:ext uri="{BB962C8B-B14F-4D97-AF65-F5344CB8AC3E}">
-        <p14:creationId xmlns:p14="http://schemas.microsoft.com/office/powerpoint/2010/main" val="1966009446"/>
+        <p14:creationId xmlns:p14="http://schemas.microsoft.com/office/powerpoint/2010/main" val="512542148"/>
       </p:ext>
     </p:extLst>
   </p:cSld>
@@ -2997,9 +2978,12 @@
 <p:sldMaster xmlns:a="http://schemas.openxmlformats.org/drawingml/2006/main" xmlns:r="http://schemas.openxmlformats.org/officeDocument/2006/relationships" xmlns:p="http://schemas.openxmlformats.org/presentationml/2006/main">
   <p:cSld>
     <p:bg>
-      <p:bgRef idx="1001">
-        <a:schemeClr val="bg1"/>
-      </p:bgRef>
+      <p:bgPr>
+        <a:solidFill>
+          <a:schemeClr val="accent1"/>
+        </a:solidFill>
+        <a:effectLst/>
+      </p:bgPr>
     </p:bg>
     <p:spTree>
       <p:nvGrpSpPr>
@@ -3017,24 +3001,58 @@
       </p:grpSpPr>
       <p:sp>
         <p:nvSpPr>
-          <p:cNvPr id="2" name="タイトル プレースホルダー 1">
-            <a:extLst>
-              <a:ext uri="{FF2B5EF4-FFF2-40B4-BE49-F238E27FC236}">
-                <a16:creationId xmlns:a16="http://schemas.microsoft.com/office/drawing/2014/main" id="{74CDFEA5-5CC0-1074-EFFB-A75114043237}"/>
-              </a:ext>
-            </a:extLst>
-          </p:cNvPr>
-          <p:cNvSpPr>
-            <a:spLocks noGrp="1"/>
-          </p:cNvSpPr>
-          <p:nvPr>
-            <p:ph type="title"/>
-          </p:nvPr>
+          <p:cNvPr id="7" name="Rectangle 6"/>
+          <p:cNvSpPr>
+            <a:spLocks noChangeAspect="1"/>
+          </p:cNvSpPr>
+          <p:nvPr/>
         </p:nvSpPr>
         <p:spPr>
           <a:xfrm>
-            <a:off x="838200" y="365125"/>
-            <a:ext cx="10515600" cy="1325563"/>
+            <a:off x="231140" y="243840"/>
+            <a:ext cx="11724640" cy="6377939"/>
+          </a:xfrm>
+          <a:prstGeom prst="rect">
+            <a:avLst/>
+          </a:prstGeom>
+          <a:solidFill>
+            <a:schemeClr val="bg1"/>
+          </a:solidFill>
+          <a:ln w="12700">
+            <a:noFill/>
+          </a:ln>
+        </p:spPr>
+        <p:style>
+          <a:lnRef idx="2">
+            <a:schemeClr val="accent1">
+              <a:shade val="50000"/>
+            </a:schemeClr>
+          </a:lnRef>
+          <a:fillRef idx="1">
+            <a:schemeClr val="accent1"/>
+          </a:fillRef>
+          <a:effectRef idx="0">
+            <a:schemeClr val="accent1"/>
+          </a:effectRef>
+          <a:fontRef idx="minor">
+            <a:schemeClr val="lt1"/>
+          </a:fontRef>
+        </p:style>
+      </p:sp>
+      <p:sp>
+        <p:nvSpPr>
+          <p:cNvPr id="2" name="Title Placeholder 1"/>
+          <p:cNvSpPr>
+            <a:spLocks noGrp="1"/>
+          </p:cNvSpPr>
+          <p:nvPr>
+            <p:ph type="title"/>
+          </p:nvPr>
+        </p:nvSpPr>
+        <p:spPr>
+          <a:xfrm>
+            <a:off x="1143000" y="609600"/>
+            <a:ext cx="9875520" cy="1356360"/>
           </a:xfrm>
           <a:prstGeom prst="rect">
             <a:avLst/>
@@ -3047,21 +3065,16 @@
           <a:lstStyle/>
           <a:p>
             <a:r>
-              <a:rPr kumimoji="1" lang="ja-JP" altLang="en-US"/>
+              <a:rPr lang="ja-JP" altLang="en-US"/>
               <a:t>マスター タイトルの書式設定</a:t>
             </a:r>
-          </a:p>
-        </p:txBody>
-      </p:sp>
-      <p:sp>
-        <p:nvSpPr>
-          <p:cNvPr id="3" name="テキスト プレースホルダー 2">
-            <a:extLst>
-              <a:ext uri="{FF2B5EF4-FFF2-40B4-BE49-F238E27FC236}">
-                <a16:creationId xmlns:a16="http://schemas.microsoft.com/office/drawing/2014/main" id="{FF664C13-770A-F557-EC5E-CDBE0090A00C}"/>
-              </a:ext>
-            </a:extLst>
-          </p:cNvPr>
+            <a:endParaRPr lang="en-US" dirty="0"/>
+          </a:p>
+        </p:txBody>
+      </p:sp>
+      <p:sp>
+        <p:nvSpPr>
+          <p:cNvPr id="3" name="Text Placeholder 2"/>
           <p:cNvSpPr>
             <a:spLocks noGrp="1"/>
           </p:cNvSpPr>
@@ -3071,8 +3084,8 @@
         </p:nvSpPr>
         <p:spPr>
           <a:xfrm>
-            <a:off x="838200" y="1825625"/>
-            <a:ext cx="10515600" cy="4351338"/>
+            <a:off x="1143000" y="2057400"/>
+            <a:ext cx="9872871" cy="4038600"/>
           </a:xfrm>
           <a:prstGeom prst="rect">
             <a:avLst/>
@@ -3086,81 +3099,76 @@
           <a:p>
             <a:pPr lvl="0"/>
             <a:r>
-              <a:rPr kumimoji="1" lang="ja-JP" altLang="en-US"/>
+              <a:rPr lang="ja-JP" altLang="en-US"/>
               <a:t>マスター テキストの書式設定</a:t>
             </a:r>
           </a:p>
           <a:p>
             <a:pPr lvl="1"/>
             <a:r>
-              <a:rPr kumimoji="1" lang="ja-JP" altLang="en-US"/>
+              <a:rPr lang="ja-JP" altLang="en-US"/>
               <a:t>第 </a:t>
             </a:r>
             <a:r>
-              <a:rPr kumimoji="1" lang="en-US" altLang="ja-JP"/>
+              <a:rPr lang="en-US" altLang="ja-JP"/>
               <a:t>2 </a:t>
             </a:r>
             <a:r>
-              <a:rPr kumimoji="1" lang="ja-JP" altLang="en-US"/>
+              <a:rPr lang="ja-JP" altLang="en-US"/>
               <a:t>レベル</a:t>
             </a:r>
           </a:p>
           <a:p>
             <a:pPr lvl="2"/>
             <a:r>
-              <a:rPr kumimoji="1" lang="ja-JP" altLang="en-US"/>
+              <a:rPr lang="ja-JP" altLang="en-US"/>
               <a:t>第 </a:t>
             </a:r>
             <a:r>
-              <a:rPr kumimoji="1" lang="en-US" altLang="ja-JP"/>
+              <a:rPr lang="en-US" altLang="ja-JP"/>
               <a:t>3 </a:t>
             </a:r>
             <a:r>
-              <a:rPr kumimoji="1" lang="ja-JP" altLang="en-US"/>
+              <a:rPr lang="ja-JP" altLang="en-US"/>
               <a:t>レベル</a:t>
             </a:r>
           </a:p>
           <a:p>
             <a:pPr lvl="3"/>
             <a:r>
-              <a:rPr kumimoji="1" lang="ja-JP" altLang="en-US"/>
+              <a:rPr lang="ja-JP" altLang="en-US"/>
               <a:t>第 </a:t>
             </a:r>
             <a:r>
-              <a:rPr kumimoji="1" lang="en-US" altLang="ja-JP"/>
+              <a:rPr lang="en-US" altLang="ja-JP"/>
               <a:t>4 </a:t>
             </a:r>
             <a:r>
-              <a:rPr kumimoji="1" lang="ja-JP" altLang="en-US"/>
+              <a:rPr lang="ja-JP" altLang="en-US"/>
               <a:t>レベル</a:t>
             </a:r>
           </a:p>
           <a:p>
             <a:pPr lvl="4"/>
             <a:r>
-              <a:rPr kumimoji="1" lang="ja-JP" altLang="en-US"/>
+              <a:rPr lang="ja-JP" altLang="en-US"/>
               <a:t>第 </a:t>
             </a:r>
             <a:r>
-              <a:rPr kumimoji="1" lang="en-US" altLang="ja-JP"/>
+              <a:rPr lang="en-US" altLang="ja-JP"/>
               <a:t>5 </a:t>
             </a:r>
             <a:r>
-              <a:rPr kumimoji="1" lang="ja-JP" altLang="en-US"/>
+              <a:rPr lang="ja-JP" altLang="en-US"/>
               <a:t>レベル</a:t>
             </a:r>
-          </a:p>
-        </p:txBody>
-      </p:sp>
-      <p:sp>
-        <p:nvSpPr>
-          <p:cNvPr id="4" name="日付プレースホルダー 3">
-            <a:extLst>
-              <a:ext uri="{FF2B5EF4-FFF2-40B4-BE49-F238E27FC236}">
-                <a16:creationId xmlns:a16="http://schemas.microsoft.com/office/drawing/2014/main" id="{E858705A-A4FF-43A3-EA0A-3820A320AFB2}"/>
-              </a:ext>
-            </a:extLst>
-          </p:cNvPr>
+            <a:endParaRPr lang="en-US" dirty="0"/>
+          </a:p>
+        </p:txBody>
+      </p:sp>
+      <p:sp>
+        <p:nvSpPr>
+          <p:cNvPr id="4" name="Date Placeholder 3"/>
           <p:cNvSpPr>
             <a:spLocks noGrp="1"/>
           </p:cNvSpPr>
@@ -3170,8 +3178,8 @@
         </p:nvSpPr>
         <p:spPr>
           <a:xfrm>
-            <a:off x="838200" y="6356350"/>
-            <a:ext cx="2743200" cy="365125"/>
+            <a:off x="1142996" y="6223828"/>
+            <a:ext cx="2329074" cy="365125"/>
           </a:xfrm>
           <a:prstGeom prst="rect">
             <a:avLst/>
@@ -3183,9 +3191,7 @@
             <a:lvl1pPr algn="l">
               <a:defRPr sz="1200">
                 <a:solidFill>
-                  <a:schemeClr val="tx1">
-                    <a:tint val="82000"/>
-                  </a:schemeClr>
+                  <a:schemeClr val="accent1"/>
                 </a:solidFill>
               </a:defRPr>
             </a:lvl1pPr>
@@ -3193,7 +3199,7 @@
           <a:p>
             <a:fld id="{C9B504C2-A79A-4F1A-AD7E-81042A61A2F1}" type="datetimeFigureOut">
               <a:rPr kumimoji="1" lang="ja-JP" altLang="en-US" smtClean="0"/>
-              <a:t>2025/5/21</a:t>
+              <a:t>2025/7/2</a:t>
             </a:fld>
             <a:endParaRPr kumimoji="1" lang="ja-JP" altLang="en-US"/>
           </a:p>
@@ -3201,13 +3207,7 @@
       </p:sp>
       <p:sp>
         <p:nvSpPr>
-          <p:cNvPr id="5" name="フッター プレースホルダー 4">
-            <a:extLst>
-              <a:ext uri="{FF2B5EF4-FFF2-40B4-BE49-F238E27FC236}">
-                <a16:creationId xmlns:a16="http://schemas.microsoft.com/office/drawing/2014/main" id="{2AA53114-F122-E835-4AA8-2C82E7B94615}"/>
-              </a:ext>
-            </a:extLst>
-          </p:cNvPr>
+          <p:cNvPr id="5" name="Footer Placeholder 4"/>
           <p:cNvSpPr>
             <a:spLocks noGrp="1"/>
           </p:cNvSpPr>
@@ -3217,8 +3217,8 @@
         </p:nvSpPr>
         <p:spPr>
           <a:xfrm>
-            <a:off x="4038600" y="6356350"/>
-            <a:ext cx="4114800" cy="365125"/>
+            <a:off x="3949148" y="6223828"/>
+            <a:ext cx="4717774" cy="365125"/>
           </a:xfrm>
           <a:prstGeom prst="rect">
             <a:avLst/>
@@ -3230,9 +3230,7 @@
             <a:lvl1pPr algn="ctr">
               <a:defRPr sz="1200">
                 <a:solidFill>
-                  <a:schemeClr val="tx1">
-                    <a:tint val="82000"/>
-                  </a:schemeClr>
+                  <a:schemeClr val="accent1"/>
                 </a:solidFill>
               </a:defRPr>
             </a:lvl1pPr>
@@ -3244,13 +3242,7 @@
       </p:sp>
       <p:sp>
         <p:nvSpPr>
-          <p:cNvPr id="6" name="スライド番号プレースホルダー 5">
-            <a:extLst>
-              <a:ext uri="{FF2B5EF4-FFF2-40B4-BE49-F238E27FC236}">
-                <a16:creationId xmlns:a16="http://schemas.microsoft.com/office/drawing/2014/main" id="{687B323C-039C-2794-CC55-31F04646D3B4}"/>
-              </a:ext>
-            </a:extLst>
-          </p:cNvPr>
+          <p:cNvPr id="6" name="Slide Number Placeholder 5"/>
           <p:cNvSpPr>
             <a:spLocks noGrp="1"/>
           </p:cNvSpPr>
@@ -3260,8 +3252,8 @@
         </p:nvSpPr>
         <p:spPr>
           <a:xfrm>
-            <a:off x="8610600" y="6356350"/>
-            <a:ext cx="2743200" cy="365125"/>
+            <a:off x="9329530" y="6223828"/>
+            <a:ext cx="1706217" cy="365125"/>
           </a:xfrm>
           <a:prstGeom prst="rect">
             <a:avLst/>
@@ -3273,9 +3265,7 @@
             <a:lvl1pPr algn="r">
               <a:defRPr sz="1200">
                 <a:solidFill>
-                  <a:schemeClr val="tx1">
-                    <a:tint val="82000"/>
-                  </a:schemeClr>
+                  <a:schemeClr val="accent1"/>
                 </a:solidFill>
               </a:defRPr>
             </a:lvl1pPr>
@@ -3292,23 +3282,23 @@
     </p:spTree>
     <p:extLst>
       <p:ext uri="{BB962C8B-B14F-4D97-AF65-F5344CB8AC3E}">
-        <p14:creationId xmlns:p14="http://schemas.microsoft.com/office/powerpoint/2010/main" val="384535253"/>
+        <p14:creationId xmlns:p14="http://schemas.microsoft.com/office/powerpoint/2010/main" val="1805191486"/>
       </p:ext>
     </p:extLst>
   </p:cSld>
   <p:clrMap bg1="lt1" tx1="dk1" bg2="lt2" tx2="dk2" accent1="accent1" accent2="accent2" accent3="accent3" accent4="accent4" accent5="accent5" accent6="accent6" hlink="hlink" folHlink="folHlink"/>
   <p:sldLayoutIdLst>
-    <p:sldLayoutId id="2147483649" r:id="rId1"/>
-    <p:sldLayoutId id="2147483650" r:id="rId2"/>
-    <p:sldLayoutId id="2147483651" r:id="rId3"/>
-    <p:sldLayoutId id="2147483652" r:id="rId4"/>
-    <p:sldLayoutId id="2147483653" r:id="rId5"/>
-    <p:sldLayoutId id="2147483654" r:id="rId6"/>
-    <p:sldLayoutId id="2147483655" r:id="rId7"/>
-    <p:sldLayoutId id="2147483656" r:id="rId8"/>
-    <p:sldLayoutId id="2147483657" r:id="rId9"/>
-    <p:sldLayoutId id="2147483658" r:id="rId10"/>
-    <p:sldLayoutId id="2147483659" r:id="rId11"/>
+    <p:sldLayoutId id="2147483661" r:id="rId1"/>
+    <p:sldLayoutId id="2147483662" r:id="rId2"/>
+    <p:sldLayoutId id="2147483663" r:id="rId3"/>
+    <p:sldLayoutId id="2147483664" r:id="rId4"/>
+    <p:sldLayoutId id="2147483665" r:id="rId5"/>
+    <p:sldLayoutId id="2147483666" r:id="rId6"/>
+    <p:sldLayoutId id="2147483667" r:id="rId7"/>
+    <p:sldLayoutId id="2147483668" r:id="rId8"/>
+    <p:sldLayoutId id="2147483669" r:id="rId9"/>
+    <p:sldLayoutId id="2147483670" r:id="rId10"/>
+    <p:sldLayoutId id="2147483671" r:id="rId11"/>
   </p:sldLayoutIdLst>
   <p:txStyles>
     <p:titleStyle>
@@ -3322,7 +3312,7 @@
         <a:buNone/>
         <a:defRPr kumimoji="1" sz="4400" kern="1200">
           <a:solidFill>
-            <a:schemeClr val="tx1"/>
+            <a:schemeClr val="accent1"/>
           </a:solidFill>
           <a:latin typeface="+mj-lt"/>
           <a:ea typeface="+mj-ea"/>
@@ -3331,162 +3321,222 @@
       </a:lvl1pPr>
     </p:titleStyle>
     <p:bodyStyle>
-      <a:lvl1pPr marL="228600" indent="-228600" algn="l" defTabSz="914400" rtl="0" eaLnBrk="1" latinLnBrk="0" hangingPunct="1">
+      <a:lvl1pPr marL="228600" indent="-182880" algn="l" defTabSz="914400" rtl="0" eaLnBrk="1" latinLnBrk="0" hangingPunct="1">
         <a:lnSpc>
           <a:spcPct val="90000"/>
         </a:lnSpc>
         <a:spcBef>
-          <a:spcPts val="1000"/>
+          <a:spcPts val="1400"/>
         </a:spcBef>
-        <a:buFont typeface="Arial" panose="020B0604020202020204" pitchFamily="34" charset="0"/>
+        <a:buClr>
+          <a:schemeClr val="accent1"/>
+        </a:buClr>
+        <a:buSzPct val="80000"/>
+        <a:buFont typeface="Corbel" pitchFamily="34" charset="0"/>
         <a:buChar char="•"/>
-        <a:defRPr kumimoji="1" sz="2800" kern="1200">
+        <a:defRPr kumimoji="1" sz="2200" kern="1200">
           <a:solidFill>
-            <a:schemeClr val="tx1"/>
+            <a:schemeClr val="accent1"/>
           </a:solidFill>
           <a:latin typeface="+mn-lt"/>
           <a:ea typeface="+mn-ea"/>
           <a:cs typeface="+mn-cs"/>
         </a:defRPr>
       </a:lvl1pPr>
-      <a:lvl2pPr marL="685800" indent="-228600" algn="l" defTabSz="914400" rtl="0" eaLnBrk="1" latinLnBrk="0" hangingPunct="1">
+      <a:lvl2pPr marL="457200" indent="-182880" algn="l" defTabSz="914400" rtl="0" eaLnBrk="1" latinLnBrk="0" hangingPunct="1">
         <a:lnSpc>
           <a:spcPct val="90000"/>
         </a:lnSpc>
         <a:spcBef>
-          <a:spcPts val="500"/>
+          <a:spcPts val="200"/>
         </a:spcBef>
-        <a:buFont typeface="Arial" panose="020B0604020202020204" pitchFamily="34" charset="0"/>
+        <a:spcAft>
+          <a:spcPts val="400"/>
+        </a:spcAft>
+        <a:buClr>
+          <a:schemeClr val="accent1"/>
+        </a:buClr>
+        <a:buSzPct val="80000"/>
+        <a:buFont typeface="Corbel" pitchFamily="34" charset="0"/>
         <a:buChar char="•"/>
-        <a:defRPr kumimoji="1" sz="2400" kern="1200">
+        <a:defRPr kumimoji="1" sz="2000" kern="1200">
           <a:solidFill>
-            <a:schemeClr val="tx1"/>
+            <a:schemeClr val="accent1"/>
           </a:solidFill>
           <a:latin typeface="+mn-lt"/>
           <a:ea typeface="+mn-ea"/>
           <a:cs typeface="+mn-cs"/>
         </a:defRPr>
       </a:lvl2pPr>
-      <a:lvl3pPr marL="1143000" indent="-228600" algn="l" defTabSz="914400" rtl="0" eaLnBrk="1" latinLnBrk="0" hangingPunct="1">
+      <a:lvl3pPr marL="731520" indent="-182880" algn="l" defTabSz="914400" rtl="0" eaLnBrk="1" latinLnBrk="0" hangingPunct="1">
         <a:lnSpc>
           <a:spcPct val="90000"/>
         </a:lnSpc>
         <a:spcBef>
-          <a:spcPts val="500"/>
+          <a:spcPts val="200"/>
         </a:spcBef>
-        <a:buFont typeface="Arial" panose="020B0604020202020204" pitchFamily="34" charset="0"/>
+        <a:spcAft>
+          <a:spcPts val="400"/>
+        </a:spcAft>
+        <a:buClr>
+          <a:schemeClr val="accent1"/>
+        </a:buClr>
+        <a:buSzPct val="80000"/>
+        <a:buFont typeface="Corbel" pitchFamily="34" charset="0"/>
         <a:buChar char="•"/>
-        <a:defRPr kumimoji="1" sz="2000" kern="1200">
+        <a:defRPr kumimoji="1" sz="1800" kern="1200">
           <a:solidFill>
-            <a:schemeClr val="tx1"/>
+            <a:schemeClr val="accent1"/>
           </a:solidFill>
           <a:latin typeface="+mn-lt"/>
           <a:ea typeface="+mn-ea"/>
           <a:cs typeface="+mn-cs"/>
         </a:defRPr>
       </a:lvl3pPr>
-      <a:lvl4pPr marL="1600200" indent="-228600" algn="l" defTabSz="914400" rtl="0" eaLnBrk="1" latinLnBrk="0" hangingPunct="1">
+      <a:lvl4pPr marL="1005840" indent="-182880" algn="l" defTabSz="914400" rtl="0" eaLnBrk="1" latinLnBrk="0" hangingPunct="1">
         <a:lnSpc>
           <a:spcPct val="90000"/>
         </a:lnSpc>
         <a:spcBef>
-          <a:spcPts val="500"/>
+          <a:spcPts val="200"/>
         </a:spcBef>
-        <a:buFont typeface="Arial" panose="020B0604020202020204" pitchFamily="34" charset="0"/>
+        <a:spcAft>
+          <a:spcPts val="400"/>
+        </a:spcAft>
+        <a:buClr>
+          <a:schemeClr val="accent1"/>
+        </a:buClr>
+        <a:buSzPct val="80000"/>
+        <a:buFont typeface="Corbel" pitchFamily="34" charset="0"/>
         <a:buChar char="•"/>
-        <a:defRPr kumimoji="1" sz="1800" kern="1200">
+        <a:defRPr kumimoji="1" sz="1600" kern="1200">
           <a:solidFill>
-            <a:schemeClr val="tx1"/>
+            <a:schemeClr val="accent1"/>
           </a:solidFill>
           <a:latin typeface="+mn-lt"/>
           <a:ea typeface="+mn-ea"/>
           <a:cs typeface="+mn-cs"/>
         </a:defRPr>
       </a:lvl4pPr>
-      <a:lvl5pPr marL="2057400" indent="-228600" algn="l" defTabSz="914400" rtl="0" eaLnBrk="1" latinLnBrk="0" hangingPunct="1">
+      <a:lvl5pPr marL="1280160" indent="-182880" algn="l" defTabSz="914400" rtl="0" eaLnBrk="1" latinLnBrk="0" hangingPunct="1">
         <a:lnSpc>
           <a:spcPct val="90000"/>
         </a:lnSpc>
         <a:spcBef>
-          <a:spcPts val="500"/>
+          <a:spcPts val="200"/>
         </a:spcBef>
-        <a:buFont typeface="Arial" panose="020B0604020202020204" pitchFamily="34" charset="0"/>
+        <a:spcAft>
+          <a:spcPts val="400"/>
+        </a:spcAft>
+        <a:buClr>
+          <a:schemeClr val="accent1"/>
+        </a:buClr>
+        <a:buSzPct val="80000"/>
+        <a:buFont typeface="Corbel" pitchFamily="34" charset="0"/>
         <a:buChar char="•"/>
-        <a:defRPr kumimoji="1" sz="1800" kern="1200">
+        <a:defRPr kumimoji="1" sz="1600" kern="1200">
           <a:solidFill>
-            <a:schemeClr val="tx1"/>
+            <a:schemeClr val="accent1"/>
           </a:solidFill>
           <a:latin typeface="+mn-lt"/>
           <a:ea typeface="+mn-ea"/>
           <a:cs typeface="+mn-cs"/>
         </a:defRPr>
       </a:lvl5pPr>
-      <a:lvl6pPr marL="2514600" indent="-228600" algn="l" defTabSz="914400" rtl="0" eaLnBrk="1" latinLnBrk="0" hangingPunct="1">
+      <a:lvl6pPr marL="1600000" indent="-228600" algn="l" defTabSz="914400" rtl="0" eaLnBrk="1" latinLnBrk="0" hangingPunct="1">
         <a:lnSpc>
           <a:spcPct val="90000"/>
         </a:lnSpc>
         <a:spcBef>
-          <a:spcPts val="500"/>
+          <a:spcPts val="200"/>
         </a:spcBef>
-        <a:buFont typeface="Arial" panose="020B0604020202020204" pitchFamily="34" charset="0"/>
+        <a:spcAft>
+          <a:spcPts val="400"/>
+        </a:spcAft>
+        <a:buClr>
+          <a:schemeClr val="accent1"/>
+        </a:buClr>
+        <a:buSzPct val="80000"/>
+        <a:buFont typeface="Corbel" pitchFamily="34" charset="0"/>
         <a:buChar char="•"/>
-        <a:defRPr kumimoji="1" sz="1800" kern="1200">
+        <a:defRPr kumimoji="1" sz="1600" kern="1200">
           <a:solidFill>
-            <a:schemeClr val="tx1"/>
+            <a:schemeClr val="accent1"/>
           </a:solidFill>
           <a:latin typeface="+mn-lt"/>
           <a:ea typeface="+mn-ea"/>
           <a:cs typeface="+mn-cs"/>
         </a:defRPr>
       </a:lvl6pPr>
-      <a:lvl7pPr marL="2971800" indent="-228600" algn="l" defTabSz="914400" rtl="0" eaLnBrk="1" latinLnBrk="0" hangingPunct="1">
+      <a:lvl7pPr marL="1900000" indent="-228600" algn="l" defTabSz="914400" rtl="0" eaLnBrk="1" latinLnBrk="0" hangingPunct="1">
         <a:lnSpc>
           <a:spcPct val="90000"/>
         </a:lnSpc>
         <a:spcBef>
-          <a:spcPts val="500"/>
+          <a:spcPts val="200"/>
         </a:spcBef>
-        <a:buFont typeface="Arial" panose="020B0604020202020204" pitchFamily="34" charset="0"/>
+        <a:spcAft>
+          <a:spcPts val="400"/>
+        </a:spcAft>
+        <a:buClr>
+          <a:schemeClr val="accent1"/>
+        </a:buClr>
+        <a:buSzPct val="80000"/>
+        <a:buFont typeface="Corbel" pitchFamily="34" charset="0"/>
         <a:buChar char="•"/>
-        <a:defRPr kumimoji="1" sz="1800" kern="1200">
+        <a:defRPr kumimoji="1" sz="1600" kern="1200">
           <a:solidFill>
-            <a:schemeClr val="tx1"/>
+            <a:schemeClr val="accent1"/>
           </a:solidFill>
           <a:latin typeface="+mn-lt"/>
           <a:ea typeface="+mn-ea"/>
           <a:cs typeface="+mn-cs"/>
         </a:defRPr>
       </a:lvl7pPr>
-      <a:lvl8pPr marL="3429000" indent="-228600" algn="l" defTabSz="914400" rtl="0" eaLnBrk="1" latinLnBrk="0" hangingPunct="1">
+      <a:lvl8pPr marL="2200000" indent="-228600" algn="l" defTabSz="914400" rtl="0" eaLnBrk="1" latinLnBrk="0" hangingPunct="1">
         <a:lnSpc>
           <a:spcPct val="90000"/>
         </a:lnSpc>
         <a:spcBef>
-          <a:spcPts val="500"/>
+          <a:spcPts val="200"/>
         </a:spcBef>
-        <a:buFont typeface="Arial" panose="020B0604020202020204" pitchFamily="34" charset="0"/>
+        <a:spcAft>
+          <a:spcPts val="400"/>
+        </a:spcAft>
+        <a:buClr>
+          <a:schemeClr val="accent1"/>
+        </a:buClr>
+        <a:buSzPct val="80000"/>
+        <a:buFont typeface="Corbel" pitchFamily="34" charset="0"/>
         <a:buChar char="•"/>
-        <a:defRPr kumimoji="1" sz="1800" kern="1200">
+        <a:defRPr kumimoji="1" sz="1600" kern="1200">
           <a:solidFill>
-            <a:schemeClr val="tx1"/>
+            <a:schemeClr val="accent1"/>
           </a:solidFill>
           <a:latin typeface="+mn-lt"/>
           <a:ea typeface="+mn-ea"/>
           <a:cs typeface="+mn-cs"/>
         </a:defRPr>
       </a:lvl8pPr>
-      <a:lvl9pPr marL="3886200" indent="-228600" algn="l" defTabSz="914400" rtl="0" eaLnBrk="1" latinLnBrk="0" hangingPunct="1">
+      <a:lvl9pPr marL="2500000" indent="-228600" algn="l" defTabSz="914400" rtl="0" eaLnBrk="1" latinLnBrk="0" hangingPunct="1">
         <a:lnSpc>
           <a:spcPct val="90000"/>
         </a:lnSpc>
         <a:spcBef>
-          <a:spcPts val="500"/>
+          <a:spcPts val="200"/>
         </a:spcBef>
-        <a:buFont typeface="Arial" panose="020B0604020202020204" pitchFamily="34" charset="0"/>
+        <a:spcAft>
+          <a:spcPts val="400"/>
+        </a:spcAft>
+        <a:buClr>
+          <a:schemeClr val="accent1"/>
+        </a:buClr>
+        <a:buSzPct val="80000"/>
+        <a:buFont typeface="Corbel" pitchFamily="34" charset="0"/>
         <a:buChar char="•"/>
-        <a:defRPr kumimoji="1" sz="1800" kern="1200">
+        <a:defRPr kumimoji="1" sz="1600" kern="1200">
           <a:solidFill>
-            <a:schemeClr val="tx1"/>
+            <a:schemeClr val="accent1"/>
           </a:solidFill>
           <a:latin typeface="+mn-lt"/>
           <a:ea typeface="+mn-ea"/>
@@ -3496,7 +3546,7 @@
     </p:bodyStyle>
     <p:otherStyle>
       <a:defPPr>
-        <a:defRPr lang="ja-JP"/>
+        <a:defRPr lang="en-US"/>
       </a:defPPr>
       <a:lvl1pPr marL="0" algn="l" defTabSz="914400" rtl="0" eaLnBrk="1" latinLnBrk="0" hangingPunct="1">
         <a:defRPr kumimoji="1" sz="1800" kern="1200">
@@ -3615,7 +3665,7 @@
           <p:cNvPr id="2" name="タイトル 1">
             <a:extLst>
               <a:ext uri="{FF2B5EF4-FFF2-40B4-BE49-F238E27FC236}">
-                <a16:creationId xmlns:a16="http://schemas.microsoft.com/office/drawing/2014/main" id="{39648C07-CA8B-8D54-72AA-A9724EA5D722}"/>
+                <a16:creationId xmlns:a16="http://schemas.microsoft.com/office/drawing/2014/main" id="{77C53DA3-1435-67B2-4BDA-68413548CEFA}"/>
               </a:ext>
             </a:extLst>
           </p:cNvPr>
@@ -3623,7 +3673,7 @@
             <a:spLocks noGrp="1"/>
           </p:cNvSpPr>
           <p:nvPr>
-            <p:ph type="title"/>
+            <p:ph type="ctrTitle"/>
           </p:nvPr>
         </p:nvSpPr>
         <p:spPr/>
@@ -3633,15 +3683,46 @@
           <a:p>
             <a:r>
               <a:rPr kumimoji="1" lang="ja-JP" altLang="en-US" dirty="0"/>
-              <a:t>普通の</a:t>
-            </a:r>
-            <a:r>
-              <a:rPr kumimoji="1" lang="en-US" altLang="ja-JP" dirty="0" err="1"/>
-              <a:t>todo</a:t>
+              <a:t>タスク管理アプリ</a:t>
+            </a:r>
+          </a:p>
+        </p:txBody>
+      </p:sp>
+      <p:sp>
+        <p:nvSpPr>
+          <p:cNvPr id="3" name="字幕 2">
+            <a:extLst>
+              <a:ext uri="{FF2B5EF4-FFF2-40B4-BE49-F238E27FC236}">
+                <a16:creationId xmlns:a16="http://schemas.microsoft.com/office/drawing/2014/main" id="{ADE498AD-4DD3-756D-4EF6-BD7AFEB94424}"/>
+              </a:ext>
+            </a:extLst>
+          </p:cNvPr>
+          <p:cNvSpPr>
+            <a:spLocks noGrp="1"/>
+          </p:cNvSpPr>
+          <p:nvPr>
+            <p:ph type="subTitle" idx="1"/>
+          </p:nvPr>
+        </p:nvSpPr>
+        <p:spPr/>
+        <p:txBody>
+          <a:bodyPr/>
+          <a:lstStyle/>
+          <a:p>
+            <a:r>
+              <a:rPr kumimoji="1" lang="en-US" altLang="ja-JP" dirty="0">
+                <a:latin typeface="+mj-ea"/>
+                <a:ea typeface="+mj-ea"/>
+              </a:rPr>
+              <a:t>22410085</a:t>
+            </a:r>
+            <a:r>
+              <a:rPr kumimoji="1" lang="en-US" altLang="ja-JP" dirty="0"/>
+              <a:t> </a:t>
             </a:r>
             <a:r>
               <a:rPr kumimoji="1" lang="ja-JP" altLang="en-US" dirty="0"/>
-              <a:t>リスト</a:t>
+              <a:t>二階堂祐太</a:t>
             </a:r>
           </a:p>
         </p:txBody>
@@ -3649,7 +3730,7 @@
     </p:spTree>
     <p:extLst>
       <p:ext uri="{BB962C8B-B14F-4D97-AF65-F5344CB8AC3E}">
-        <p14:creationId xmlns:p14="http://schemas.microsoft.com/office/powerpoint/2010/main" val="38841438"/>
+        <p14:creationId xmlns:p14="http://schemas.microsoft.com/office/powerpoint/2010/main" val="1829588013"/>
       </p:ext>
     </p:extLst>
   </p:cSld>
@@ -3681,6 +3762,123 @@
           <p:cNvPr id="2" name="タイトル 1">
             <a:extLst>
               <a:ext uri="{FF2B5EF4-FFF2-40B4-BE49-F238E27FC236}">
+                <a16:creationId xmlns:a16="http://schemas.microsoft.com/office/drawing/2014/main" id="{39648C07-CA8B-8D54-72AA-A9724EA5D722}"/>
+              </a:ext>
+            </a:extLst>
+          </p:cNvPr>
+          <p:cNvSpPr>
+            <a:spLocks noGrp="1"/>
+          </p:cNvSpPr>
+          <p:nvPr>
+            <p:ph type="title"/>
+          </p:nvPr>
+        </p:nvSpPr>
+        <p:spPr>
+          <a:xfrm>
+            <a:off x="461554" y="217714"/>
+            <a:ext cx="9875520" cy="1356360"/>
+          </a:xfrm>
+        </p:spPr>
+        <p:txBody>
+          <a:bodyPr/>
+          <a:lstStyle/>
+          <a:p>
+            <a:r>
+              <a:rPr kumimoji="1" lang="ja-JP" altLang="en-US" u="sng" dirty="0"/>
+              <a:t>作ったもの</a:t>
+            </a:r>
+          </a:p>
+        </p:txBody>
+      </p:sp>
+      <p:sp>
+        <p:nvSpPr>
+          <p:cNvPr id="4" name="タイトル 1">
+            <a:extLst>
+              <a:ext uri="{FF2B5EF4-FFF2-40B4-BE49-F238E27FC236}">
+                <a16:creationId xmlns:a16="http://schemas.microsoft.com/office/drawing/2014/main" id="{E2372BD9-FE9D-6EA8-1A2E-3A6A4D7B6B38}"/>
+              </a:ext>
+            </a:extLst>
+          </p:cNvPr>
+          <p:cNvSpPr txBox="1">
+            <a:spLocks/>
+          </p:cNvSpPr>
+          <p:nvPr/>
+        </p:nvSpPr>
+        <p:spPr>
+          <a:xfrm>
+            <a:off x="461554" y="1746069"/>
+            <a:ext cx="9875520" cy="1356360"/>
+          </a:xfrm>
+          <a:prstGeom prst="rect">
+            <a:avLst/>
+          </a:prstGeom>
+        </p:spPr>
+        <p:txBody>
+          <a:bodyPr vert="horz" lIns="91440" tIns="45720" rIns="91440" bIns="45720" rtlCol="0" anchor="ctr">
+            <a:normAutofit/>
+          </a:bodyPr>
+          <a:lstStyle>
+            <a:lvl1pPr algn="l" defTabSz="914400" rtl="0" eaLnBrk="1" latinLnBrk="0" hangingPunct="1">
+              <a:lnSpc>
+                <a:spcPct val="90000"/>
+              </a:lnSpc>
+              <a:spcBef>
+                <a:spcPct val="0"/>
+              </a:spcBef>
+              <a:buNone/>
+              <a:defRPr kumimoji="1" sz="4400" kern="1200">
+                <a:solidFill>
+                  <a:schemeClr val="accent1"/>
+                </a:solidFill>
+                <a:latin typeface="+mj-lt"/>
+                <a:ea typeface="+mj-ea"/>
+                <a:cs typeface="+mj-cs"/>
+              </a:defRPr>
+            </a:lvl1pPr>
+          </a:lstStyle>
+          <a:p>
+            <a:r>
+              <a:rPr lang="ja-JP" altLang="en-US" sz="3600" dirty="0"/>
+              <a:t>・普通のタスク管理アプリ</a:t>
+            </a:r>
+          </a:p>
+        </p:txBody>
+      </p:sp>
+    </p:spTree>
+    <p:extLst>
+      <p:ext uri="{BB962C8B-B14F-4D97-AF65-F5344CB8AC3E}">
+        <p14:creationId xmlns:p14="http://schemas.microsoft.com/office/powerpoint/2010/main" val="38841438"/>
+      </p:ext>
+    </p:extLst>
+  </p:cSld>
+  <p:clrMapOvr>
+    <a:masterClrMapping/>
+  </p:clrMapOvr>
+</p:sld>
+</file>
+
+<file path=ppt/slides/slide3.xml><?xml version="1.0" encoding="utf-8"?>
+<p:sld xmlns:a="http://schemas.openxmlformats.org/drawingml/2006/main" xmlns:r="http://schemas.openxmlformats.org/officeDocument/2006/relationships" xmlns:p="http://schemas.openxmlformats.org/presentationml/2006/main">
+  <p:cSld>
+    <p:spTree>
+      <p:nvGrpSpPr>
+        <p:cNvPr id="1" name=""/>
+        <p:cNvGrpSpPr/>
+        <p:nvPr/>
+      </p:nvGrpSpPr>
+      <p:grpSpPr>
+        <a:xfrm>
+          <a:off x="0" y="0"/>
+          <a:ext cx="0" cy="0"/>
+          <a:chOff x="0" y="0"/>
+          <a:chExt cx="0" cy="0"/>
+        </a:xfrm>
+      </p:grpSpPr>
+      <p:sp>
+        <p:nvSpPr>
+          <p:cNvPr id="2" name="タイトル 1">
+            <a:extLst>
+              <a:ext uri="{FF2B5EF4-FFF2-40B4-BE49-F238E27FC236}">
                 <a16:creationId xmlns:a16="http://schemas.microsoft.com/office/drawing/2014/main" id="{0A900DBA-669B-0D14-3424-605796796650}"/>
               </a:ext>
             </a:extLst>
@@ -3692,67 +3890,108 @@
             <p:ph type="title"/>
           </p:nvPr>
         </p:nvSpPr>
-        <p:spPr/>
-        <p:txBody>
-          <a:bodyPr/>
-          <a:lstStyle/>
-          <a:p>
-            <a:r>
-              <a:rPr lang="ja-JP" altLang="en-US" dirty="0"/>
+        <p:spPr>
+          <a:xfrm>
+            <a:off x="457201" y="193767"/>
+            <a:ext cx="9875520" cy="1356360"/>
+          </a:xfrm>
+        </p:spPr>
+        <p:txBody>
+          <a:bodyPr/>
+          <a:lstStyle/>
+          <a:p>
+            <a:r>
+              <a:rPr lang="ja-JP" altLang="en-US" u="sng" dirty="0"/>
               <a:t>機能</a:t>
             </a:r>
-            <a:endParaRPr kumimoji="1" lang="ja-JP" altLang="en-US" dirty="0"/>
-          </a:p>
-        </p:txBody>
-      </p:sp>
-      <p:sp>
-        <p:nvSpPr>
-          <p:cNvPr id="3" name="テキスト ボックス 2">
+            <a:endParaRPr kumimoji="1" lang="ja-JP" altLang="en-US" u="sng" dirty="0"/>
+          </a:p>
+        </p:txBody>
+      </p:sp>
+      <p:sp>
+        <p:nvSpPr>
+          <p:cNvPr id="4" name="タイトル 1">
             <a:extLst>
               <a:ext uri="{FF2B5EF4-FFF2-40B4-BE49-F238E27FC236}">
-                <a16:creationId xmlns:a16="http://schemas.microsoft.com/office/drawing/2014/main" id="{16514DD1-4027-48C9-AF53-61ACD20548D2}"/>
+                <a16:creationId xmlns:a16="http://schemas.microsoft.com/office/drawing/2014/main" id="{196AE599-76A9-7A48-B86D-561024E04097}"/>
               </a:ext>
             </a:extLst>
           </p:cNvPr>
-          <p:cNvSpPr txBox="1"/>
+          <p:cNvSpPr txBox="1">
+            <a:spLocks/>
+          </p:cNvSpPr>
           <p:nvPr/>
         </p:nvSpPr>
         <p:spPr>
           <a:xfrm>
-            <a:off x="838200" y="1807029"/>
-            <a:ext cx="2667000" cy="1477328"/>
+            <a:off x="620487" y="1594757"/>
+            <a:ext cx="9875520" cy="3668485"/>
           </a:xfrm>
           <a:prstGeom prst="rect">
             <a:avLst/>
           </a:prstGeom>
-          <a:noFill/>
         </p:spPr>
         <p:txBody>
-          <a:bodyPr wrap="square" rtlCol="0">
-            <a:spAutoFit/>
+          <a:bodyPr vert="horz" lIns="91440" tIns="45720" rIns="91440" bIns="45720" rtlCol="0" anchor="ctr">
+            <a:normAutofit/>
           </a:bodyPr>
-          <a:lstStyle/>
-          <a:p>
-            <a:r>
-              <a:rPr kumimoji="1" lang="ja-JP" altLang="en-US" dirty="0"/>
-              <a:t>＋でタスク追加</a:t>
-            </a:r>
-            <a:endParaRPr kumimoji="1" lang="en-US" altLang="ja-JP" dirty="0"/>
-          </a:p>
-          <a:p>
-            <a:endParaRPr lang="en-US" altLang="ja-JP" dirty="0"/>
-          </a:p>
-          <a:p>
-            <a:r>
-              <a:rPr kumimoji="1" lang="ja-JP" altLang="en-US" dirty="0"/>
-              <a:t>ゴミ箱で削除</a:t>
-            </a:r>
-          </a:p>
-          <a:p>
-            <a:endParaRPr kumimoji="1" lang="en-US" altLang="ja-JP" dirty="0"/>
-          </a:p>
-          <a:p>
-            <a:endParaRPr kumimoji="1" lang="ja-JP" altLang="en-US" dirty="0"/>
+          <a:lstStyle>
+            <a:lvl1pPr algn="l" defTabSz="914400" rtl="0" eaLnBrk="1" latinLnBrk="0" hangingPunct="1">
+              <a:lnSpc>
+                <a:spcPct val="90000"/>
+              </a:lnSpc>
+              <a:spcBef>
+                <a:spcPct val="0"/>
+              </a:spcBef>
+              <a:buNone/>
+              <a:defRPr kumimoji="1" sz="4400" kern="1200">
+                <a:solidFill>
+                  <a:schemeClr val="accent1"/>
+                </a:solidFill>
+                <a:latin typeface="+mj-lt"/>
+                <a:ea typeface="+mj-ea"/>
+                <a:cs typeface="+mj-cs"/>
+              </a:defRPr>
+            </a:lvl1pPr>
+          </a:lstStyle>
+          <a:p>
+            <a:pPr>
+              <a:lnSpc>
+                <a:spcPct val="160000"/>
+              </a:lnSpc>
+            </a:pPr>
+            <a:r>
+              <a:rPr lang="ja-JP" altLang="en-US" sz="3900" dirty="0"/>
+              <a:t>・タスクの登録</a:t>
+            </a:r>
+            <a:endParaRPr lang="en-US" altLang="ja-JP" sz="3900" dirty="0"/>
+          </a:p>
+          <a:p>
+            <a:pPr>
+              <a:lnSpc>
+                <a:spcPct val="160000"/>
+              </a:lnSpc>
+            </a:pPr>
+            <a:r>
+              <a:rPr lang="ja-JP" altLang="en-US" sz="3900" dirty="0"/>
+              <a:t>・タスクの削除</a:t>
+            </a:r>
+            <a:endParaRPr lang="en-US" altLang="ja-JP" sz="3900" dirty="0"/>
+          </a:p>
+          <a:p>
+            <a:pPr>
+              <a:lnSpc>
+                <a:spcPct val="160000"/>
+              </a:lnSpc>
+            </a:pPr>
+            <a:r>
+              <a:rPr lang="ja-JP" altLang="en-US" sz="3900" dirty="0"/>
+              <a:t>・タスク検索</a:t>
+            </a:r>
+            <a:endParaRPr lang="en-US" altLang="ja-JP" sz="3900" dirty="0"/>
+          </a:p>
+          <a:p>
+            <a:endParaRPr lang="ja-JP" altLang="en-US" u="sng" dirty="0"/>
           </a:p>
         </p:txBody>
       </p:sp>
@@ -3769,111 +4008,236 @@
 </p:sld>
 </file>
 
+<file path=ppt/slides/slide4.xml><?xml version="1.0" encoding="utf-8"?>
+<p:sld xmlns:a="http://schemas.openxmlformats.org/drawingml/2006/main" xmlns:r="http://schemas.openxmlformats.org/officeDocument/2006/relationships" xmlns:p="http://schemas.openxmlformats.org/presentationml/2006/main">
+  <p:cSld>
+    <p:spTree>
+      <p:nvGrpSpPr>
+        <p:cNvPr id="1" name=""/>
+        <p:cNvGrpSpPr/>
+        <p:nvPr/>
+      </p:nvGrpSpPr>
+      <p:grpSpPr>
+        <a:xfrm>
+          <a:off x="0" y="0"/>
+          <a:ext cx="0" cy="0"/>
+          <a:chOff x="0" y="0"/>
+          <a:chExt cx="0" cy="0"/>
+        </a:xfrm>
+      </p:grpSpPr>
+      <p:sp>
+        <p:nvSpPr>
+          <p:cNvPr id="2" name="タイトル 1">
+            <a:extLst>
+              <a:ext uri="{FF2B5EF4-FFF2-40B4-BE49-F238E27FC236}">
+                <a16:creationId xmlns:a16="http://schemas.microsoft.com/office/drawing/2014/main" id="{E5A636F5-C27B-2B4A-F1E6-B1BD0F731972}"/>
+              </a:ext>
+            </a:extLst>
+          </p:cNvPr>
+          <p:cNvSpPr>
+            <a:spLocks noGrp="1"/>
+          </p:cNvSpPr>
+          <p:nvPr>
+            <p:ph type="title"/>
+          </p:nvPr>
+        </p:nvSpPr>
+        <p:spPr/>
+        <p:txBody>
+          <a:bodyPr/>
+          <a:lstStyle/>
+          <a:p>
+            <a:endParaRPr kumimoji="1" lang="ja-JP" altLang="en-US"/>
+          </a:p>
+        </p:txBody>
+      </p:sp>
+    </p:spTree>
+    <p:extLst>
+      <p:ext uri="{BB962C8B-B14F-4D97-AF65-F5344CB8AC3E}">
+        <p14:creationId xmlns:p14="http://schemas.microsoft.com/office/powerpoint/2010/main" val="1172667185"/>
+      </p:ext>
+    </p:extLst>
+  </p:cSld>
+  <p:clrMapOvr>
+    <a:masterClrMapping/>
+  </p:clrMapOvr>
+</p:sld>
+</file>
+
+<file path=ppt/slides/slide5.xml><?xml version="1.0" encoding="utf-8"?>
+<p:sld xmlns:a="http://schemas.openxmlformats.org/drawingml/2006/main" xmlns:r="http://schemas.openxmlformats.org/officeDocument/2006/relationships" xmlns:p="http://schemas.openxmlformats.org/presentationml/2006/main">
+  <p:cSld>
+    <p:spTree>
+      <p:nvGrpSpPr>
+        <p:cNvPr id="1" name="">
+          <a:extLst>
+            <a:ext uri="{FF2B5EF4-FFF2-40B4-BE49-F238E27FC236}">
+              <a16:creationId xmlns:a16="http://schemas.microsoft.com/office/drawing/2014/main" id="{34FB5D87-5C05-A5B9-45A5-CB839D465244}"/>
+            </a:ext>
+          </a:extLst>
+        </p:cNvPr>
+        <p:cNvGrpSpPr/>
+        <p:nvPr/>
+      </p:nvGrpSpPr>
+      <p:grpSpPr>
+        <a:xfrm>
+          <a:off x="0" y="0"/>
+          <a:ext cx="0" cy="0"/>
+          <a:chOff x="0" y="0"/>
+          <a:chExt cx="0" cy="0"/>
+        </a:xfrm>
+      </p:grpSpPr>
+      <p:sp>
+        <p:nvSpPr>
+          <p:cNvPr id="2" name="タイトル 1">
+            <a:extLst>
+              <a:ext uri="{FF2B5EF4-FFF2-40B4-BE49-F238E27FC236}">
+                <a16:creationId xmlns:a16="http://schemas.microsoft.com/office/drawing/2014/main" id="{CBE79F52-65A2-BC3D-E511-78F3332DE035}"/>
+              </a:ext>
+            </a:extLst>
+          </p:cNvPr>
+          <p:cNvSpPr>
+            <a:spLocks noGrp="1"/>
+          </p:cNvSpPr>
+          <p:nvPr>
+            <p:ph type="title"/>
+          </p:nvPr>
+        </p:nvSpPr>
+        <p:spPr/>
+        <p:txBody>
+          <a:bodyPr/>
+          <a:lstStyle/>
+          <a:p>
+            <a:endParaRPr kumimoji="1" lang="ja-JP" altLang="en-US"/>
+          </a:p>
+        </p:txBody>
+      </p:sp>
+    </p:spTree>
+    <p:extLst>
+      <p:ext uri="{BB962C8B-B14F-4D97-AF65-F5344CB8AC3E}">
+        <p14:creationId xmlns:p14="http://schemas.microsoft.com/office/powerpoint/2010/main" val="3629366447"/>
+      </p:ext>
+    </p:extLst>
+  </p:cSld>
+  <p:clrMapOvr>
+    <a:masterClrMapping/>
+  </p:clrMapOvr>
+</p:sld>
+</file>
+
+<file path=ppt/slides/slide6.xml><?xml version="1.0" encoding="utf-8"?>
+<p:sld xmlns:a="http://schemas.openxmlformats.org/drawingml/2006/main" xmlns:r="http://schemas.openxmlformats.org/officeDocument/2006/relationships" xmlns:p="http://schemas.openxmlformats.org/presentationml/2006/main">
+  <p:cSld>
+    <p:spTree>
+      <p:nvGrpSpPr>
+        <p:cNvPr id="1" name="">
+          <a:extLst>
+            <a:ext uri="{FF2B5EF4-FFF2-40B4-BE49-F238E27FC236}">
+              <a16:creationId xmlns:a16="http://schemas.microsoft.com/office/drawing/2014/main" id="{99D0CD8A-DF79-AC82-ACA6-7AE373EDA1FB}"/>
+            </a:ext>
+          </a:extLst>
+        </p:cNvPr>
+        <p:cNvGrpSpPr/>
+        <p:nvPr/>
+      </p:nvGrpSpPr>
+      <p:grpSpPr>
+        <a:xfrm>
+          <a:off x="0" y="0"/>
+          <a:ext cx="0" cy="0"/>
+          <a:chOff x="0" y="0"/>
+          <a:chExt cx="0" cy="0"/>
+        </a:xfrm>
+      </p:grpSpPr>
+      <p:sp>
+        <p:nvSpPr>
+          <p:cNvPr id="2" name="タイトル 1">
+            <a:extLst>
+              <a:ext uri="{FF2B5EF4-FFF2-40B4-BE49-F238E27FC236}">
+                <a16:creationId xmlns:a16="http://schemas.microsoft.com/office/drawing/2014/main" id="{42ECB35A-6BB2-6F63-9777-49BCF209BFBC}"/>
+              </a:ext>
+            </a:extLst>
+          </p:cNvPr>
+          <p:cNvSpPr>
+            <a:spLocks noGrp="1"/>
+          </p:cNvSpPr>
+          <p:nvPr>
+            <p:ph type="title"/>
+          </p:nvPr>
+        </p:nvSpPr>
+        <p:spPr/>
+        <p:txBody>
+          <a:bodyPr/>
+          <a:lstStyle/>
+          <a:p>
+            <a:endParaRPr kumimoji="1" lang="ja-JP" altLang="en-US"/>
+          </a:p>
+        </p:txBody>
+      </p:sp>
+    </p:spTree>
+    <p:extLst>
+      <p:ext uri="{BB962C8B-B14F-4D97-AF65-F5344CB8AC3E}">
+        <p14:creationId xmlns:p14="http://schemas.microsoft.com/office/powerpoint/2010/main" val="119726820"/>
+      </p:ext>
+    </p:extLst>
+  </p:cSld>
+  <p:clrMapOvr>
+    <a:masterClrMapping/>
+  </p:clrMapOvr>
+</p:sld>
+</file>
+
 <file path=ppt/theme/theme1.xml><?xml version="1.0" encoding="utf-8"?>
-<a:theme xmlns:a="http://schemas.openxmlformats.org/drawingml/2006/main" name="Office テーマ">
+<a:theme xmlns:a="http://schemas.openxmlformats.org/drawingml/2006/main" name="基礎">
   <a:themeElements>
-    <a:clrScheme name="Office">
+    <a:clrScheme name="基礎">
       <a:dk1>
-        <a:sysClr val="windowText" lastClr="000000"/>
+        <a:srgbClr val="000000"/>
       </a:dk1>
       <a:lt1>
-        <a:sysClr val="window" lastClr="FFFFFF"/>
+        <a:srgbClr val="FFFFFF"/>
       </a:lt1>
       <a:dk2>
-        <a:srgbClr val="0E2841"/>
+        <a:srgbClr val="565349"/>
       </a:dk2>
       <a:lt2>
-        <a:srgbClr val="E8E8E8"/>
+        <a:srgbClr val="DDDDDD"/>
       </a:lt2>
       <a:accent1>
-        <a:srgbClr val="156082"/>
+        <a:srgbClr val="A6B727"/>
       </a:accent1>
       <a:accent2>
-        <a:srgbClr val="E97132"/>
+        <a:srgbClr val="DF5327"/>
       </a:accent2>
       <a:accent3>
-        <a:srgbClr val="196B24"/>
+        <a:srgbClr val="FE9E00"/>
       </a:accent3>
       <a:accent4>
-        <a:srgbClr val="0F9ED5"/>
+        <a:srgbClr val="418AB3"/>
       </a:accent4>
       <a:accent5>
-        <a:srgbClr val="A02B93"/>
+        <a:srgbClr val="D7D447"/>
       </a:accent5>
       <a:accent6>
-        <a:srgbClr val="4EA72E"/>
+        <a:srgbClr val="818183"/>
       </a:accent6>
       <a:hlink>
-        <a:srgbClr val="467886"/>
+        <a:srgbClr val="F59E00"/>
       </a:hlink>
       <a:folHlink>
-        <a:srgbClr val="96607D"/>
+        <a:srgbClr val="B2B2B2"/>
       </a:folHlink>
     </a:clrScheme>
-    <a:fontScheme name="Office">
+    <a:fontScheme name="基礎">
       <a:majorFont>
-        <a:latin typeface="游ゴシック Light" panose="02110004020202020204"/>
+        <a:latin typeface="Corbel" panose="020B0503020204020204"/>
         <a:ea typeface=""/>
         <a:cs typeface=""/>
-        <a:font script="Jpan" typeface="游ゴシック Light"/>
+        <a:font script="Jpan" typeface="ＭＳ ゴシック"/>
         <a:font script="Hang" typeface="맑은 고딕"/>
-        <a:font script="Hans" typeface="等线 Light"/>
+        <a:font script="Hans" typeface="宋体"/>
         <a:font script="Hant" typeface="新細明體"/>
-        <a:font script="Arab" typeface="Times New Roman"/>
-        <a:font script="Hebr" typeface="Times New Roman"/>
-        <a:font script="Thai" typeface="Angsana New"/>
-        <a:font script="Ethi" typeface="Nyala"/>
-        <a:font script="Beng" typeface="Vrinda"/>
-        <a:font script="Gujr" typeface="Shruti"/>
-        <a:font script="Khmr" typeface="MoolBoran"/>
-        <a:font script="Knda" typeface="Tunga"/>
-        <a:font script="Guru" typeface="Raavi"/>
-        <a:font script="Cans" typeface="Euphemia"/>
-        <a:font script="Cher" typeface="Plantagenet Cherokee"/>
-        <a:font script="Yiii" typeface="Microsoft Yi Baiti"/>
-        <a:font script="Tibt" typeface="Microsoft Himalaya"/>
-        <a:font script="Thaa" typeface="MV Boli"/>
-        <a:font script="Deva" typeface="Mangal"/>
-        <a:font script="Telu" typeface="Gautami"/>
-        <a:font script="Taml" typeface="Latha"/>
-        <a:font script="Syrc" typeface="Estrangelo Edessa"/>
-        <a:font script="Orya" typeface="Kalinga"/>
-        <a:font script="Mlym" typeface="Kartika"/>
-        <a:font script="Laoo" typeface="DokChampa"/>
-        <a:font script="Sinh" typeface="Iskoola Pota"/>
-        <a:font script="Mong" typeface="Mongolian Baiti"/>
-        <a:font script="Viet" typeface="Times New Roman"/>
-        <a:font script="Uigh" typeface="Microsoft Uighur"/>
-        <a:font script="Geor" typeface="Sylfaen"/>
-        <a:font script="Armn" typeface="Arial"/>
-        <a:font script="Bugi" typeface="Leelawadee UI"/>
-        <a:font script="Bopo" typeface="Microsoft JhengHei"/>
-        <a:font script="Java" typeface="Javanese Text"/>
-        <a:font script="Lisu" typeface="Segoe UI"/>
-        <a:font script="Mymr" typeface="Myanmar Text"/>
-        <a:font script="Nkoo" typeface="Ebrima"/>
-        <a:font script="Olck" typeface="Nirmala UI"/>
-        <a:font script="Osma" typeface="Ebrima"/>
-        <a:font script="Phag" typeface="Phagspa"/>
-        <a:font script="Syrn" typeface="Estrangelo Edessa"/>
-        <a:font script="Syrj" typeface="Estrangelo Edessa"/>
-        <a:font script="Syre" typeface="Estrangelo Edessa"/>
-        <a:font script="Sora" typeface="Nirmala UI"/>
-        <a:font script="Tale" typeface="Microsoft Tai Le"/>
-        <a:font script="Talu" typeface="Microsoft New Tai Lue"/>
-        <a:font script="Tfng" typeface="Ebrima"/>
-      </a:majorFont>
-      <a:minorFont>
-        <a:latin typeface="游ゴシック" panose="02110004020202020204"/>
-        <a:ea typeface=""/>
-        <a:cs typeface=""/>
-        <a:font script="Jpan" typeface="游ゴシック"/>
-        <a:font script="Hang" typeface="맑은 고딕"/>
-        <a:font script="Hans" typeface="等线"/>
-        <a:font script="Hant" typeface="新細明體"/>
-        <a:font script="Arab" typeface="Arial"/>
-        <a:font script="Hebr" typeface="Arial"/>
-        <a:font script="Thai" typeface="Cordia New"/>
+        <a:font script="Arab" typeface="Tahoma"/>
+        <a:font script="Hebr" typeface="Gisha"/>
+        <a:font script="Thai" typeface="DilleniaUPC"/>
         <a:font script="Ethi" typeface="Nyala"/>
         <a:font script="Beng" typeface="Vrinda"/>
         <a:font script="Gujr" typeface="Shruti"/>
@@ -3894,107 +4258,98 @@
         <a:font script="Laoo" typeface="DokChampa"/>
         <a:font script="Sinh" typeface="Iskoola Pota"/>
         <a:font script="Mong" typeface="Mongolian Baiti"/>
-        <a:font script="Viet" typeface="Arial"/>
+        <a:font script="Viet" typeface="Tahoma"/>
         <a:font script="Uigh" typeface="Microsoft Uighur"/>
         <a:font script="Geor" typeface="Sylfaen"/>
-        <a:font script="Armn" typeface="Arial"/>
-        <a:font script="Bugi" typeface="Leelawadee UI"/>
-        <a:font script="Bopo" typeface="Microsoft JhengHei"/>
-        <a:font script="Java" typeface="Javanese Text"/>
-        <a:font script="Lisu" typeface="Segoe UI"/>
-        <a:font script="Mymr" typeface="Myanmar Text"/>
-        <a:font script="Nkoo" typeface="Ebrima"/>
-        <a:font script="Olck" typeface="Nirmala UI"/>
-        <a:font script="Osma" typeface="Ebrima"/>
-        <a:font script="Phag" typeface="Phagspa"/>
-        <a:font script="Syrn" typeface="Estrangelo Edessa"/>
-        <a:font script="Syrj" typeface="Estrangelo Edessa"/>
-        <a:font script="Syre" typeface="Estrangelo Edessa"/>
-        <a:font script="Sora" typeface="Nirmala UI"/>
-        <a:font script="Tale" typeface="Microsoft Tai Le"/>
-        <a:font script="Talu" typeface="Microsoft New Tai Lue"/>
-        <a:font script="Tfng" typeface="Ebrima"/>
+      </a:majorFont>
+      <a:minorFont>
+        <a:latin typeface="Corbel" panose="020B0503020204020204"/>
+        <a:ea typeface=""/>
+        <a:cs typeface=""/>
+        <a:font script="Jpan" typeface="ＭＳ ゴシック"/>
+        <a:font script="Hang" typeface="맑은 고딕"/>
+        <a:font script="Hans" typeface="宋体"/>
+        <a:font script="Hant" typeface="新細明體"/>
+        <a:font script="Arab" typeface="Tahoma"/>
+        <a:font script="Hebr" typeface="Gisha"/>
+        <a:font script="Thai" typeface="DilleniaUPC"/>
+        <a:font script="Ethi" typeface="Nyala"/>
+        <a:font script="Beng" typeface="Vrinda"/>
+        <a:font script="Gujr" typeface="Shruti"/>
+        <a:font script="Khmr" typeface="DaunPenh"/>
+        <a:font script="Knda" typeface="Tunga"/>
+        <a:font script="Guru" typeface="Raavi"/>
+        <a:font script="Cans" typeface="Euphemia"/>
+        <a:font script="Cher" typeface="Plantagenet Cherokee"/>
+        <a:font script="Yiii" typeface="Microsoft Yi Baiti"/>
+        <a:font script="Tibt" typeface="Microsoft Himalaya"/>
+        <a:font script="Thaa" typeface="MV Boli"/>
+        <a:font script="Deva" typeface="Mangal"/>
+        <a:font script="Telu" typeface="Gautami"/>
+        <a:font script="Taml" typeface="Latha"/>
+        <a:font script="Syrc" typeface="Estrangelo Edessa"/>
+        <a:font script="Orya" typeface="Kalinga"/>
+        <a:font script="Mlym" typeface="Kartika"/>
+        <a:font script="Laoo" typeface="DokChampa"/>
+        <a:font script="Sinh" typeface="Iskoola Pota"/>
+        <a:font script="Mong" typeface="Mongolian Baiti"/>
+        <a:font script="Viet" typeface="Verdana"/>
+        <a:font script="Uigh" typeface="Microsoft Uighur"/>
+        <a:font script="Geor" typeface="Sylfaen"/>
       </a:minorFont>
     </a:fontScheme>
-    <a:fmtScheme name="Office">
+    <a:fmtScheme name="基礎">
       <a:fillStyleLst>
         <a:solidFill>
           <a:schemeClr val="phClr"/>
         </a:solidFill>
+        <a:solidFill>
+          <a:schemeClr val="phClr">
+            <a:tint val="55000"/>
+            <a:satMod val="130000"/>
+          </a:schemeClr>
+        </a:solidFill>
         <a:gradFill rotWithShape="1">
           <a:gsLst>
             <a:gs pos="0">
+              <a:schemeClr val="phClr"/>
+            </a:gs>
+            <a:gs pos="90000">
               <a:schemeClr val="phClr">
-                <a:lumMod val="110000"/>
+                <a:shade val="100000"/>
                 <a:satMod val="105000"/>
-                <a:tint val="67000"/>
-              </a:schemeClr>
-            </a:gs>
-            <a:gs pos="50000">
-              <a:schemeClr val="phClr">
-                <a:lumMod val="105000"/>
-                <a:satMod val="103000"/>
-                <a:tint val="73000"/>
               </a:schemeClr>
             </a:gs>
             <a:gs pos="100000">
               <a:schemeClr val="phClr">
-                <a:lumMod val="105000"/>
-                <a:satMod val="109000"/>
-                <a:tint val="81000"/>
+                <a:shade val="80000"/>
+                <a:satMod val="120000"/>
               </a:schemeClr>
             </a:gs>
           </a:gsLst>
-          <a:lin ang="5400000" scaled="0"/>
-        </a:gradFill>
-        <a:gradFill rotWithShape="1">
-          <a:gsLst>
-            <a:gs pos="0">
-              <a:schemeClr val="phClr">
-                <a:satMod val="103000"/>
-                <a:lumMod val="102000"/>
-                <a:tint val="94000"/>
-              </a:schemeClr>
-            </a:gs>
-            <a:gs pos="50000">
-              <a:schemeClr val="phClr">
-                <a:satMod val="110000"/>
-                <a:lumMod val="100000"/>
-                <a:shade val="100000"/>
-              </a:schemeClr>
-            </a:gs>
-            <a:gs pos="100000">
-              <a:schemeClr val="phClr">
-                <a:lumMod val="99000"/>
-                <a:satMod val="120000"/>
-                <a:shade val="78000"/>
-              </a:schemeClr>
-            </a:gs>
-          </a:gsLst>
-          <a:lin ang="5400000" scaled="0"/>
+          <a:path path="circle">
+            <a:fillToRect l="100000" t="100000" r="100000" b="100000"/>
+          </a:path>
         </a:gradFill>
       </a:fillStyleLst>
       <a:lnStyleLst>
-        <a:ln w="12700" cap="flat" cmpd="sng" algn="ctr">
+        <a:ln w="10000" cap="flat" cmpd="sng" algn="ctr">
           <a:solidFill>
             <a:schemeClr val="phClr"/>
           </a:solidFill>
           <a:prstDash val="solid"/>
-          <a:miter lim="800000"/>
         </a:ln>
         <a:ln w="19050" cap="flat" cmpd="sng" algn="ctr">
           <a:solidFill>
             <a:schemeClr val="phClr"/>
           </a:solidFill>
           <a:prstDash val="solid"/>
-          <a:miter lim="800000"/>
         </a:ln>
-        <a:ln w="25400" cap="flat" cmpd="sng" algn="ctr">
+        <a:ln w="53975" cap="flat" cmpd="dbl" algn="ctr">
           <a:solidFill>
             <a:schemeClr val="phClr"/>
           </a:solidFill>
           <a:prstDash val="solid"/>
-          <a:miter lim="800000"/>
         </a:ln>
       </a:lnStyleLst>
       <a:effectStyleLst>
@@ -4002,16 +4357,37 @@
           <a:effectLst/>
         </a:effectStyle>
         <a:effectStyle>
-          <a:effectLst/>
+          <a:effectLst>
+            <a:outerShdw blurRad="38100" dist="25400" dir="5400000" rotWithShape="0">
+              <a:srgbClr val="000000">
+                <a:alpha val="45000"/>
+              </a:srgbClr>
+            </a:outerShdw>
+          </a:effectLst>
         </a:effectStyle>
         <a:effectStyle>
           <a:effectLst>
-            <a:outerShdw blurRad="57150" dist="19050" dir="5400000" algn="ctr" rotWithShape="0">
+            <a:outerShdw blurRad="38100" dist="25400" dir="5400000" rotWithShape="0">
               <a:srgbClr val="000000">
-                <a:alpha val="63000"/>
+                <a:alpha val="45000"/>
               </a:srgbClr>
             </a:outerShdw>
           </a:effectLst>
+          <a:scene3d>
+            <a:camera prst="orthographicFront">
+              <a:rot lat="0" lon="0" rev="0"/>
+            </a:camera>
+            <a:lightRig rig="brightRoom" dir="t"/>
+          </a:scene3d>
+          <a:sp3d extrusionH="12700" contourW="25400" prstMaterial="flat">
+            <a:bevelT w="63500" h="152400" prst="angle"/>
+            <a:contourClr>
+              <a:schemeClr val="phClr">
+                <a:shade val="27000"/>
+                <a:satMod val="120000"/>
+              </a:schemeClr>
+            </a:contourClr>
+          </a:sp3d>
         </a:effectStyle>
       </a:effectStyleLst>
       <a:bgFillStyleLst>
@@ -4021,64 +4397,26 @@
         <a:solidFill>
           <a:schemeClr val="phClr">
             <a:tint val="95000"/>
-            <a:satMod val="170000"/>
+            <a:shade val="95000"/>
+            <a:satMod val="140000"/>
           </a:schemeClr>
         </a:solidFill>
-        <a:gradFill rotWithShape="1">
-          <a:gsLst>
-            <a:gs pos="0">
-              <a:schemeClr val="phClr">
-                <a:tint val="93000"/>
-                <a:satMod val="150000"/>
-                <a:shade val="98000"/>
-                <a:lumMod val="102000"/>
-              </a:schemeClr>
-            </a:gs>
-            <a:gs pos="50000">
-              <a:schemeClr val="phClr">
-                <a:tint val="98000"/>
-                <a:satMod val="130000"/>
-                <a:shade val="90000"/>
-                <a:lumMod val="103000"/>
-              </a:schemeClr>
-            </a:gs>
-            <a:gs pos="100000">
-              <a:schemeClr val="phClr">
-                <a:shade val="63000"/>
-                <a:satMod val="120000"/>
-              </a:schemeClr>
-            </a:gs>
-          </a:gsLst>
-          <a:lin ang="5400000" scaled="0"/>
-        </a:gradFill>
+        <a:solidFill>
+          <a:schemeClr val="phClr">
+            <a:tint val="90000"/>
+            <a:shade val="85000"/>
+            <a:satMod val="160000"/>
+            <a:lumMod val="110000"/>
+          </a:schemeClr>
+        </a:solidFill>
       </a:bgFillStyleLst>
     </a:fmtScheme>
   </a:themeElements>
-  <a:objectDefaults>
-    <a:lnDef>
-      <a:spPr/>
-      <a:bodyPr/>
-      <a:lstStyle/>
-      <a:style>
-        <a:lnRef idx="2">
-          <a:schemeClr val="accent1"/>
-        </a:lnRef>
-        <a:fillRef idx="0">
-          <a:schemeClr val="accent1"/>
-        </a:fillRef>
-        <a:effectRef idx="1">
-          <a:schemeClr val="accent1"/>
-        </a:effectRef>
-        <a:fontRef idx="minor">
-          <a:schemeClr val="tx1"/>
-        </a:fontRef>
-      </a:style>
-    </a:lnDef>
-  </a:objectDefaults>
+  <a:objectDefaults/>
   <a:extraClrSchemeLst/>
   <a:extLst>
     <a:ext uri="{05A4C25C-085E-4340-85A3-A5531E510DB2}">
-      <thm15:themeFamily xmlns:thm15="http://schemas.microsoft.com/office/thememl/2012/main" name="Office Theme" id="{2E142A2C-CD16-42D6-873A-C26D2A0506FA}" vid="{1BDDFF52-6CD6-40A5-AB3C-68EB2F1E4D0A}"/>
+      <thm15:themeFamily xmlns:thm15="http://schemas.microsoft.com/office/thememl/2012/main" name="Basis" id="{5665723A-49BA-4B57-8411-A56F8F207965}" vid="{90E45F77-AEFC-46EF-A7C1-5B338C297B02}"/>
     </a:ext>
   </a:extLst>
 </a:theme>

--- a/pawapo_todo.pptx
+++ b/pawapo_todo.pptx
@@ -7,10 +7,15 @@
   <p:sldIdLst>
     <p:sldId id="258" r:id="rId2"/>
     <p:sldId id="256" r:id="rId3"/>
-    <p:sldId id="257" r:id="rId4"/>
-    <p:sldId id="259" r:id="rId5"/>
-    <p:sldId id="260" r:id="rId6"/>
-    <p:sldId id="261" r:id="rId7"/>
+    <p:sldId id="262" r:id="rId4"/>
+    <p:sldId id="257" r:id="rId5"/>
+    <p:sldId id="259" r:id="rId6"/>
+    <p:sldId id="260" r:id="rId7"/>
+    <p:sldId id="261" r:id="rId8"/>
+    <p:sldId id="263" r:id="rId9"/>
+    <p:sldId id="264" r:id="rId10"/>
+    <p:sldId id="265" r:id="rId11"/>
+    <p:sldId id="266" r:id="rId12"/>
   </p:sldIdLst>
   <p:sldSz cx="12192000" cy="6858000"/>
   <p:notesSz cx="6858000" cy="9144000"/>
@@ -313,7 +318,7 @@
           <a:p>
             <a:fld id="{C9B504C2-A79A-4F1A-AD7E-81042A61A2F1}" type="datetimeFigureOut">
               <a:rPr kumimoji="1" lang="ja-JP" altLang="en-US" smtClean="0"/>
-              <a:t>2025/7/2</a:t>
+              <a:t>2025/7/9</a:t>
             </a:fld>
             <a:endParaRPr kumimoji="1" lang="ja-JP" altLang="en-US"/>
           </a:p>
@@ -566,7 +571,7 @@
           <a:p>
             <a:fld id="{C9B504C2-A79A-4F1A-AD7E-81042A61A2F1}" type="datetimeFigureOut">
               <a:rPr kumimoji="1" lang="ja-JP" altLang="en-US" smtClean="0"/>
-              <a:t>2025/7/2</a:t>
+              <a:t>2025/7/9</a:t>
             </a:fld>
             <a:endParaRPr kumimoji="1" lang="ja-JP" altLang="en-US"/>
           </a:p>
@@ -778,7 +783,7 @@
           <a:p>
             <a:fld id="{C9B504C2-A79A-4F1A-AD7E-81042A61A2F1}" type="datetimeFigureOut">
               <a:rPr kumimoji="1" lang="ja-JP" altLang="en-US" smtClean="0"/>
-              <a:t>2025/7/2</a:t>
+              <a:t>2025/7/9</a:t>
             </a:fld>
             <a:endParaRPr kumimoji="1" lang="ja-JP" altLang="en-US"/>
           </a:p>
@@ -980,7 +985,7 @@
           <a:p>
             <a:fld id="{C9B504C2-A79A-4F1A-AD7E-81042A61A2F1}" type="datetimeFigureOut">
               <a:rPr kumimoji="1" lang="ja-JP" altLang="en-US" smtClean="0"/>
-              <a:t>2025/7/2</a:t>
+              <a:t>2025/7/9</a:t>
             </a:fld>
             <a:endParaRPr kumimoji="1" lang="ja-JP" altLang="en-US"/>
           </a:p>
@@ -1231,7 +1236,7 @@
           <a:p>
             <a:fld id="{C9B504C2-A79A-4F1A-AD7E-81042A61A2F1}" type="datetimeFigureOut">
               <a:rPr kumimoji="1" lang="ja-JP" altLang="en-US" smtClean="0"/>
-              <a:t>2025/7/2</a:t>
+              <a:t>2025/7/9</a:t>
             </a:fld>
             <a:endParaRPr kumimoji="1" lang="ja-JP" altLang="en-US"/>
           </a:p>
@@ -1618,7 +1623,7 @@
           <a:p>
             <a:fld id="{C9B504C2-A79A-4F1A-AD7E-81042A61A2F1}" type="datetimeFigureOut">
               <a:rPr kumimoji="1" lang="ja-JP" altLang="en-US" smtClean="0"/>
-              <a:t>2025/7/2</a:t>
+              <a:t>2025/7/9</a:t>
             </a:fld>
             <a:endParaRPr kumimoji="1" lang="ja-JP" altLang="en-US"/>
           </a:p>
@@ -2106,7 +2111,7 @@
           <a:p>
             <a:fld id="{C9B504C2-A79A-4F1A-AD7E-81042A61A2F1}" type="datetimeFigureOut">
               <a:rPr kumimoji="1" lang="ja-JP" altLang="en-US" smtClean="0"/>
-              <a:t>2025/7/2</a:t>
+              <a:t>2025/7/9</a:t>
             </a:fld>
             <a:endParaRPr kumimoji="1" lang="ja-JP" altLang="en-US"/>
           </a:p>
@@ -2224,7 +2229,7 @@
           <a:p>
             <a:fld id="{C9B504C2-A79A-4F1A-AD7E-81042A61A2F1}" type="datetimeFigureOut">
               <a:rPr kumimoji="1" lang="ja-JP" altLang="en-US" smtClean="0"/>
-              <a:t>2025/7/2</a:t>
+              <a:t>2025/7/9</a:t>
             </a:fld>
             <a:endParaRPr kumimoji="1" lang="ja-JP" altLang="en-US"/>
           </a:p>
@@ -2319,7 +2324,7 @@
           <a:p>
             <a:fld id="{C9B504C2-A79A-4F1A-AD7E-81042A61A2F1}" type="datetimeFigureOut">
               <a:rPr kumimoji="1" lang="ja-JP" altLang="en-US" smtClean="0"/>
-              <a:t>2025/7/2</a:t>
+              <a:t>2025/7/9</a:t>
             </a:fld>
             <a:endParaRPr kumimoji="1" lang="ja-JP" altLang="en-US"/>
           </a:p>
@@ -2641,7 +2646,7 @@
           <a:p>
             <a:fld id="{C9B504C2-A79A-4F1A-AD7E-81042A61A2F1}" type="datetimeFigureOut">
               <a:rPr kumimoji="1" lang="ja-JP" altLang="en-US" smtClean="0"/>
-              <a:t>2025/7/2</a:t>
+              <a:t>2025/7/9</a:t>
             </a:fld>
             <a:endParaRPr kumimoji="1" lang="ja-JP" altLang="en-US"/>
           </a:p>
@@ -2913,7 +2918,7 @@
           <a:p>
             <a:fld id="{C9B504C2-A79A-4F1A-AD7E-81042A61A2F1}" type="datetimeFigureOut">
               <a:rPr kumimoji="1" lang="ja-JP" altLang="en-US" smtClean="0"/>
-              <a:t>2025/7/2</a:t>
+              <a:t>2025/7/9</a:t>
             </a:fld>
             <a:endParaRPr kumimoji="1" lang="ja-JP" altLang="en-US"/>
           </a:p>
@@ -3199,7 +3204,7 @@
           <a:p>
             <a:fld id="{C9B504C2-A79A-4F1A-AD7E-81042A61A2F1}" type="datetimeFigureOut">
               <a:rPr kumimoji="1" lang="ja-JP" altLang="en-US" smtClean="0"/>
-              <a:t>2025/7/2</a:t>
+              <a:t>2025/7/9</a:t>
             </a:fld>
             <a:endParaRPr kumimoji="1" lang="ja-JP" altLang="en-US"/>
           </a:p>
@@ -3740,6 +3745,261 @@
 </p:sld>
 </file>
 
+<file path=ppt/slides/slide10.xml><?xml version="1.0" encoding="utf-8"?>
+<p:sld xmlns:a="http://schemas.openxmlformats.org/drawingml/2006/main" xmlns:r="http://schemas.openxmlformats.org/officeDocument/2006/relationships" xmlns:p="http://schemas.openxmlformats.org/presentationml/2006/main">
+  <p:cSld>
+    <p:spTree>
+      <p:nvGrpSpPr>
+        <p:cNvPr id="1" name=""/>
+        <p:cNvGrpSpPr/>
+        <p:nvPr/>
+      </p:nvGrpSpPr>
+      <p:grpSpPr>
+        <a:xfrm>
+          <a:off x="0" y="0"/>
+          <a:ext cx="0" cy="0"/>
+          <a:chOff x="0" y="0"/>
+          <a:chExt cx="0" cy="0"/>
+        </a:xfrm>
+      </p:grpSpPr>
+      <p:sp>
+        <p:nvSpPr>
+          <p:cNvPr id="2" name="タイトル 1">
+            <a:extLst>
+              <a:ext uri="{FF2B5EF4-FFF2-40B4-BE49-F238E27FC236}">
+                <a16:creationId xmlns:a16="http://schemas.microsoft.com/office/drawing/2014/main" id="{847AE3D3-AEC3-3379-95B7-E15D03A2E483}"/>
+              </a:ext>
+            </a:extLst>
+          </p:cNvPr>
+          <p:cNvSpPr txBox="1">
+            <a:spLocks/>
+          </p:cNvSpPr>
+          <p:nvPr/>
+        </p:nvSpPr>
+        <p:spPr>
+          <a:xfrm>
+            <a:off x="527957" y="587827"/>
+            <a:ext cx="3722914" cy="1240971"/>
+          </a:xfrm>
+          <a:prstGeom prst="rect">
+            <a:avLst/>
+          </a:prstGeom>
+        </p:spPr>
+        <p:txBody>
+          <a:bodyPr>
+            <a:normAutofit/>
+          </a:bodyPr>
+          <a:lstStyle>
+            <a:lvl1pPr algn="l" defTabSz="914400" rtl="0" eaLnBrk="1" latinLnBrk="0" hangingPunct="1">
+              <a:lnSpc>
+                <a:spcPct val="90000"/>
+              </a:lnSpc>
+              <a:spcBef>
+                <a:spcPct val="0"/>
+              </a:spcBef>
+              <a:buNone/>
+              <a:defRPr kumimoji="1" sz="4400" kern="1200">
+                <a:solidFill>
+                  <a:schemeClr val="accent1"/>
+                </a:solidFill>
+                <a:latin typeface="+mj-lt"/>
+                <a:ea typeface="+mj-ea"/>
+                <a:cs typeface="+mj-cs"/>
+              </a:defRPr>
+            </a:lvl1pPr>
+          </a:lstStyle>
+          <a:p>
+            <a:r>
+              <a:rPr lang="ja-JP" altLang="en-US" u="sng" dirty="0"/>
+              <a:t>タスクの優先</a:t>
+            </a:r>
+          </a:p>
+        </p:txBody>
+      </p:sp>
+      <p:pic>
+        <p:nvPicPr>
+          <p:cNvPr id="4" name="図 3" descr="グラフィカル ユーザー インターフェイス&#10;&#10;AI 生成コンテンツは誤りを含む可能性があります。">
+            <a:extLst>
+              <a:ext uri="{FF2B5EF4-FFF2-40B4-BE49-F238E27FC236}">
+                <a16:creationId xmlns:a16="http://schemas.microsoft.com/office/drawing/2014/main" id="{C26D5A2F-4800-ACB7-568D-390417615F4D}"/>
+              </a:ext>
+            </a:extLst>
+          </p:cNvPr>
+          <p:cNvPicPr>
+            <a:picLocks noChangeAspect="1"/>
+          </p:cNvPicPr>
+          <p:nvPr/>
+        </p:nvPicPr>
+        <p:blipFill>
+          <a:blip r:embed="rId2">
+            <a:extLst>
+              <a:ext uri="{28A0092B-C50C-407E-A947-70E740481C1C}">
+                <a14:useLocalDpi xmlns:a14="http://schemas.microsoft.com/office/drawing/2010/main" val="0"/>
+              </a:ext>
+            </a:extLst>
+          </a:blip>
+          <a:stretch>
+            <a:fillRect/>
+          </a:stretch>
+        </p:blipFill>
+        <p:spPr>
+          <a:xfrm>
+            <a:off x="7228115" y="380999"/>
+            <a:ext cx="4626347" cy="6097677"/>
+          </a:xfrm>
+          <a:prstGeom prst="rect">
+            <a:avLst/>
+          </a:prstGeom>
+        </p:spPr>
+      </p:pic>
+      <p:sp>
+        <p:nvSpPr>
+          <p:cNvPr id="5" name="タイトル 1">
+            <a:extLst>
+              <a:ext uri="{FF2B5EF4-FFF2-40B4-BE49-F238E27FC236}">
+                <a16:creationId xmlns:a16="http://schemas.microsoft.com/office/drawing/2014/main" id="{A7BB1F9C-D64C-FA63-6E30-5CCB11CADCEA}"/>
+              </a:ext>
+            </a:extLst>
+          </p:cNvPr>
+          <p:cNvSpPr txBox="1">
+            <a:spLocks/>
+          </p:cNvSpPr>
+          <p:nvPr/>
+        </p:nvSpPr>
+        <p:spPr>
+          <a:xfrm>
+            <a:off x="2100944" y="2329542"/>
+            <a:ext cx="5127171" cy="1099457"/>
+          </a:xfrm>
+          <a:prstGeom prst="rect">
+            <a:avLst/>
+          </a:prstGeom>
+        </p:spPr>
+        <p:txBody>
+          <a:bodyPr vert="horz" lIns="91440" tIns="45720" rIns="91440" bIns="45720" rtlCol="0" anchor="ctr">
+            <a:normAutofit/>
+          </a:bodyPr>
+          <a:lstStyle>
+            <a:lvl1pPr algn="l" defTabSz="914400" rtl="0" eaLnBrk="1" latinLnBrk="0" hangingPunct="1">
+              <a:lnSpc>
+                <a:spcPct val="90000"/>
+              </a:lnSpc>
+              <a:spcBef>
+                <a:spcPct val="0"/>
+              </a:spcBef>
+              <a:buNone/>
+              <a:defRPr kumimoji="1" sz="4400" kern="1200">
+                <a:solidFill>
+                  <a:schemeClr val="accent1"/>
+                </a:solidFill>
+                <a:latin typeface="+mj-lt"/>
+                <a:ea typeface="+mj-ea"/>
+                <a:cs typeface="+mj-cs"/>
+              </a:defRPr>
+            </a:lvl1pPr>
+          </a:lstStyle>
+          <a:p>
+            <a:r>
+              <a:rPr lang="ja-JP" altLang="en-US" sz="2800" u="sng" dirty="0">
+                <a:solidFill>
+                  <a:schemeClr val="accent5">
+                    <a:lumMod val="75000"/>
+                  </a:schemeClr>
+                </a:solidFill>
+              </a:rPr>
+              <a:t>星マーク</a:t>
+            </a:r>
+            <a:r>
+              <a:rPr lang="ja-JP" altLang="en-US" sz="2800" u="sng" dirty="0"/>
+              <a:t>を押して優先表示</a:t>
+            </a:r>
+            <a:endParaRPr lang="en-US" altLang="ja-JP" sz="2800" u="sng" dirty="0"/>
+          </a:p>
+          <a:p>
+            <a:r>
+              <a:rPr lang="en-US" altLang="ja-JP" sz="2800" u="sng" dirty="0"/>
+              <a:t>(</a:t>
+            </a:r>
+            <a:r>
+              <a:rPr lang="ja-JP" altLang="en-US" sz="2800" u="sng" dirty="0"/>
+              <a:t>削除も出来なくなる</a:t>
+            </a:r>
+            <a:r>
+              <a:rPr lang="en-US" altLang="ja-JP" sz="2800" u="sng" dirty="0"/>
+              <a:t>)</a:t>
+            </a:r>
+            <a:endParaRPr lang="ja-JP" altLang="en-US" sz="2800" u="sng" dirty="0"/>
+          </a:p>
+        </p:txBody>
+      </p:sp>
+    </p:spTree>
+    <p:extLst>
+      <p:ext uri="{BB962C8B-B14F-4D97-AF65-F5344CB8AC3E}">
+        <p14:creationId xmlns:p14="http://schemas.microsoft.com/office/powerpoint/2010/main" val="3677236340"/>
+      </p:ext>
+    </p:extLst>
+  </p:cSld>
+  <p:clrMapOvr>
+    <a:masterClrMapping/>
+  </p:clrMapOvr>
+</p:sld>
+</file>
+
+<file path=ppt/slides/slide11.xml><?xml version="1.0" encoding="utf-8"?>
+<p:sld xmlns:a="http://schemas.openxmlformats.org/drawingml/2006/main" xmlns:r="http://schemas.openxmlformats.org/officeDocument/2006/relationships" xmlns:p="http://schemas.openxmlformats.org/presentationml/2006/main">
+  <p:cSld>
+    <p:spTree>
+      <p:nvGrpSpPr>
+        <p:cNvPr id="1" name=""/>
+        <p:cNvGrpSpPr/>
+        <p:nvPr/>
+      </p:nvGrpSpPr>
+      <p:grpSpPr>
+        <a:xfrm>
+          <a:off x="0" y="0"/>
+          <a:ext cx="0" cy="0"/>
+          <a:chOff x="0" y="0"/>
+          <a:chExt cx="0" cy="0"/>
+        </a:xfrm>
+      </p:grpSpPr>
+      <p:sp>
+        <p:nvSpPr>
+          <p:cNvPr id="2" name="タイトル 1">
+            <a:extLst>
+              <a:ext uri="{FF2B5EF4-FFF2-40B4-BE49-F238E27FC236}">
+                <a16:creationId xmlns:a16="http://schemas.microsoft.com/office/drawing/2014/main" id="{A996ACE9-D22A-8186-827D-67A3A7AF2D95}"/>
+              </a:ext>
+            </a:extLst>
+          </p:cNvPr>
+          <p:cNvSpPr>
+            <a:spLocks noGrp="1"/>
+          </p:cNvSpPr>
+          <p:nvPr>
+            <p:ph type="title"/>
+          </p:nvPr>
+        </p:nvSpPr>
+        <p:spPr/>
+        <p:txBody>
+          <a:bodyPr/>
+          <a:lstStyle/>
+          <a:p>
+            <a:endParaRPr kumimoji="1" lang="ja-JP" altLang="en-US" dirty="0"/>
+          </a:p>
+        </p:txBody>
+      </p:sp>
+    </p:spTree>
+    <p:extLst>
+      <p:ext uri="{BB962C8B-B14F-4D97-AF65-F5344CB8AC3E}">
+        <p14:creationId xmlns:p14="http://schemas.microsoft.com/office/powerpoint/2010/main" val="386587203"/>
+      </p:ext>
+    </p:extLst>
+  </p:cSld>
+  <p:clrMapOvr>
+    <a:masterClrMapping/>
+  </p:clrMapOvr>
+</p:sld>
+</file>
+
 <file path=ppt/slides/slide2.xml><?xml version="1.0" encoding="utf-8"?>
 <p:sld xmlns:a="http://schemas.openxmlformats.org/drawingml/2006/main" xmlns:r="http://schemas.openxmlformats.org/officeDocument/2006/relationships" xmlns:p="http://schemas.openxmlformats.org/presentationml/2006/main">
   <p:cSld>
@@ -3780,11 +4040,13 @@
           </a:xfrm>
         </p:spPr>
         <p:txBody>
-          <a:bodyPr/>
+          <a:bodyPr>
+            <a:normAutofit/>
+          </a:bodyPr>
           <a:lstStyle/>
           <a:p>
             <a:r>
-              <a:rPr kumimoji="1" lang="ja-JP" altLang="en-US" u="sng" dirty="0"/>
+              <a:rPr kumimoji="1" lang="ja-JP" altLang="en-US" sz="4000" u="sng" dirty="0"/>
               <a:t>作ったもの</a:t>
             </a:r>
           </a:p>
@@ -3806,7 +4068,7 @@
         </p:nvSpPr>
         <p:spPr>
           <a:xfrm>
-            <a:off x="461554" y="1746069"/>
+            <a:off x="679268" y="1214845"/>
             <a:ext cx="9875520" cy="1356360"/>
           </a:xfrm>
           <a:prstGeom prst="rect">
@@ -3838,9 +4100,123 @@
           </a:lstStyle>
           <a:p>
             <a:r>
-              <a:rPr lang="ja-JP" altLang="en-US" sz="3600" dirty="0"/>
+              <a:rPr lang="ja-JP" altLang="en-US" sz="3200" dirty="0"/>
               <a:t>・普通のタスク管理アプリ</a:t>
             </a:r>
+            <a:endParaRPr lang="en-US" altLang="ja-JP" sz="3200" dirty="0"/>
+          </a:p>
+        </p:txBody>
+      </p:sp>
+      <p:sp>
+        <p:nvSpPr>
+          <p:cNvPr id="6" name="タイトル 1">
+            <a:extLst>
+              <a:ext uri="{FF2B5EF4-FFF2-40B4-BE49-F238E27FC236}">
+                <a16:creationId xmlns:a16="http://schemas.microsoft.com/office/drawing/2014/main" id="{94A70E08-1D89-0EC9-A481-7BFC7542AF40}"/>
+              </a:ext>
+            </a:extLst>
+          </p:cNvPr>
+          <p:cNvSpPr txBox="1">
+            <a:spLocks/>
+          </p:cNvSpPr>
+          <p:nvPr/>
+        </p:nvSpPr>
+        <p:spPr>
+          <a:xfrm>
+            <a:off x="461554" y="2701834"/>
+            <a:ext cx="8334103" cy="1066800"/>
+          </a:xfrm>
+          <a:prstGeom prst="rect">
+            <a:avLst/>
+          </a:prstGeom>
+        </p:spPr>
+        <p:txBody>
+          <a:bodyPr vert="horz" lIns="91440" tIns="45720" rIns="91440" bIns="45720" rtlCol="0" anchor="ctr">
+            <a:normAutofit/>
+          </a:bodyPr>
+          <a:lstStyle>
+            <a:lvl1pPr algn="l" defTabSz="914400" rtl="0" eaLnBrk="1" latinLnBrk="0" hangingPunct="1">
+              <a:lnSpc>
+                <a:spcPct val="90000"/>
+              </a:lnSpc>
+              <a:spcBef>
+                <a:spcPct val="0"/>
+              </a:spcBef>
+              <a:buNone/>
+              <a:defRPr kumimoji="1" sz="4400" kern="1200">
+                <a:solidFill>
+                  <a:schemeClr val="accent1"/>
+                </a:solidFill>
+                <a:latin typeface="+mj-lt"/>
+                <a:ea typeface="+mj-ea"/>
+                <a:cs typeface="+mj-cs"/>
+              </a:defRPr>
+            </a:lvl1pPr>
+          </a:lstStyle>
+          <a:p>
+            <a:r>
+              <a:rPr lang="ja-JP" altLang="en-US" sz="4000" u="sng" dirty="0"/>
+              <a:t>使用言語など</a:t>
+            </a:r>
+          </a:p>
+        </p:txBody>
+      </p:sp>
+      <p:sp>
+        <p:nvSpPr>
+          <p:cNvPr id="7" name="タイトル 1">
+            <a:extLst>
+              <a:ext uri="{FF2B5EF4-FFF2-40B4-BE49-F238E27FC236}">
+                <a16:creationId xmlns:a16="http://schemas.microsoft.com/office/drawing/2014/main" id="{C0D1FF66-B9A3-6E59-E6DF-1B0FFE2158D5}"/>
+              </a:ext>
+            </a:extLst>
+          </p:cNvPr>
+          <p:cNvSpPr txBox="1">
+            <a:spLocks/>
+          </p:cNvSpPr>
+          <p:nvPr/>
+        </p:nvSpPr>
+        <p:spPr>
+          <a:xfrm>
+            <a:off x="679268" y="3608616"/>
+            <a:ext cx="9875520" cy="1356360"/>
+          </a:xfrm>
+          <a:prstGeom prst="rect">
+            <a:avLst/>
+          </a:prstGeom>
+        </p:spPr>
+        <p:txBody>
+          <a:bodyPr vert="horz" lIns="91440" tIns="45720" rIns="91440" bIns="45720" rtlCol="0" anchor="ctr">
+            <a:normAutofit/>
+          </a:bodyPr>
+          <a:lstStyle>
+            <a:lvl1pPr algn="l" defTabSz="914400" rtl="0" eaLnBrk="1" latinLnBrk="0" hangingPunct="1">
+              <a:lnSpc>
+                <a:spcPct val="90000"/>
+              </a:lnSpc>
+              <a:spcBef>
+                <a:spcPct val="0"/>
+              </a:spcBef>
+              <a:buNone/>
+              <a:defRPr kumimoji="1" sz="4400" kern="1200">
+                <a:solidFill>
+                  <a:schemeClr val="accent1"/>
+                </a:solidFill>
+                <a:latin typeface="+mj-lt"/>
+                <a:ea typeface="+mj-ea"/>
+                <a:cs typeface="+mj-cs"/>
+              </a:defRPr>
+            </a:lvl1pPr>
+          </a:lstStyle>
+          <a:p>
+            <a:r>
+              <a:rPr lang="ja-JP" altLang="en-US" sz="3200" dirty="0"/>
+              <a:t>・</a:t>
+            </a:r>
+            <a:r>
+              <a:rPr lang="en-US" altLang="ja-JP" sz="3200"/>
+              <a:t>Flutter</a:t>
+            </a:r>
+            <a:endParaRPr lang="en-US" altLang="ja-JP" sz="3200" dirty="0"/>
           </a:p>
         </p:txBody>
       </p:sp>
@@ -3876,10 +4252,10 @@
       </p:grpSpPr>
       <p:sp>
         <p:nvSpPr>
-          <p:cNvPr id="2" name="タイトル 1">
+          <p:cNvPr id="3" name="タイトル 1">
             <a:extLst>
               <a:ext uri="{FF2B5EF4-FFF2-40B4-BE49-F238E27FC236}">
-                <a16:creationId xmlns:a16="http://schemas.microsoft.com/office/drawing/2014/main" id="{0A900DBA-669B-0D14-3424-605796796650}"/>
+                <a16:creationId xmlns:a16="http://schemas.microsoft.com/office/drawing/2014/main" id="{9777675F-1B3D-F4C6-36E3-363616850121}"/>
               </a:ext>
             </a:extLst>
           </p:cNvPr>
@@ -3892,7 +4268,7 @@
         </p:nvSpPr>
         <p:spPr>
           <a:xfrm>
-            <a:off x="457201" y="193767"/>
+            <a:off x="461554" y="217714"/>
             <a:ext cx="9875520" cy="1356360"/>
           </a:xfrm>
         </p:spPr>
@@ -3901,10 +4277,9 @@
           <a:lstStyle/>
           <a:p>
             <a:r>
-              <a:rPr lang="ja-JP" altLang="en-US" u="sng" dirty="0"/>
-              <a:t>機能</a:t>
-            </a:r>
-            <a:endParaRPr kumimoji="1" lang="ja-JP" altLang="en-US" u="sng" dirty="0"/>
+              <a:rPr kumimoji="1" lang="ja-JP" altLang="en-US" u="sng" dirty="0"/>
+              <a:t>なぜ作ったか</a:t>
+            </a:r>
           </a:p>
         </p:txBody>
       </p:sp>
@@ -3913,7 +4288,7 @@
           <p:cNvPr id="4" name="タイトル 1">
             <a:extLst>
               <a:ext uri="{FF2B5EF4-FFF2-40B4-BE49-F238E27FC236}">
-                <a16:creationId xmlns:a16="http://schemas.microsoft.com/office/drawing/2014/main" id="{196AE599-76A9-7A48-B86D-561024E04097}"/>
+                <a16:creationId xmlns:a16="http://schemas.microsoft.com/office/drawing/2014/main" id="{A6A8C24C-2EBC-C694-658A-97FE82A9A3FB}"/>
               </a:ext>
             </a:extLst>
           </p:cNvPr>
@@ -3924,8 +4299,8 @@
         </p:nvSpPr>
         <p:spPr>
           <a:xfrm>
-            <a:off x="620487" y="1594757"/>
-            <a:ext cx="9875520" cy="3668485"/>
+            <a:off x="461554" y="2140131"/>
+            <a:ext cx="10674532" cy="1713412"/>
           </a:xfrm>
           <a:prstGeom prst="rect">
             <a:avLst/>
@@ -3955,50 +4330,28 @@
             </a:lvl1pPr>
           </a:lstStyle>
           <a:p>
-            <a:pPr>
-              <a:lnSpc>
-                <a:spcPct val="160000"/>
-              </a:lnSpc>
-            </a:pPr>
-            <a:r>
-              <a:rPr lang="ja-JP" altLang="en-US" sz="3900" dirty="0"/>
-              <a:t>・タスクの登録</a:t>
-            </a:r>
-            <a:endParaRPr lang="en-US" altLang="ja-JP" sz="3900" dirty="0"/>
-          </a:p>
-          <a:p>
-            <a:pPr>
-              <a:lnSpc>
-                <a:spcPct val="160000"/>
-              </a:lnSpc>
-            </a:pPr>
-            <a:r>
-              <a:rPr lang="ja-JP" altLang="en-US" sz="3900" dirty="0"/>
-              <a:t>・タスクの削除</a:t>
-            </a:r>
-            <a:endParaRPr lang="en-US" altLang="ja-JP" sz="3900" dirty="0"/>
-          </a:p>
-          <a:p>
-            <a:pPr>
-              <a:lnSpc>
-                <a:spcPct val="160000"/>
-              </a:lnSpc>
-            </a:pPr>
-            <a:r>
-              <a:rPr lang="ja-JP" altLang="en-US" sz="3900" dirty="0"/>
-              <a:t>・タスク検索</a:t>
-            </a:r>
-            <a:endParaRPr lang="en-US" altLang="ja-JP" sz="3900" dirty="0"/>
-          </a:p>
-          <a:p>
-            <a:endParaRPr lang="ja-JP" altLang="en-US" u="sng" dirty="0"/>
+            <a:r>
+              <a:rPr lang="ja-JP" altLang="en-US" sz="3600" dirty="0"/>
+              <a:t>・作りやすそうだったから</a:t>
+            </a:r>
+            <a:endParaRPr lang="en-US" altLang="ja-JP" sz="3600" dirty="0"/>
+          </a:p>
+          <a:p>
+            <a:endParaRPr lang="en-US" altLang="ja-JP" sz="3600" dirty="0"/>
+          </a:p>
+          <a:p>
+            <a:r>
+              <a:rPr lang="ja-JP" altLang="en-US" sz="3600" dirty="0"/>
+              <a:t>・自分が忘れっぽいから</a:t>
+            </a:r>
+            <a:endParaRPr lang="en-US" altLang="ja-JP" sz="3600" dirty="0"/>
           </a:p>
         </p:txBody>
       </p:sp>
     </p:spTree>
     <p:extLst>
       <p:ext uri="{BB962C8B-B14F-4D97-AF65-F5344CB8AC3E}">
-        <p14:creationId xmlns:p14="http://schemas.microsoft.com/office/powerpoint/2010/main" val="4089234241"/>
+        <p14:creationId xmlns:p14="http://schemas.microsoft.com/office/powerpoint/2010/main" val="3412505823"/>
       </p:ext>
     </p:extLst>
   </p:cSld>
@@ -4030,6 +4383,157 @@
           <p:cNvPr id="2" name="タイトル 1">
             <a:extLst>
               <a:ext uri="{FF2B5EF4-FFF2-40B4-BE49-F238E27FC236}">
+                <a16:creationId xmlns:a16="http://schemas.microsoft.com/office/drawing/2014/main" id="{0A900DBA-669B-0D14-3424-605796796650}"/>
+              </a:ext>
+            </a:extLst>
+          </p:cNvPr>
+          <p:cNvSpPr>
+            <a:spLocks noGrp="1"/>
+          </p:cNvSpPr>
+          <p:nvPr>
+            <p:ph type="title"/>
+          </p:nvPr>
+        </p:nvSpPr>
+        <p:spPr>
+          <a:xfrm>
+            <a:off x="457201" y="193767"/>
+            <a:ext cx="9875520" cy="1356360"/>
+          </a:xfrm>
+        </p:spPr>
+        <p:txBody>
+          <a:bodyPr/>
+          <a:lstStyle/>
+          <a:p>
+            <a:r>
+              <a:rPr lang="ja-JP" altLang="en-US" u="sng" dirty="0"/>
+              <a:t>機能</a:t>
+            </a:r>
+            <a:endParaRPr kumimoji="1" lang="ja-JP" altLang="en-US" u="sng" dirty="0"/>
+          </a:p>
+        </p:txBody>
+      </p:sp>
+      <p:sp>
+        <p:nvSpPr>
+          <p:cNvPr id="4" name="タイトル 1">
+            <a:extLst>
+              <a:ext uri="{FF2B5EF4-FFF2-40B4-BE49-F238E27FC236}">
+                <a16:creationId xmlns:a16="http://schemas.microsoft.com/office/drawing/2014/main" id="{196AE599-76A9-7A48-B86D-561024E04097}"/>
+              </a:ext>
+            </a:extLst>
+          </p:cNvPr>
+          <p:cNvSpPr txBox="1">
+            <a:spLocks/>
+          </p:cNvSpPr>
+          <p:nvPr/>
+        </p:nvSpPr>
+        <p:spPr>
+          <a:xfrm>
+            <a:off x="620487" y="1594757"/>
+            <a:ext cx="9875520" cy="3668485"/>
+          </a:xfrm>
+          <a:prstGeom prst="rect">
+            <a:avLst/>
+          </a:prstGeom>
+        </p:spPr>
+        <p:txBody>
+          <a:bodyPr vert="horz" lIns="91440" tIns="45720" rIns="91440" bIns="45720" rtlCol="0" anchor="ctr">
+            <a:normAutofit/>
+          </a:bodyPr>
+          <a:lstStyle>
+            <a:lvl1pPr algn="l" defTabSz="914400" rtl="0" eaLnBrk="1" latinLnBrk="0" hangingPunct="1">
+              <a:lnSpc>
+                <a:spcPct val="90000"/>
+              </a:lnSpc>
+              <a:spcBef>
+                <a:spcPct val="0"/>
+              </a:spcBef>
+              <a:buNone/>
+              <a:defRPr kumimoji="1" sz="4400" kern="1200">
+                <a:solidFill>
+                  <a:schemeClr val="accent1"/>
+                </a:solidFill>
+                <a:latin typeface="+mj-lt"/>
+                <a:ea typeface="+mj-ea"/>
+                <a:cs typeface="+mj-cs"/>
+              </a:defRPr>
+            </a:lvl1pPr>
+          </a:lstStyle>
+          <a:p>
+            <a:pPr>
+              <a:lnSpc>
+                <a:spcPct val="160000"/>
+              </a:lnSpc>
+            </a:pPr>
+            <a:r>
+              <a:rPr lang="ja-JP" altLang="en-US" sz="3900" dirty="0"/>
+              <a:t>・タスクの登録</a:t>
+            </a:r>
+            <a:endParaRPr lang="en-US" altLang="ja-JP" sz="3900" dirty="0"/>
+          </a:p>
+          <a:p>
+            <a:pPr>
+              <a:lnSpc>
+                <a:spcPct val="160000"/>
+              </a:lnSpc>
+            </a:pPr>
+            <a:r>
+              <a:rPr lang="ja-JP" altLang="en-US" sz="3900" dirty="0"/>
+              <a:t>・タスクの削除</a:t>
+            </a:r>
+            <a:endParaRPr lang="en-US" altLang="ja-JP" sz="3900" dirty="0"/>
+          </a:p>
+          <a:p>
+            <a:pPr>
+              <a:lnSpc>
+                <a:spcPct val="160000"/>
+              </a:lnSpc>
+            </a:pPr>
+            <a:r>
+              <a:rPr lang="ja-JP" altLang="en-US" sz="3900" dirty="0"/>
+              <a:t>・タスク検索</a:t>
+            </a:r>
+            <a:endParaRPr lang="en-US" altLang="ja-JP" sz="3900" dirty="0"/>
+          </a:p>
+          <a:p>
+            <a:endParaRPr lang="ja-JP" altLang="en-US" u="sng" dirty="0"/>
+          </a:p>
+        </p:txBody>
+      </p:sp>
+    </p:spTree>
+    <p:extLst>
+      <p:ext uri="{BB962C8B-B14F-4D97-AF65-F5344CB8AC3E}">
+        <p14:creationId xmlns:p14="http://schemas.microsoft.com/office/powerpoint/2010/main" val="4089234241"/>
+      </p:ext>
+    </p:extLst>
+  </p:cSld>
+  <p:clrMapOvr>
+    <a:masterClrMapping/>
+  </p:clrMapOvr>
+</p:sld>
+</file>
+
+<file path=ppt/slides/slide5.xml><?xml version="1.0" encoding="utf-8"?>
+<p:sld xmlns:a="http://schemas.openxmlformats.org/drawingml/2006/main" xmlns:r="http://schemas.openxmlformats.org/officeDocument/2006/relationships" xmlns:p="http://schemas.openxmlformats.org/presentationml/2006/main">
+  <p:cSld>
+    <p:spTree>
+      <p:nvGrpSpPr>
+        <p:cNvPr id="1" name=""/>
+        <p:cNvGrpSpPr/>
+        <p:nvPr/>
+      </p:nvGrpSpPr>
+      <p:grpSpPr>
+        <a:xfrm>
+          <a:off x="0" y="0"/>
+          <a:ext cx="0" cy="0"/>
+          <a:chOff x="0" y="0"/>
+          <a:chExt cx="0" cy="0"/>
+        </a:xfrm>
+      </p:grpSpPr>
+      <p:sp>
+        <p:nvSpPr>
+          <p:cNvPr id="2" name="タイトル 1">
+            <a:extLst>
+              <a:ext uri="{FF2B5EF4-FFF2-40B4-BE49-F238E27FC236}">
                 <a16:creationId xmlns:a16="http://schemas.microsoft.com/office/drawing/2014/main" id="{E5A636F5-C27B-2B4A-F1E6-B1BD0F731972}"/>
               </a:ext>
             </a:extLst>
@@ -4041,12 +4545,108 @@
             <p:ph type="title"/>
           </p:nvPr>
         </p:nvSpPr>
-        <p:spPr/>
+        <p:spPr>
+          <a:xfrm>
+            <a:off x="544286" y="315685"/>
+            <a:ext cx="4615543" cy="1240971"/>
+          </a:xfrm>
+        </p:spPr>
         <p:txBody>
           <a:bodyPr/>
           <a:lstStyle/>
           <a:p>
-            <a:endParaRPr kumimoji="1" lang="ja-JP" altLang="en-US"/>
+            <a:r>
+              <a:rPr kumimoji="1" lang="ja-JP" altLang="en-US" u="sng" dirty="0"/>
+              <a:t>タスクの登録</a:t>
+            </a:r>
+          </a:p>
+        </p:txBody>
+      </p:sp>
+      <p:sp>
+        <p:nvSpPr>
+          <p:cNvPr id="3" name="タイトル 1">
+            <a:extLst>
+              <a:ext uri="{FF2B5EF4-FFF2-40B4-BE49-F238E27FC236}">
+                <a16:creationId xmlns:a16="http://schemas.microsoft.com/office/drawing/2014/main" id="{49690193-BC1D-DBF9-88AB-DF56B7553043}"/>
+              </a:ext>
+            </a:extLst>
+          </p:cNvPr>
+          <p:cNvSpPr txBox="1">
+            <a:spLocks/>
+          </p:cNvSpPr>
+          <p:nvPr/>
+        </p:nvSpPr>
+        <p:spPr>
+          <a:xfrm>
+            <a:off x="461554" y="1746069"/>
+            <a:ext cx="9875520" cy="1356360"/>
+          </a:xfrm>
+          <a:prstGeom prst="rect">
+            <a:avLst/>
+          </a:prstGeom>
+        </p:spPr>
+        <p:txBody>
+          <a:bodyPr vert="horz" lIns="91440" tIns="45720" rIns="91440" bIns="45720" rtlCol="0" anchor="ctr">
+            <a:normAutofit fontScale="92500" lnSpcReduction="10000"/>
+          </a:bodyPr>
+          <a:lstStyle>
+            <a:lvl1pPr algn="l" defTabSz="914400" rtl="0" eaLnBrk="1" latinLnBrk="0" hangingPunct="1">
+              <a:lnSpc>
+                <a:spcPct val="90000"/>
+              </a:lnSpc>
+              <a:spcBef>
+                <a:spcPct val="0"/>
+              </a:spcBef>
+              <a:buNone/>
+              <a:defRPr kumimoji="1" sz="4400" kern="1200">
+                <a:solidFill>
+                  <a:schemeClr val="accent1"/>
+                </a:solidFill>
+                <a:latin typeface="+mj-lt"/>
+                <a:ea typeface="+mj-ea"/>
+                <a:cs typeface="+mj-cs"/>
+              </a:defRPr>
+            </a:lvl1pPr>
+          </a:lstStyle>
+          <a:p>
+            <a:r>
+              <a:rPr lang="ja-JP" altLang="en-US" sz="3600" dirty="0"/>
+              <a:t>・タスク名とタスク内容の登録</a:t>
+            </a:r>
+            <a:r>
+              <a:rPr lang="en-US" altLang="ja-JP" sz="3600" dirty="0"/>
+              <a:t>(</a:t>
+            </a:r>
+            <a:r>
+              <a:rPr lang="ja-JP" altLang="en-US" sz="3600" dirty="0"/>
+              <a:t>必須</a:t>
+            </a:r>
+            <a:r>
+              <a:rPr lang="en-US" altLang="ja-JP" sz="3600" dirty="0"/>
+              <a:t>)</a:t>
+            </a:r>
+          </a:p>
+          <a:p>
+            <a:endParaRPr lang="en-US" altLang="ja-JP" sz="3600" dirty="0"/>
+          </a:p>
+          <a:p>
+            <a:r>
+              <a:rPr lang="ja-JP" altLang="en-US" sz="3600" dirty="0"/>
+              <a:t>・締め切り日時の設定</a:t>
+            </a:r>
+            <a:r>
+              <a:rPr lang="en-US" altLang="ja-JP" sz="3600" dirty="0"/>
+              <a:t>(</a:t>
+            </a:r>
+            <a:r>
+              <a:rPr lang="ja-JP" altLang="en-US" sz="3600" dirty="0"/>
+              <a:t>任意</a:t>
+            </a:r>
+            <a:r>
+              <a:rPr lang="en-US" altLang="ja-JP" sz="3600" dirty="0"/>
+              <a:t>)</a:t>
+            </a:r>
+            <a:endParaRPr lang="ja-JP" altLang="en-US" sz="3600" dirty="0"/>
           </a:p>
         </p:txBody>
       </p:sp>
@@ -4063,7 +4663,7 @@
 </p:sld>
 </file>
 
-<file path=ppt/slides/slide5.xml><?xml version="1.0" encoding="utf-8"?>
+<file path=ppt/slides/slide6.xml><?xml version="1.0" encoding="utf-8"?>
 <p:sld xmlns:a="http://schemas.openxmlformats.org/drawingml/2006/main" xmlns:r="http://schemas.openxmlformats.org/officeDocument/2006/relationships" xmlns:p="http://schemas.openxmlformats.org/presentationml/2006/main">
   <p:cSld>
     <p:spTree>
@@ -4088,10 +4688,10 @@
       </p:grpSpPr>
       <p:sp>
         <p:nvSpPr>
-          <p:cNvPr id="2" name="タイトル 1">
+          <p:cNvPr id="3" name="タイトル 1">
             <a:extLst>
               <a:ext uri="{FF2B5EF4-FFF2-40B4-BE49-F238E27FC236}">
-                <a16:creationId xmlns:a16="http://schemas.microsoft.com/office/drawing/2014/main" id="{CBE79F52-65A2-BC3D-E511-78F3332DE035}"/>
+                <a16:creationId xmlns:a16="http://schemas.microsoft.com/office/drawing/2014/main" id="{A2B546B6-E571-F42E-4B1C-630C823998FC}"/>
               </a:ext>
             </a:extLst>
           </p:cNvPr>
@@ -4102,12 +4702,250 @@
             <p:ph type="title"/>
           </p:nvPr>
         </p:nvSpPr>
-        <p:spPr/>
-        <p:txBody>
-          <a:bodyPr/>
+        <p:spPr>
+          <a:xfrm>
+            <a:off x="283029" y="315685"/>
+            <a:ext cx="2481943" cy="685800"/>
+          </a:xfrm>
+        </p:spPr>
+        <p:txBody>
+          <a:bodyPr>
+            <a:normAutofit/>
+          </a:bodyPr>
           <a:lstStyle/>
           <a:p>
-            <a:endParaRPr kumimoji="1" lang="ja-JP" altLang="en-US"/>
+            <a:r>
+              <a:rPr kumimoji="1" lang="ja-JP" altLang="en-US" sz="2800" u="sng" dirty="0"/>
+              <a:t>タスクの登録</a:t>
+            </a:r>
+          </a:p>
+        </p:txBody>
+      </p:sp>
+      <p:pic>
+        <p:nvPicPr>
+          <p:cNvPr id="5" name="図 4" descr="グラフィカル ユーザー インターフェイス, テキスト, アプリケーション&#10;&#10;AI 生成コンテンツは誤りを含む可能性があります。">
+            <a:extLst>
+              <a:ext uri="{FF2B5EF4-FFF2-40B4-BE49-F238E27FC236}">
+                <a16:creationId xmlns:a16="http://schemas.microsoft.com/office/drawing/2014/main" id="{204E3233-95D7-9731-3669-3EF120790B40}"/>
+              </a:ext>
+            </a:extLst>
+          </p:cNvPr>
+          <p:cNvPicPr>
+            <a:picLocks noChangeAspect="1"/>
+          </p:cNvPicPr>
+          <p:nvPr/>
+        </p:nvPicPr>
+        <p:blipFill>
+          <a:blip r:embed="rId2">
+            <a:extLst>
+              <a:ext uri="{28A0092B-C50C-407E-A947-70E740481C1C}">
+                <a14:useLocalDpi xmlns:a14="http://schemas.microsoft.com/office/drawing/2010/main" val="0"/>
+              </a:ext>
+            </a:extLst>
+          </a:blip>
+          <a:stretch>
+            <a:fillRect/>
+          </a:stretch>
+        </p:blipFill>
+        <p:spPr>
+          <a:xfrm>
+            <a:off x="3200401" y="658585"/>
+            <a:ext cx="2656966" cy="5906304"/>
+          </a:xfrm>
+          <a:prstGeom prst="rect">
+            <a:avLst/>
+          </a:prstGeom>
+        </p:spPr>
+      </p:pic>
+      <p:pic>
+        <p:nvPicPr>
+          <p:cNvPr id="7" name="図 6" descr="カレンダー&#10;&#10;AI 生成コンテンツは誤りを含む可能性があります。">
+            <a:extLst>
+              <a:ext uri="{FF2B5EF4-FFF2-40B4-BE49-F238E27FC236}">
+                <a16:creationId xmlns:a16="http://schemas.microsoft.com/office/drawing/2014/main" id="{6680C742-0C29-CBC1-24F9-95B0B6782744}"/>
+              </a:ext>
+            </a:extLst>
+          </p:cNvPr>
+          <p:cNvPicPr>
+            <a:picLocks noChangeAspect="1"/>
+          </p:cNvPicPr>
+          <p:nvPr/>
+        </p:nvPicPr>
+        <p:blipFill>
+          <a:blip r:embed="rId3">
+            <a:extLst>
+              <a:ext uri="{28A0092B-C50C-407E-A947-70E740481C1C}">
+                <a14:useLocalDpi xmlns:a14="http://schemas.microsoft.com/office/drawing/2010/main" val="0"/>
+              </a:ext>
+            </a:extLst>
+          </a:blip>
+          <a:stretch>
+            <a:fillRect/>
+          </a:stretch>
+        </p:blipFill>
+        <p:spPr>
+          <a:xfrm>
+            <a:off x="6560006" y="658583"/>
+            <a:ext cx="2656966" cy="5906306"/>
+          </a:xfrm>
+          <a:prstGeom prst="rect">
+            <a:avLst/>
+          </a:prstGeom>
+        </p:spPr>
+      </p:pic>
+      <p:sp>
+        <p:nvSpPr>
+          <p:cNvPr id="10" name="タイトル 1">
+            <a:extLst>
+              <a:ext uri="{FF2B5EF4-FFF2-40B4-BE49-F238E27FC236}">
+                <a16:creationId xmlns:a16="http://schemas.microsoft.com/office/drawing/2014/main" id="{181DD17E-9949-CFFF-17B8-3445550D3CC7}"/>
+              </a:ext>
+            </a:extLst>
+          </p:cNvPr>
+          <p:cNvSpPr txBox="1">
+            <a:spLocks/>
+          </p:cNvSpPr>
+          <p:nvPr/>
+        </p:nvSpPr>
+        <p:spPr>
+          <a:xfrm>
+            <a:off x="9216972" y="2748643"/>
+            <a:ext cx="2688772" cy="952500"/>
+          </a:xfrm>
+          <a:prstGeom prst="rect">
+            <a:avLst/>
+          </a:prstGeom>
+        </p:spPr>
+        <p:txBody>
+          <a:bodyPr vert="horz" lIns="91440" tIns="45720" rIns="91440" bIns="45720" rtlCol="0" anchor="ctr">
+            <a:normAutofit/>
+          </a:bodyPr>
+          <a:lstStyle>
+            <a:lvl1pPr algn="l" defTabSz="914400" rtl="0" eaLnBrk="1" latinLnBrk="0" hangingPunct="1">
+              <a:lnSpc>
+                <a:spcPct val="90000"/>
+              </a:lnSpc>
+              <a:spcBef>
+                <a:spcPct val="0"/>
+              </a:spcBef>
+              <a:buNone/>
+              <a:defRPr kumimoji="1" sz="4400" kern="1200">
+                <a:solidFill>
+                  <a:schemeClr val="accent1"/>
+                </a:solidFill>
+                <a:latin typeface="+mj-lt"/>
+                <a:ea typeface="+mj-ea"/>
+                <a:cs typeface="+mj-cs"/>
+              </a:defRPr>
+            </a:lvl1pPr>
+          </a:lstStyle>
+          <a:p>
+            <a:r>
+              <a:rPr lang="ja-JP" altLang="en-US" sz="2800" u="sng" dirty="0"/>
+              <a:t>締め切り日登録</a:t>
+            </a:r>
+            <a:endParaRPr lang="en-US" altLang="ja-JP" sz="2800" u="sng" dirty="0"/>
+          </a:p>
+          <a:p>
+            <a:r>
+              <a:rPr lang="en-US" altLang="ja-JP" sz="2800" u="sng" dirty="0"/>
+              <a:t>(</a:t>
+            </a:r>
+            <a:r>
+              <a:rPr lang="ja-JP" altLang="en-US" sz="2800" u="sng" dirty="0"/>
+              <a:t>年</a:t>
+            </a:r>
+            <a:r>
+              <a:rPr lang="en-US" altLang="ja-JP" sz="2800" u="sng" dirty="0"/>
+              <a:t>,</a:t>
+            </a:r>
+            <a:r>
+              <a:rPr lang="ja-JP" altLang="en-US" sz="2800" u="sng" dirty="0"/>
+              <a:t>月</a:t>
+            </a:r>
+            <a:r>
+              <a:rPr lang="en-US" altLang="ja-JP" sz="2800" u="sng" dirty="0"/>
+              <a:t>,</a:t>
+            </a:r>
+            <a:r>
+              <a:rPr lang="ja-JP" altLang="en-US" sz="2800" u="sng" dirty="0"/>
+              <a:t>日</a:t>
+            </a:r>
+            <a:r>
+              <a:rPr lang="en-US" altLang="ja-JP" sz="2800" u="sng" dirty="0"/>
+              <a:t>,</a:t>
+            </a:r>
+            <a:r>
+              <a:rPr lang="ja-JP" altLang="en-US" sz="2800" u="sng" dirty="0"/>
+              <a:t>時</a:t>
+            </a:r>
+            <a:r>
+              <a:rPr lang="en-US" altLang="ja-JP" sz="2800" u="sng" dirty="0"/>
+              <a:t>,</a:t>
+            </a:r>
+            <a:r>
+              <a:rPr lang="ja-JP" altLang="en-US" sz="2800" u="sng" dirty="0"/>
+              <a:t>分</a:t>
+            </a:r>
+            <a:r>
+              <a:rPr lang="en-US" altLang="ja-JP" sz="2800" u="sng" dirty="0"/>
+              <a:t>)</a:t>
+            </a:r>
+            <a:endParaRPr lang="ja-JP" altLang="en-US" sz="2800" u="sng" dirty="0"/>
+          </a:p>
+        </p:txBody>
+      </p:sp>
+      <p:sp>
+        <p:nvSpPr>
+          <p:cNvPr id="11" name="タイトル 1">
+            <a:extLst>
+              <a:ext uri="{FF2B5EF4-FFF2-40B4-BE49-F238E27FC236}">
+                <a16:creationId xmlns:a16="http://schemas.microsoft.com/office/drawing/2014/main" id="{966A55EE-C631-7A6E-E538-8D9466CB4888}"/>
+              </a:ext>
+            </a:extLst>
+          </p:cNvPr>
+          <p:cNvSpPr txBox="1">
+            <a:spLocks/>
+          </p:cNvSpPr>
+          <p:nvPr/>
+        </p:nvSpPr>
+        <p:spPr>
+          <a:xfrm>
+            <a:off x="1360715" y="2748643"/>
+            <a:ext cx="2079171" cy="685800"/>
+          </a:xfrm>
+          <a:prstGeom prst="rect">
+            <a:avLst/>
+          </a:prstGeom>
+        </p:spPr>
+        <p:txBody>
+          <a:bodyPr vert="horz" lIns="91440" tIns="45720" rIns="91440" bIns="45720" rtlCol="0" anchor="ctr">
+            <a:normAutofit/>
+          </a:bodyPr>
+          <a:lstStyle>
+            <a:lvl1pPr algn="l" defTabSz="914400" rtl="0" eaLnBrk="1" latinLnBrk="0" hangingPunct="1">
+              <a:lnSpc>
+                <a:spcPct val="90000"/>
+              </a:lnSpc>
+              <a:spcBef>
+                <a:spcPct val="0"/>
+              </a:spcBef>
+              <a:buNone/>
+              <a:defRPr kumimoji="1" sz="4400" kern="1200">
+                <a:solidFill>
+                  <a:schemeClr val="accent1"/>
+                </a:solidFill>
+                <a:latin typeface="+mj-lt"/>
+                <a:ea typeface="+mj-ea"/>
+                <a:cs typeface="+mj-cs"/>
+              </a:defRPr>
+            </a:lvl1pPr>
+          </a:lstStyle>
+          <a:p>
+            <a:r>
+              <a:rPr lang="ja-JP" altLang="en-US" sz="2800" u="sng" dirty="0"/>
+              <a:t>内容登録</a:t>
+            </a:r>
           </a:p>
         </p:txBody>
       </p:sp>
@@ -4124,7 +4962,7 @@
 </p:sld>
 </file>
 
-<file path=ppt/slides/slide6.xml><?xml version="1.0" encoding="utf-8"?>
+<file path=ppt/slides/slide7.xml><?xml version="1.0" encoding="utf-8"?>
 <p:sld xmlns:a="http://schemas.openxmlformats.org/drawingml/2006/main" xmlns:r="http://schemas.openxmlformats.org/officeDocument/2006/relationships" xmlns:p="http://schemas.openxmlformats.org/presentationml/2006/main">
   <p:cSld>
     <p:spTree>
@@ -4149,10 +4987,10 @@
       </p:grpSpPr>
       <p:sp>
         <p:nvSpPr>
-          <p:cNvPr id="2" name="タイトル 1">
+          <p:cNvPr id="3" name="タイトル 1">
             <a:extLst>
               <a:ext uri="{FF2B5EF4-FFF2-40B4-BE49-F238E27FC236}">
-                <a16:creationId xmlns:a16="http://schemas.microsoft.com/office/drawing/2014/main" id="{42ECB35A-6BB2-6F63-9777-49BCF209BFBC}"/>
+                <a16:creationId xmlns:a16="http://schemas.microsoft.com/office/drawing/2014/main" id="{8C382B5F-37FC-9519-F788-B1D02E7AE73E}"/>
               </a:ext>
             </a:extLst>
           </p:cNvPr>
@@ -4163,19 +5001,640 @@
             <p:ph type="title"/>
           </p:nvPr>
         </p:nvSpPr>
-        <p:spPr/>
-        <p:txBody>
-          <a:bodyPr/>
+        <p:spPr>
+          <a:xfrm>
+            <a:off x="283029" y="315685"/>
+            <a:ext cx="2481943" cy="685800"/>
+          </a:xfrm>
+        </p:spPr>
+        <p:txBody>
+          <a:bodyPr>
+            <a:normAutofit/>
+          </a:bodyPr>
           <a:lstStyle/>
           <a:p>
-            <a:endParaRPr kumimoji="1" lang="ja-JP" altLang="en-US"/>
-          </a:p>
-        </p:txBody>
-      </p:sp>
+            <a:r>
+              <a:rPr kumimoji="1" lang="ja-JP" altLang="en-US" sz="2800" u="sng" dirty="0"/>
+              <a:t>タスクの登録</a:t>
+            </a:r>
+          </a:p>
+        </p:txBody>
+      </p:sp>
+      <p:sp>
+        <p:nvSpPr>
+          <p:cNvPr id="8" name="タイトル 1">
+            <a:extLst>
+              <a:ext uri="{FF2B5EF4-FFF2-40B4-BE49-F238E27FC236}">
+                <a16:creationId xmlns:a16="http://schemas.microsoft.com/office/drawing/2014/main" id="{B4C45F1E-EB19-CA77-7A86-B461CCB3495F}"/>
+              </a:ext>
+            </a:extLst>
+          </p:cNvPr>
+          <p:cNvSpPr txBox="1">
+            <a:spLocks/>
+          </p:cNvSpPr>
+          <p:nvPr/>
+        </p:nvSpPr>
+        <p:spPr>
+          <a:xfrm>
+            <a:off x="602842" y="2742088"/>
+            <a:ext cx="2481943" cy="685800"/>
+          </a:xfrm>
+          <a:prstGeom prst="rect">
+            <a:avLst/>
+          </a:prstGeom>
+        </p:spPr>
+        <p:txBody>
+          <a:bodyPr vert="horz" lIns="91440" tIns="45720" rIns="91440" bIns="45720" rtlCol="0" anchor="ctr">
+            <a:normAutofit/>
+          </a:bodyPr>
+          <a:lstStyle>
+            <a:lvl1pPr algn="l" defTabSz="914400" rtl="0" eaLnBrk="1" latinLnBrk="0" hangingPunct="1">
+              <a:lnSpc>
+                <a:spcPct val="90000"/>
+              </a:lnSpc>
+              <a:spcBef>
+                <a:spcPct val="0"/>
+              </a:spcBef>
+              <a:buNone/>
+              <a:defRPr kumimoji="1" sz="4400" kern="1200">
+                <a:solidFill>
+                  <a:schemeClr val="accent1"/>
+                </a:solidFill>
+                <a:latin typeface="+mj-lt"/>
+                <a:ea typeface="+mj-ea"/>
+                <a:cs typeface="+mj-cs"/>
+              </a:defRPr>
+            </a:lvl1pPr>
+          </a:lstStyle>
+          <a:p>
+            <a:r>
+              <a:rPr lang="ja-JP" altLang="en-US" sz="2800" u="sng" dirty="0"/>
+              <a:t>締め切り</a:t>
+            </a:r>
+            <a:r>
+              <a:rPr lang="ja-JP" altLang="en-US" sz="2800" u="sng" dirty="0">
+                <a:solidFill>
+                  <a:schemeClr val="accent4">
+                    <a:lumMod val="75000"/>
+                  </a:schemeClr>
+                </a:solidFill>
+              </a:rPr>
+              <a:t>なし</a:t>
+            </a:r>
+          </a:p>
+        </p:txBody>
+      </p:sp>
+      <p:sp>
+        <p:nvSpPr>
+          <p:cNvPr id="9" name="タイトル 1">
+            <a:extLst>
+              <a:ext uri="{FF2B5EF4-FFF2-40B4-BE49-F238E27FC236}">
+                <a16:creationId xmlns:a16="http://schemas.microsoft.com/office/drawing/2014/main" id="{E653896E-6550-6BD1-42F7-EBD48522284A}"/>
+              </a:ext>
+            </a:extLst>
+          </p:cNvPr>
+          <p:cNvSpPr txBox="1">
+            <a:spLocks/>
+          </p:cNvSpPr>
+          <p:nvPr/>
+        </p:nvSpPr>
+        <p:spPr>
+          <a:xfrm>
+            <a:off x="9470571" y="2742088"/>
+            <a:ext cx="2481943" cy="685800"/>
+          </a:xfrm>
+          <a:prstGeom prst="rect">
+            <a:avLst/>
+          </a:prstGeom>
+        </p:spPr>
+        <p:txBody>
+          <a:bodyPr vert="horz" lIns="91440" tIns="45720" rIns="91440" bIns="45720" rtlCol="0" anchor="ctr">
+            <a:normAutofit/>
+          </a:bodyPr>
+          <a:lstStyle>
+            <a:lvl1pPr algn="l" defTabSz="914400" rtl="0" eaLnBrk="1" latinLnBrk="0" hangingPunct="1">
+              <a:lnSpc>
+                <a:spcPct val="90000"/>
+              </a:lnSpc>
+              <a:spcBef>
+                <a:spcPct val="0"/>
+              </a:spcBef>
+              <a:buNone/>
+              <a:defRPr kumimoji="1" sz="4400" kern="1200">
+                <a:solidFill>
+                  <a:schemeClr val="accent1"/>
+                </a:solidFill>
+                <a:latin typeface="+mj-lt"/>
+                <a:ea typeface="+mj-ea"/>
+                <a:cs typeface="+mj-cs"/>
+              </a:defRPr>
+            </a:lvl1pPr>
+          </a:lstStyle>
+          <a:p>
+            <a:r>
+              <a:rPr lang="ja-JP" altLang="en-US" sz="2800" u="sng" dirty="0"/>
+              <a:t>締め切り</a:t>
+            </a:r>
+            <a:r>
+              <a:rPr lang="ja-JP" altLang="en-US" sz="2800" u="sng" dirty="0">
+                <a:solidFill>
+                  <a:schemeClr val="accent2">
+                    <a:lumMod val="75000"/>
+                  </a:schemeClr>
+                </a:solidFill>
+              </a:rPr>
+              <a:t>あり</a:t>
+            </a:r>
+          </a:p>
+        </p:txBody>
+      </p:sp>
+      <p:pic>
+        <p:nvPicPr>
+          <p:cNvPr id="11" name="図 10" descr="グラフィカル ユーザー インターフェイス, テキスト, アプリケーション&#10;&#10;AI 生成コンテンツは誤りを含む可能性があります。">
+            <a:extLst>
+              <a:ext uri="{FF2B5EF4-FFF2-40B4-BE49-F238E27FC236}">
+                <a16:creationId xmlns:a16="http://schemas.microsoft.com/office/drawing/2014/main" id="{435753B3-DA71-F99D-7A12-8F5F592F0E1B}"/>
+              </a:ext>
+            </a:extLst>
+          </p:cNvPr>
+          <p:cNvPicPr>
+            <a:picLocks noChangeAspect="1"/>
+          </p:cNvPicPr>
+          <p:nvPr/>
+        </p:nvPicPr>
+        <p:blipFill>
+          <a:blip r:embed="rId2">
+            <a:extLst>
+              <a:ext uri="{28A0092B-C50C-407E-A947-70E740481C1C}">
+                <a14:useLocalDpi xmlns:a14="http://schemas.microsoft.com/office/drawing/2010/main" val="0"/>
+              </a:ext>
+            </a:extLst>
+          </a:blip>
+          <a:stretch>
+            <a:fillRect/>
+          </a:stretch>
+        </p:blipFill>
+        <p:spPr>
+          <a:xfrm>
+            <a:off x="3404599" y="490891"/>
+            <a:ext cx="2691401" cy="5982853"/>
+          </a:xfrm>
+          <a:prstGeom prst="rect">
+            <a:avLst/>
+          </a:prstGeom>
+        </p:spPr>
+      </p:pic>
+      <p:pic>
+        <p:nvPicPr>
+          <p:cNvPr id="13" name="図 12" descr="グラフィカル ユーザー インターフェイス, テキスト, アプリケーション&#10;&#10;AI 生成コンテンツは誤りを含む可能性があります。">
+            <a:extLst>
+              <a:ext uri="{FF2B5EF4-FFF2-40B4-BE49-F238E27FC236}">
+                <a16:creationId xmlns:a16="http://schemas.microsoft.com/office/drawing/2014/main" id="{3EFFD5FC-641F-4C55-0802-833F6AD769BD}"/>
+              </a:ext>
+            </a:extLst>
+          </p:cNvPr>
+          <p:cNvPicPr>
+            <a:picLocks noChangeAspect="1"/>
+          </p:cNvPicPr>
+          <p:nvPr/>
+        </p:nvPicPr>
+        <p:blipFill>
+          <a:blip r:embed="rId3">
+            <a:extLst>
+              <a:ext uri="{28A0092B-C50C-407E-A947-70E740481C1C}">
+                <a14:useLocalDpi xmlns:a14="http://schemas.microsoft.com/office/drawing/2010/main" val="0"/>
+              </a:ext>
+            </a:extLst>
+          </a:blip>
+          <a:stretch>
+            <a:fillRect/>
+          </a:stretch>
+        </p:blipFill>
+        <p:spPr>
+          <a:xfrm>
+            <a:off x="6575199" y="490891"/>
+            <a:ext cx="2715387" cy="6036173"/>
+          </a:xfrm>
+          <a:prstGeom prst="rect">
+            <a:avLst/>
+          </a:prstGeom>
+        </p:spPr>
+      </p:pic>
     </p:spTree>
     <p:extLst>
       <p:ext uri="{BB962C8B-B14F-4D97-AF65-F5344CB8AC3E}">
         <p14:creationId xmlns:p14="http://schemas.microsoft.com/office/powerpoint/2010/main" val="119726820"/>
+      </p:ext>
+    </p:extLst>
+  </p:cSld>
+  <p:clrMapOvr>
+    <a:masterClrMapping/>
+  </p:clrMapOvr>
+</p:sld>
+</file>
+
+<file path=ppt/slides/slide8.xml><?xml version="1.0" encoding="utf-8"?>
+<p:sld xmlns:a="http://schemas.openxmlformats.org/drawingml/2006/main" xmlns:r="http://schemas.openxmlformats.org/officeDocument/2006/relationships" xmlns:p="http://schemas.openxmlformats.org/presentationml/2006/main">
+  <p:cSld>
+    <p:spTree>
+      <p:nvGrpSpPr>
+        <p:cNvPr id="1" name="">
+          <a:extLst>
+            <a:ext uri="{FF2B5EF4-FFF2-40B4-BE49-F238E27FC236}">
+              <a16:creationId xmlns:a16="http://schemas.microsoft.com/office/drawing/2014/main" id="{98166D97-287B-6963-989A-AF74F944F8F5}"/>
+            </a:ext>
+          </a:extLst>
+        </p:cNvPr>
+        <p:cNvGrpSpPr/>
+        <p:nvPr/>
+      </p:nvGrpSpPr>
+      <p:grpSpPr>
+        <a:xfrm>
+          <a:off x="0" y="0"/>
+          <a:ext cx="0" cy="0"/>
+          <a:chOff x="0" y="0"/>
+          <a:chExt cx="0" cy="0"/>
+        </a:xfrm>
+      </p:grpSpPr>
+      <p:sp>
+        <p:nvSpPr>
+          <p:cNvPr id="2" name="タイトル 1">
+            <a:extLst>
+              <a:ext uri="{FF2B5EF4-FFF2-40B4-BE49-F238E27FC236}">
+                <a16:creationId xmlns:a16="http://schemas.microsoft.com/office/drawing/2014/main" id="{267AEFE0-9EE2-5118-E52A-9E04EB01BB99}"/>
+              </a:ext>
+            </a:extLst>
+          </p:cNvPr>
+          <p:cNvSpPr>
+            <a:spLocks noGrp="1"/>
+          </p:cNvSpPr>
+          <p:nvPr>
+            <p:ph type="title"/>
+          </p:nvPr>
+        </p:nvSpPr>
+        <p:spPr>
+          <a:xfrm>
+            <a:off x="544286" y="315685"/>
+            <a:ext cx="4615543" cy="1240971"/>
+          </a:xfrm>
+        </p:spPr>
+        <p:txBody>
+          <a:bodyPr>
+            <a:normAutofit/>
+          </a:bodyPr>
+          <a:lstStyle/>
+          <a:p>
+            <a:r>
+              <a:rPr kumimoji="1" lang="ja-JP" altLang="en-US" u="sng" dirty="0"/>
+              <a:t>タスクの削除</a:t>
+            </a:r>
+          </a:p>
+        </p:txBody>
+      </p:sp>
+      <p:pic>
+        <p:nvPicPr>
+          <p:cNvPr id="5" name="図 4" descr="グラフィカル ユーザー インターフェイス, テキスト, アプリケーション, チャットまたはテキスト メッセージ&#10;&#10;AI 生成コンテンツは誤りを含む可能性があります。">
+            <a:extLst>
+              <a:ext uri="{FF2B5EF4-FFF2-40B4-BE49-F238E27FC236}">
+                <a16:creationId xmlns:a16="http://schemas.microsoft.com/office/drawing/2014/main" id="{A20C7EAB-9BBF-56B2-ECBB-37BA685F7F86}"/>
+              </a:ext>
+            </a:extLst>
+          </p:cNvPr>
+          <p:cNvPicPr>
+            <a:picLocks noChangeAspect="1"/>
+          </p:cNvPicPr>
+          <p:nvPr/>
+        </p:nvPicPr>
+        <p:blipFill>
+          <a:blip r:embed="rId2">
+            <a:extLst>
+              <a:ext uri="{28A0092B-C50C-407E-A947-70E740481C1C}">
+                <a14:useLocalDpi xmlns:a14="http://schemas.microsoft.com/office/drawing/2010/main" val="0"/>
+              </a:ext>
+            </a:extLst>
+          </a:blip>
+          <a:stretch>
+            <a:fillRect/>
+          </a:stretch>
+        </p:blipFill>
+        <p:spPr>
+          <a:xfrm>
+            <a:off x="6379029" y="217268"/>
+            <a:ext cx="2957685" cy="6423464"/>
+          </a:xfrm>
+          <a:prstGeom prst="rect">
+            <a:avLst/>
+          </a:prstGeom>
+        </p:spPr>
+      </p:pic>
+      <p:sp>
+        <p:nvSpPr>
+          <p:cNvPr id="6" name="タイトル 1">
+            <a:extLst>
+              <a:ext uri="{FF2B5EF4-FFF2-40B4-BE49-F238E27FC236}">
+                <a16:creationId xmlns:a16="http://schemas.microsoft.com/office/drawing/2014/main" id="{36B1E15D-9998-5186-B6D9-D78DB9363936}"/>
+              </a:ext>
+            </a:extLst>
+          </p:cNvPr>
+          <p:cNvSpPr txBox="1">
+            <a:spLocks/>
+          </p:cNvSpPr>
+          <p:nvPr/>
+        </p:nvSpPr>
+        <p:spPr>
+          <a:xfrm>
+            <a:off x="1589314" y="3429000"/>
+            <a:ext cx="5127171" cy="685800"/>
+          </a:xfrm>
+          <a:prstGeom prst="rect">
+            <a:avLst/>
+          </a:prstGeom>
+        </p:spPr>
+        <p:txBody>
+          <a:bodyPr vert="horz" lIns="91440" tIns="45720" rIns="91440" bIns="45720" rtlCol="0" anchor="ctr">
+            <a:normAutofit/>
+          </a:bodyPr>
+          <a:lstStyle>
+            <a:lvl1pPr algn="l" defTabSz="914400" rtl="0" eaLnBrk="1" latinLnBrk="0" hangingPunct="1">
+              <a:lnSpc>
+                <a:spcPct val="90000"/>
+              </a:lnSpc>
+              <a:spcBef>
+                <a:spcPct val="0"/>
+              </a:spcBef>
+              <a:buNone/>
+              <a:defRPr kumimoji="1" sz="4400" kern="1200">
+                <a:solidFill>
+                  <a:schemeClr val="accent1"/>
+                </a:solidFill>
+                <a:latin typeface="+mj-lt"/>
+                <a:ea typeface="+mj-ea"/>
+                <a:cs typeface="+mj-cs"/>
+              </a:defRPr>
+            </a:lvl1pPr>
+          </a:lstStyle>
+          <a:p>
+            <a:r>
+              <a:rPr lang="ja-JP" altLang="en-US" sz="2800" u="sng" dirty="0"/>
+              <a:t>ゴミ箱マークを押して削除</a:t>
+            </a:r>
+          </a:p>
+        </p:txBody>
+      </p:sp>
+      <p:pic>
+        <p:nvPicPr>
+          <p:cNvPr id="9" name="図 8">
+            <a:extLst>
+              <a:ext uri="{FF2B5EF4-FFF2-40B4-BE49-F238E27FC236}">
+                <a16:creationId xmlns:a16="http://schemas.microsoft.com/office/drawing/2014/main" id="{24D4FA01-34F9-52EE-CEF1-7FE9AF9B4E04}"/>
+              </a:ext>
+            </a:extLst>
+          </p:cNvPr>
+          <p:cNvPicPr>
+            <a:picLocks noChangeAspect="1"/>
+          </p:cNvPicPr>
+          <p:nvPr/>
+        </p:nvPicPr>
+        <p:blipFill>
+          <a:blip r:embed="rId3"/>
+          <a:stretch>
+            <a:fillRect/>
+          </a:stretch>
+        </p:blipFill>
+        <p:spPr>
+          <a:xfrm>
+            <a:off x="1964803" y="4299856"/>
+            <a:ext cx="2411254" cy="1599775"/>
+          </a:xfrm>
+          <a:prstGeom prst="rect">
+            <a:avLst/>
+          </a:prstGeom>
+        </p:spPr>
+      </p:pic>
+      <p:sp>
+        <p:nvSpPr>
+          <p:cNvPr id="10" name="円: 塗りつぶしなし 9">
+            <a:extLst>
+              <a:ext uri="{FF2B5EF4-FFF2-40B4-BE49-F238E27FC236}">
+                <a16:creationId xmlns:a16="http://schemas.microsoft.com/office/drawing/2014/main" id="{BA77D671-B352-E236-21B4-12B33B1D5B9D}"/>
+              </a:ext>
+            </a:extLst>
+          </p:cNvPr>
+          <p:cNvSpPr/>
+          <p:nvPr/>
+        </p:nvSpPr>
+        <p:spPr>
+          <a:xfrm>
+            <a:off x="3170430" y="4555884"/>
+            <a:ext cx="936171" cy="908746"/>
+          </a:xfrm>
+          <a:prstGeom prst="donut">
+            <a:avLst>
+              <a:gd name="adj" fmla="val 0"/>
+            </a:avLst>
+          </a:prstGeom>
+          <a:solidFill>
+            <a:srgbClr val="FF0000"/>
+          </a:solidFill>
+          <a:ln>
+            <a:solidFill>
+              <a:srgbClr val="FF0000"/>
+            </a:solidFill>
+          </a:ln>
+        </p:spPr>
+        <p:style>
+          <a:lnRef idx="2">
+            <a:schemeClr val="accent1">
+              <a:shade val="15000"/>
+            </a:schemeClr>
+          </a:lnRef>
+          <a:fillRef idx="1">
+            <a:schemeClr val="accent1"/>
+          </a:fillRef>
+          <a:effectRef idx="0">
+            <a:schemeClr val="accent1"/>
+          </a:effectRef>
+          <a:fontRef idx="minor">
+            <a:schemeClr val="lt1"/>
+          </a:fontRef>
+        </p:style>
+        <p:txBody>
+          <a:bodyPr rtlCol="0" anchor="ctr"/>
+          <a:lstStyle/>
+          <a:p>
+            <a:pPr algn="ctr"/>
+            <a:endParaRPr kumimoji="1" lang="ja-JP" altLang="en-US">
+              <a:solidFill>
+                <a:schemeClr val="tx1"/>
+              </a:solidFill>
+            </a:endParaRPr>
+          </a:p>
+        </p:txBody>
+      </p:sp>
+    </p:spTree>
+    <p:extLst>
+      <p:ext uri="{BB962C8B-B14F-4D97-AF65-F5344CB8AC3E}">
+        <p14:creationId xmlns:p14="http://schemas.microsoft.com/office/powerpoint/2010/main" val="407515384"/>
+      </p:ext>
+    </p:extLst>
+  </p:cSld>
+  <p:clrMapOvr>
+    <a:masterClrMapping/>
+  </p:clrMapOvr>
+</p:sld>
+</file>
+
+<file path=ppt/slides/slide9.xml><?xml version="1.0" encoding="utf-8"?>
+<p:sld xmlns:a="http://schemas.openxmlformats.org/drawingml/2006/main" xmlns:r="http://schemas.openxmlformats.org/officeDocument/2006/relationships" xmlns:p="http://schemas.openxmlformats.org/presentationml/2006/main">
+  <p:cSld>
+    <p:spTree>
+      <p:nvGrpSpPr>
+        <p:cNvPr id="1" name=""/>
+        <p:cNvGrpSpPr/>
+        <p:nvPr/>
+      </p:nvGrpSpPr>
+      <p:grpSpPr>
+        <a:xfrm>
+          <a:off x="0" y="0"/>
+          <a:ext cx="0" cy="0"/>
+          <a:chOff x="0" y="0"/>
+          <a:chExt cx="0" cy="0"/>
+        </a:xfrm>
+      </p:grpSpPr>
+      <p:sp>
+        <p:nvSpPr>
+          <p:cNvPr id="3" name="タイトル 1">
+            <a:extLst>
+              <a:ext uri="{FF2B5EF4-FFF2-40B4-BE49-F238E27FC236}">
+                <a16:creationId xmlns:a16="http://schemas.microsoft.com/office/drawing/2014/main" id="{115D7E8D-A048-11F5-A7CF-BCCBF1DB51EF}"/>
+              </a:ext>
+            </a:extLst>
+          </p:cNvPr>
+          <p:cNvSpPr>
+            <a:spLocks noGrp="1"/>
+          </p:cNvSpPr>
+          <p:nvPr>
+            <p:ph type="title"/>
+          </p:nvPr>
+        </p:nvSpPr>
+        <p:spPr>
+          <a:xfrm>
+            <a:off x="544286" y="315685"/>
+            <a:ext cx="4615543" cy="1240971"/>
+          </a:xfrm>
+        </p:spPr>
+        <p:txBody>
+          <a:bodyPr>
+            <a:normAutofit/>
+          </a:bodyPr>
+          <a:lstStyle/>
+          <a:p>
+            <a:r>
+              <a:rPr kumimoji="1" lang="ja-JP" altLang="en-US" u="sng" dirty="0"/>
+              <a:t>タスクの</a:t>
+            </a:r>
+            <a:r>
+              <a:rPr lang="ja-JP" altLang="en-US" u="sng" dirty="0"/>
+              <a:t>検索</a:t>
+            </a:r>
+            <a:endParaRPr kumimoji="1" lang="ja-JP" altLang="en-US" u="sng" dirty="0"/>
+          </a:p>
+        </p:txBody>
+      </p:sp>
+      <p:sp>
+        <p:nvSpPr>
+          <p:cNvPr id="6" name="タイトル 1">
+            <a:extLst>
+              <a:ext uri="{FF2B5EF4-FFF2-40B4-BE49-F238E27FC236}">
+                <a16:creationId xmlns:a16="http://schemas.microsoft.com/office/drawing/2014/main" id="{AA599555-0B30-1854-8CE2-D4FE94A49563}"/>
+              </a:ext>
+            </a:extLst>
+          </p:cNvPr>
+          <p:cNvSpPr txBox="1">
+            <a:spLocks/>
+          </p:cNvSpPr>
+          <p:nvPr/>
+        </p:nvSpPr>
+        <p:spPr>
+          <a:xfrm>
+            <a:off x="892628" y="2743200"/>
+            <a:ext cx="5606143" cy="685800"/>
+          </a:xfrm>
+          <a:prstGeom prst="rect">
+            <a:avLst/>
+          </a:prstGeom>
+        </p:spPr>
+        <p:txBody>
+          <a:bodyPr vert="horz" lIns="91440" tIns="45720" rIns="91440" bIns="45720" rtlCol="0" anchor="ctr">
+            <a:normAutofit/>
+          </a:bodyPr>
+          <a:lstStyle>
+            <a:lvl1pPr algn="l" defTabSz="914400" rtl="0" eaLnBrk="1" latinLnBrk="0" hangingPunct="1">
+              <a:lnSpc>
+                <a:spcPct val="90000"/>
+              </a:lnSpc>
+              <a:spcBef>
+                <a:spcPct val="0"/>
+              </a:spcBef>
+              <a:buNone/>
+              <a:defRPr kumimoji="1" sz="4400" kern="1200">
+                <a:solidFill>
+                  <a:schemeClr val="accent1"/>
+                </a:solidFill>
+                <a:latin typeface="+mj-lt"/>
+                <a:ea typeface="+mj-ea"/>
+                <a:cs typeface="+mj-cs"/>
+              </a:defRPr>
+            </a:lvl1pPr>
+          </a:lstStyle>
+          <a:p>
+            <a:r>
+              <a:rPr lang="ja-JP" altLang="en-US" sz="2800" u="sng" dirty="0"/>
+              <a:t>検索バーに入れた文字で絞り込み</a:t>
+            </a:r>
+          </a:p>
+        </p:txBody>
+      </p:sp>
+      <p:pic>
+        <p:nvPicPr>
+          <p:cNvPr id="8" name="図 7" descr="グラフィカル ユーザー インターフェイス, アプリケーション&#10;&#10;AI 生成コンテンツは誤りを含む可能性があります。">
+            <a:extLst>
+              <a:ext uri="{FF2B5EF4-FFF2-40B4-BE49-F238E27FC236}">
+                <a16:creationId xmlns:a16="http://schemas.microsoft.com/office/drawing/2014/main" id="{0FF68F9E-86CB-C450-973E-51A184973C94}"/>
+              </a:ext>
+            </a:extLst>
+          </p:cNvPr>
+          <p:cNvPicPr>
+            <a:picLocks noChangeAspect="1"/>
+          </p:cNvPicPr>
+          <p:nvPr/>
+        </p:nvPicPr>
+        <p:blipFill>
+          <a:blip r:embed="rId2">
+            <a:extLst>
+              <a:ext uri="{28A0092B-C50C-407E-A947-70E740481C1C}">
+                <a14:useLocalDpi xmlns:a14="http://schemas.microsoft.com/office/drawing/2010/main" val="0"/>
+              </a:ext>
+            </a:extLst>
+          </a:blip>
+          <a:stretch>
+            <a:fillRect/>
+          </a:stretch>
+        </p:blipFill>
+        <p:spPr>
+          <a:xfrm>
+            <a:off x="6716487" y="1121227"/>
+            <a:ext cx="5017564" cy="5301344"/>
+          </a:xfrm>
+          <a:prstGeom prst="rect">
+            <a:avLst/>
+          </a:prstGeom>
+        </p:spPr>
+      </p:pic>
+    </p:spTree>
+    <p:extLst>
+      <p:ext uri="{BB962C8B-B14F-4D97-AF65-F5344CB8AC3E}">
+        <p14:creationId xmlns:p14="http://schemas.microsoft.com/office/powerpoint/2010/main" val="674122501"/>
       </p:ext>
     </p:extLst>
   </p:cSld>

--- a/pawapo_todo.pptx
+++ b/pawapo_todo.pptx
@@ -3978,12 +3978,20 @@
             <p:ph type="title"/>
           </p:nvPr>
         </p:nvSpPr>
-        <p:spPr/>
+        <p:spPr>
+          <a:xfrm>
+            <a:off x="1981200" y="2525485"/>
+            <a:ext cx="9875520" cy="1356360"/>
+          </a:xfrm>
+        </p:spPr>
         <p:txBody>
           <a:bodyPr/>
           <a:lstStyle/>
           <a:p>
-            <a:endParaRPr kumimoji="1" lang="ja-JP" altLang="en-US" dirty="0"/>
+            <a:r>
+              <a:rPr kumimoji="1" lang="ja-JP" altLang="en-US" dirty="0"/>
+              <a:t>ご清聴ありがとうございました</a:t>
+            </a:r>
           </a:p>
         </p:txBody>
       </p:sp>
@@ -4177,7 +4185,7 @@
         </p:nvSpPr>
         <p:spPr>
           <a:xfrm>
-            <a:off x="679268" y="3608616"/>
+            <a:off x="679268" y="3899263"/>
             <a:ext cx="9875520" cy="1356360"/>
           </a:xfrm>
           <a:prstGeom prst="rect">
@@ -4186,7 +4194,7 @@
         </p:spPr>
         <p:txBody>
           <a:bodyPr vert="horz" lIns="91440" tIns="45720" rIns="91440" bIns="45720" rtlCol="0" anchor="ctr">
-            <a:normAutofit/>
+            <a:normAutofit lnSpcReduction="10000"/>
           </a:bodyPr>
           <a:lstStyle>
             <a:lvl1pPr algn="l" defTabSz="914400" rtl="0" eaLnBrk="1" latinLnBrk="0" hangingPunct="1">
@@ -4213,10 +4221,52 @@
               <a:t>・</a:t>
             </a:r>
             <a:r>
-              <a:rPr lang="en-US" altLang="ja-JP" sz="3200"/>
-              <a:t>Flutter</a:t>
-            </a:r>
-            <a:endParaRPr lang="en-US" altLang="ja-JP" sz="3200" dirty="0"/>
+              <a:rPr lang="en-US" altLang="ja-JP" sz="3200" dirty="0">
+                <a:latin typeface="ＭＳ ゴシック" panose="020B0609070205080204" pitchFamily="49" charset="-128"/>
+                <a:ea typeface="ＭＳ ゴシック" panose="020B0609070205080204" pitchFamily="49" charset="-128"/>
+              </a:rPr>
+              <a:t>Flutter(3.24.23)</a:t>
+            </a:r>
+          </a:p>
+          <a:p>
+            <a:r>
+              <a:rPr lang="ja-JP" altLang="en-US" sz="3200" dirty="0">
+                <a:latin typeface="ＭＳ ゴシック" panose="020B0609070205080204" pitchFamily="49" charset="-128"/>
+                <a:ea typeface="ＭＳ ゴシック" panose="020B0609070205080204" pitchFamily="49" charset="-128"/>
+              </a:rPr>
+              <a:t>・</a:t>
+            </a:r>
+            <a:r>
+              <a:rPr lang="en-US" altLang="ja-JP" sz="3200" dirty="0" err="1">
+                <a:latin typeface="ＭＳ ゴシック" panose="020B0609070205080204" pitchFamily="49" charset="-128"/>
+                <a:ea typeface="ＭＳ ゴシック" panose="020B0609070205080204" pitchFamily="49" charset="-128"/>
+              </a:rPr>
+              <a:t>VSCode</a:t>
+            </a:r>
+            <a:endParaRPr lang="en-US" altLang="ja-JP" sz="3200" dirty="0">
+              <a:latin typeface="ＭＳ ゴシック" panose="020B0609070205080204" pitchFamily="49" charset="-128"/>
+              <a:ea typeface="ＭＳ ゴシック" panose="020B0609070205080204" pitchFamily="49" charset="-128"/>
+            </a:endParaRPr>
+          </a:p>
+          <a:p>
+            <a:r>
+              <a:rPr lang="ja-JP" altLang="en-US" sz="3200" dirty="0">
+                <a:latin typeface="ＭＳ ゴシック" panose="020B0609070205080204" pitchFamily="49" charset="-128"/>
+                <a:ea typeface="ＭＳ ゴシック" panose="020B0609070205080204" pitchFamily="49" charset="-128"/>
+              </a:rPr>
+              <a:t>・</a:t>
+            </a:r>
+            <a:r>
+              <a:rPr lang="en-US" altLang="ja-JP" sz="3200" dirty="0" err="1">
+                <a:latin typeface="ＭＳ ゴシック" panose="020B0609070205080204" pitchFamily="49" charset="-128"/>
+                <a:ea typeface="ＭＳ ゴシック" panose="020B0609070205080204" pitchFamily="49" charset="-128"/>
+              </a:rPr>
+              <a:t>GoogleGemini</a:t>
+            </a:r>
+            <a:endParaRPr lang="en-US" altLang="ja-JP" sz="3200" dirty="0">
+              <a:latin typeface="ＭＳ ゴシック" panose="020B0609070205080204" pitchFamily="49" charset="-128"/>
+              <a:ea typeface="ＭＳ ゴシック" panose="020B0609070205080204" pitchFamily="49" charset="-128"/>
+            </a:endParaRPr>
           </a:p>
         </p:txBody>
       </p:sp>

--- a/pawapo_todo.pptx
+++ b/pawapo_todo.pptx
@@ -15,7 +15,9 @@
     <p:sldId id="263" r:id="rId9"/>
     <p:sldId id="264" r:id="rId10"/>
     <p:sldId id="265" r:id="rId11"/>
-    <p:sldId id="266" r:id="rId12"/>
+    <p:sldId id="267" r:id="rId12"/>
+    <p:sldId id="268" r:id="rId13"/>
+    <p:sldId id="266" r:id="rId14"/>
   </p:sldIdLst>
   <p:sldSz cx="12192000" cy="6858000"/>
   <p:notesSz cx="6858000" cy="9144000"/>
@@ -318,7 +320,7 @@
           <a:p>
             <a:fld id="{C9B504C2-A79A-4F1A-AD7E-81042A61A2F1}" type="datetimeFigureOut">
               <a:rPr kumimoji="1" lang="ja-JP" altLang="en-US" smtClean="0"/>
-              <a:t>2025/7/9</a:t>
+              <a:t>2025/7/16</a:t>
             </a:fld>
             <a:endParaRPr kumimoji="1" lang="ja-JP" altLang="en-US"/>
           </a:p>
@@ -571,7 +573,7 @@
           <a:p>
             <a:fld id="{C9B504C2-A79A-4F1A-AD7E-81042A61A2F1}" type="datetimeFigureOut">
               <a:rPr kumimoji="1" lang="ja-JP" altLang="en-US" smtClean="0"/>
-              <a:t>2025/7/9</a:t>
+              <a:t>2025/7/16</a:t>
             </a:fld>
             <a:endParaRPr kumimoji="1" lang="ja-JP" altLang="en-US"/>
           </a:p>
@@ -783,7 +785,7 @@
           <a:p>
             <a:fld id="{C9B504C2-A79A-4F1A-AD7E-81042A61A2F1}" type="datetimeFigureOut">
               <a:rPr kumimoji="1" lang="ja-JP" altLang="en-US" smtClean="0"/>
-              <a:t>2025/7/9</a:t>
+              <a:t>2025/7/16</a:t>
             </a:fld>
             <a:endParaRPr kumimoji="1" lang="ja-JP" altLang="en-US"/>
           </a:p>
@@ -985,7 +987,7 @@
           <a:p>
             <a:fld id="{C9B504C2-A79A-4F1A-AD7E-81042A61A2F1}" type="datetimeFigureOut">
               <a:rPr kumimoji="1" lang="ja-JP" altLang="en-US" smtClean="0"/>
-              <a:t>2025/7/9</a:t>
+              <a:t>2025/7/16</a:t>
             </a:fld>
             <a:endParaRPr kumimoji="1" lang="ja-JP" altLang="en-US"/>
           </a:p>
@@ -1236,7 +1238,7 @@
           <a:p>
             <a:fld id="{C9B504C2-A79A-4F1A-AD7E-81042A61A2F1}" type="datetimeFigureOut">
               <a:rPr kumimoji="1" lang="ja-JP" altLang="en-US" smtClean="0"/>
-              <a:t>2025/7/9</a:t>
+              <a:t>2025/7/16</a:t>
             </a:fld>
             <a:endParaRPr kumimoji="1" lang="ja-JP" altLang="en-US"/>
           </a:p>
@@ -1623,7 +1625,7 @@
           <a:p>
             <a:fld id="{C9B504C2-A79A-4F1A-AD7E-81042A61A2F1}" type="datetimeFigureOut">
               <a:rPr kumimoji="1" lang="ja-JP" altLang="en-US" smtClean="0"/>
-              <a:t>2025/7/9</a:t>
+              <a:t>2025/7/16</a:t>
             </a:fld>
             <a:endParaRPr kumimoji="1" lang="ja-JP" altLang="en-US"/>
           </a:p>
@@ -2111,7 +2113,7 @@
           <a:p>
             <a:fld id="{C9B504C2-A79A-4F1A-AD7E-81042A61A2F1}" type="datetimeFigureOut">
               <a:rPr kumimoji="1" lang="ja-JP" altLang="en-US" smtClean="0"/>
-              <a:t>2025/7/9</a:t>
+              <a:t>2025/7/16</a:t>
             </a:fld>
             <a:endParaRPr kumimoji="1" lang="ja-JP" altLang="en-US"/>
           </a:p>
@@ -2229,7 +2231,7 @@
           <a:p>
             <a:fld id="{C9B504C2-A79A-4F1A-AD7E-81042A61A2F1}" type="datetimeFigureOut">
               <a:rPr kumimoji="1" lang="ja-JP" altLang="en-US" smtClean="0"/>
-              <a:t>2025/7/9</a:t>
+              <a:t>2025/7/16</a:t>
             </a:fld>
             <a:endParaRPr kumimoji="1" lang="ja-JP" altLang="en-US"/>
           </a:p>
@@ -2324,7 +2326,7 @@
           <a:p>
             <a:fld id="{C9B504C2-A79A-4F1A-AD7E-81042A61A2F1}" type="datetimeFigureOut">
               <a:rPr kumimoji="1" lang="ja-JP" altLang="en-US" smtClean="0"/>
-              <a:t>2025/7/9</a:t>
+              <a:t>2025/7/16</a:t>
             </a:fld>
             <a:endParaRPr kumimoji="1" lang="ja-JP" altLang="en-US"/>
           </a:p>
@@ -2646,7 +2648,7 @@
           <a:p>
             <a:fld id="{C9B504C2-A79A-4F1A-AD7E-81042A61A2F1}" type="datetimeFigureOut">
               <a:rPr kumimoji="1" lang="ja-JP" altLang="en-US" smtClean="0"/>
-              <a:t>2025/7/9</a:t>
+              <a:t>2025/7/16</a:t>
             </a:fld>
             <a:endParaRPr kumimoji="1" lang="ja-JP" altLang="en-US"/>
           </a:p>
@@ -2918,7 +2920,7 @@
           <a:p>
             <a:fld id="{C9B504C2-A79A-4F1A-AD7E-81042A61A2F1}" type="datetimeFigureOut">
               <a:rPr kumimoji="1" lang="ja-JP" altLang="en-US" smtClean="0"/>
-              <a:t>2025/7/9</a:t>
+              <a:t>2025/7/16</a:t>
             </a:fld>
             <a:endParaRPr kumimoji="1" lang="ja-JP" altLang="en-US"/>
           </a:p>
@@ -3204,7 +3206,7 @@
           <a:p>
             <a:fld id="{C9B504C2-A79A-4F1A-AD7E-81042A61A2F1}" type="datetimeFigureOut">
               <a:rPr kumimoji="1" lang="ja-JP" altLang="en-US" smtClean="0"/>
-              <a:t>2025/7/9</a:t>
+              <a:t>2025/7/16</a:t>
             </a:fld>
             <a:endParaRPr kumimoji="1" lang="ja-JP" altLang="en-US"/>
           </a:p>
@@ -3964,6 +3966,281 @@
       </p:grpSpPr>
       <p:sp>
         <p:nvSpPr>
+          <p:cNvPr id="5" name="タイトル 1">
+            <a:extLst>
+              <a:ext uri="{FF2B5EF4-FFF2-40B4-BE49-F238E27FC236}">
+                <a16:creationId xmlns:a16="http://schemas.microsoft.com/office/drawing/2014/main" id="{A49703D8-90C8-EB3D-8CA6-A26C1B0EE9BB}"/>
+              </a:ext>
+            </a:extLst>
+          </p:cNvPr>
+          <p:cNvSpPr txBox="1">
+            <a:spLocks/>
+          </p:cNvSpPr>
+          <p:nvPr/>
+        </p:nvSpPr>
+        <p:spPr>
+          <a:xfrm>
+            <a:off x="527956" y="587827"/>
+            <a:ext cx="4241751" cy="1240971"/>
+          </a:xfrm>
+          <a:prstGeom prst="rect">
+            <a:avLst/>
+          </a:prstGeom>
+        </p:spPr>
+        <p:txBody>
+          <a:bodyPr>
+            <a:normAutofit/>
+          </a:bodyPr>
+          <a:lstStyle>
+            <a:lvl1pPr algn="l" defTabSz="914400" rtl="0" eaLnBrk="1" latinLnBrk="0" hangingPunct="1">
+              <a:lnSpc>
+                <a:spcPct val="90000"/>
+              </a:lnSpc>
+              <a:spcBef>
+                <a:spcPct val="0"/>
+              </a:spcBef>
+              <a:buNone/>
+              <a:defRPr kumimoji="1" sz="4400" kern="1200">
+                <a:solidFill>
+                  <a:schemeClr val="accent1"/>
+                </a:solidFill>
+                <a:latin typeface="+mj-lt"/>
+                <a:ea typeface="+mj-ea"/>
+                <a:cs typeface="+mj-cs"/>
+              </a:defRPr>
+            </a:lvl1pPr>
+          </a:lstStyle>
+          <a:p>
+            <a:r>
+              <a:rPr lang="ja-JP" altLang="en-US" u="sng" dirty="0"/>
+              <a:t>一応実機説明</a:t>
+            </a:r>
+          </a:p>
+        </p:txBody>
+      </p:sp>
+    </p:spTree>
+    <p:extLst>
+      <p:ext uri="{BB962C8B-B14F-4D97-AF65-F5344CB8AC3E}">
+        <p14:creationId xmlns:p14="http://schemas.microsoft.com/office/powerpoint/2010/main" val="4034238150"/>
+      </p:ext>
+    </p:extLst>
+  </p:cSld>
+  <p:clrMapOvr>
+    <a:masterClrMapping/>
+  </p:clrMapOvr>
+</p:sld>
+</file>
+
+<file path=ppt/slides/slide12.xml><?xml version="1.0" encoding="utf-8"?>
+<p:sld xmlns:a="http://schemas.openxmlformats.org/drawingml/2006/main" xmlns:r="http://schemas.openxmlformats.org/officeDocument/2006/relationships" xmlns:p="http://schemas.openxmlformats.org/presentationml/2006/main">
+  <p:cSld>
+    <p:spTree>
+      <p:nvGrpSpPr>
+        <p:cNvPr id="1" name=""/>
+        <p:cNvGrpSpPr/>
+        <p:nvPr/>
+      </p:nvGrpSpPr>
+      <p:grpSpPr>
+        <a:xfrm>
+          <a:off x="0" y="0"/>
+          <a:ext cx="0" cy="0"/>
+          <a:chOff x="0" y="0"/>
+          <a:chExt cx="0" cy="0"/>
+        </a:xfrm>
+      </p:grpSpPr>
+      <p:sp>
+        <p:nvSpPr>
+          <p:cNvPr id="3" name="タイトル 1">
+            <a:extLst>
+              <a:ext uri="{FF2B5EF4-FFF2-40B4-BE49-F238E27FC236}">
+                <a16:creationId xmlns:a16="http://schemas.microsoft.com/office/drawing/2014/main" id="{928AFB82-7803-E650-9C78-C12D728E68DC}"/>
+              </a:ext>
+            </a:extLst>
+          </p:cNvPr>
+          <p:cNvSpPr txBox="1">
+            <a:spLocks/>
+          </p:cNvSpPr>
+          <p:nvPr/>
+        </p:nvSpPr>
+        <p:spPr>
+          <a:xfrm>
+            <a:off x="527956" y="587827"/>
+            <a:ext cx="6045839" cy="1240971"/>
+          </a:xfrm>
+          <a:prstGeom prst="rect">
+            <a:avLst/>
+          </a:prstGeom>
+        </p:spPr>
+        <p:txBody>
+          <a:bodyPr>
+            <a:normAutofit/>
+          </a:bodyPr>
+          <a:lstStyle>
+            <a:lvl1pPr algn="l" defTabSz="914400" rtl="0" eaLnBrk="1" latinLnBrk="0" hangingPunct="1">
+              <a:lnSpc>
+                <a:spcPct val="90000"/>
+              </a:lnSpc>
+              <a:spcBef>
+                <a:spcPct val="0"/>
+              </a:spcBef>
+              <a:buNone/>
+              <a:defRPr kumimoji="1" sz="4400" kern="1200">
+                <a:solidFill>
+                  <a:schemeClr val="accent1"/>
+                </a:solidFill>
+                <a:latin typeface="+mj-lt"/>
+                <a:ea typeface="+mj-ea"/>
+                <a:cs typeface="+mj-cs"/>
+              </a:defRPr>
+            </a:lvl1pPr>
+          </a:lstStyle>
+          <a:p>
+            <a:r>
+              <a:rPr lang="ja-JP" altLang="en-US" u="sng" dirty="0"/>
+              <a:t>追加したかった機能</a:t>
+            </a:r>
+          </a:p>
+        </p:txBody>
+      </p:sp>
+      <p:sp>
+        <p:nvSpPr>
+          <p:cNvPr id="4" name="タイトル 1">
+            <a:extLst>
+              <a:ext uri="{FF2B5EF4-FFF2-40B4-BE49-F238E27FC236}">
+                <a16:creationId xmlns:a16="http://schemas.microsoft.com/office/drawing/2014/main" id="{BF9CAE57-E2F3-14EB-64B3-A7E49CCECE69}"/>
+              </a:ext>
+            </a:extLst>
+          </p:cNvPr>
+          <p:cNvSpPr txBox="1">
+            <a:spLocks/>
+          </p:cNvSpPr>
+          <p:nvPr/>
+        </p:nvSpPr>
+        <p:spPr>
+          <a:xfrm>
+            <a:off x="620486" y="1946556"/>
+            <a:ext cx="10945437" cy="3873475"/>
+          </a:xfrm>
+          <a:prstGeom prst="rect">
+            <a:avLst/>
+          </a:prstGeom>
+        </p:spPr>
+        <p:txBody>
+          <a:bodyPr vert="horz" lIns="91440" tIns="45720" rIns="91440" bIns="45720" rtlCol="0" anchor="ctr">
+            <a:normAutofit fontScale="92500" lnSpcReduction="10000"/>
+          </a:bodyPr>
+          <a:lstStyle>
+            <a:lvl1pPr algn="l" defTabSz="914400" rtl="0" eaLnBrk="1" latinLnBrk="0" hangingPunct="1">
+              <a:lnSpc>
+                <a:spcPct val="90000"/>
+              </a:lnSpc>
+              <a:spcBef>
+                <a:spcPct val="0"/>
+              </a:spcBef>
+              <a:buNone/>
+              <a:defRPr kumimoji="1" sz="4400" kern="1200">
+                <a:solidFill>
+                  <a:schemeClr val="accent1"/>
+                </a:solidFill>
+                <a:latin typeface="+mj-lt"/>
+                <a:ea typeface="+mj-ea"/>
+                <a:cs typeface="+mj-cs"/>
+              </a:defRPr>
+            </a:lvl1pPr>
+          </a:lstStyle>
+          <a:p>
+            <a:pPr>
+              <a:lnSpc>
+                <a:spcPct val="150000"/>
+              </a:lnSpc>
+            </a:pPr>
+            <a:r>
+              <a:rPr lang="ja-JP" altLang="en-US" sz="3900" dirty="0"/>
+              <a:t>・タスクの締め切り通知</a:t>
+            </a:r>
+            <a:endParaRPr lang="en-US" altLang="ja-JP" sz="3900" dirty="0"/>
+          </a:p>
+          <a:p>
+            <a:pPr>
+              <a:lnSpc>
+                <a:spcPct val="150000"/>
+              </a:lnSpc>
+            </a:pPr>
+            <a:r>
+              <a:rPr lang="ja-JP" altLang="en-US" sz="3900" dirty="0"/>
+              <a:t>・タスクの時間指定して通知</a:t>
+            </a:r>
+            <a:endParaRPr lang="en-US" altLang="ja-JP" sz="3900" dirty="0"/>
+          </a:p>
+          <a:p>
+            <a:pPr>
+              <a:lnSpc>
+                <a:spcPct val="150000"/>
+              </a:lnSpc>
+            </a:pPr>
+            <a:r>
+              <a:rPr lang="ja-JP" altLang="en-US" sz="3900" dirty="0"/>
+              <a:t>・通知のリマインド機能</a:t>
+            </a:r>
+            <a:endParaRPr lang="en-US" altLang="ja-JP" sz="3900" dirty="0"/>
+          </a:p>
+          <a:p>
+            <a:pPr>
+              <a:lnSpc>
+                <a:spcPct val="150000"/>
+              </a:lnSpc>
+            </a:pPr>
+            <a:r>
+              <a:rPr lang="ja-JP" altLang="en-US" sz="3900" dirty="0"/>
+              <a:t>・デカいアラーム音</a:t>
+            </a:r>
+            <a:endParaRPr lang="en-US" altLang="ja-JP" sz="3900" dirty="0"/>
+          </a:p>
+          <a:p>
+            <a:pPr>
+              <a:lnSpc>
+                <a:spcPct val="150000"/>
+              </a:lnSpc>
+            </a:pPr>
+            <a:r>
+              <a:rPr lang="ja-JP" altLang="en-US" sz="3900" dirty="0"/>
+              <a:t>・手描き機能</a:t>
+            </a:r>
+          </a:p>
+        </p:txBody>
+      </p:sp>
+    </p:spTree>
+    <p:extLst>
+      <p:ext uri="{BB962C8B-B14F-4D97-AF65-F5344CB8AC3E}">
+        <p14:creationId xmlns:p14="http://schemas.microsoft.com/office/powerpoint/2010/main" val="4088183321"/>
+      </p:ext>
+    </p:extLst>
+  </p:cSld>
+  <p:clrMapOvr>
+    <a:masterClrMapping/>
+  </p:clrMapOvr>
+</p:sld>
+</file>
+
+<file path=ppt/slides/slide13.xml><?xml version="1.0" encoding="utf-8"?>
+<p:sld xmlns:a="http://schemas.openxmlformats.org/drawingml/2006/main" xmlns:r="http://schemas.openxmlformats.org/officeDocument/2006/relationships" xmlns:p="http://schemas.openxmlformats.org/presentationml/2006/main">
+  <p:cSld>
+    <p:spTree>
+      <p:nvGrpSpPr>
+        <p:cNvPr id="1" name=""/>
+        <p:cNvGrpSpPr/>
+        <p:nvPr/>
+      </p:nvGrpSpPr>
+      <p:grpSpPr>
+        <a:xfrm>
+          <a:off x="0" y="0"/>
+          <a:ext cx="0" cy="0"/>
+          <a:chOff x="0" y="0"/>
+          <a:chExt cx="0" cy="0"/>
+        </a:xfrm>
+      </p:grpSpPr>
+      <p:sp>
+        <p:nvSpPr>
           <p:cNvPr id="2" name="タイトル 1">
             <a:extLst>
               <a:ext uri="{FF2B5EF4-FFF2-40B4-BE49-F238E27FC236}">
@@ -4186,7 +4463,7 @@
         <p:spPr>
           <a:xfrm>
             <a:off x="679268" y="3899263"/>
-            <a:ext cx="9875520" cy="1356360"/>
+            <a:ext cx="9875520" cy="1743892"/>
           </a:xfrm>
           <a:prstGeom prst="rect">
             <a:avLst/>
@@ -4194,7 +4471,7 @@
         </p:spPr>
         <p:txBody>
           <a:bodyPr vert="horz" lIns="91440" tIns="45720" rIns="91440" bIns="45720" rtlCol="0" anchor="ctr">
-            <a:normAutofit lnSpcReduction="10000"/>
+            <a:normAutofit/>
           </a:bodyPr>
           <a:lstStyle>
             <a:lvl1pPr algn="l" defTabSz="914400" rtl="0" eaLnBrk="1" latinLnBrk="0" hangingPunct="1">
@@ -4216,6 +4493,11 @@
             </a:lvl1pPr>
           </a:lstStyle>
           <a:p>
+            <a:pPr>
+              <a:lnSpc>
+                <a:spcPct val="110000"/>
+              </a:lnSpc>
+            </a:pPr>
             <a:r>
               <a:rPr lang="ja-JP" altLang="en-US" sz="3200" dirty="0"/>
               <a:t>・</a:t>
@@ -4229,6 +4511,11 @@
             </a:r>
           </a:p>
           <a:p>
+            <a:pPr>
+              <a:lnSpc>
+                <a:spcPct val="110000"/>
+              </a:lnSpc>
+            </a:pPr>
             <a:r>
               <a:rPr lang="ja-JP" altLang="en-US" sz="3200" dirty="0">
                 <a:latin typeface="ＭＳ ゴシック" panose="020B0609070205080204" pitchFamily="49" charset="-128"/>
@@ -4249,6 +4536,11 @@
             </a:endParaRPr>
           </a:p>
           <a:p>
+            <a:pPr>
+              <a:lnSpc>
+                <a:spcPct val="110000"/>
+              </a:lnSpc>
+            </a:pPr>
             <a:r>
               <a:rPr lang="ja-JP" altLang="en-US" sz="3200" dirty="0">
                 <a:latin typeface="ＭＳ ゴシック" panose="020B0609070205080204" pitchFamily="49" charset="-128"/>
